--- a/OOP/lectures/060--Internal.Classes.and.Exceptions.pptx
+++ b/OOP/lectures/060--Internal.Classes.and.Exceptions.pptx
@@ -5,54 +5,55 @@
     <p:sldMasterId id="2147483648" r:id="rId1"/>
   </p:sldMasterIdLst>
   <p:notesMasterIdLst>
-    <p:notesMasterId r:id="rId44"/>
+    <p:notesMasterId r:id="rId45"/>
   </p:notesMasterIdLst>
   <p:sldIdLst>
     <p:sldId id="267" r:id="rId2"/>
     <p:sldId id="312" r:id="rId3"/>
     <p:sldId id="274" r:id="rId4"/>
     <p:sldId id="310" r:id="rId5"/>
-    <p:sldId id="311" r:id="rId6"/>
-    <p:sldId id="278" r:id="rId7"/>
-    <p:sldId id="277" r:id="rId8"/>
-    <p:sldId id="280" r:id="rId9"/>
-    <p:sldId id="281" r:id="rId10"/>
-    <p:sldId id="282" r:id="rId11"/>
-    <p:sldId id="283" r:id="rId12"/>
-    <p:sldId id="284" r:id="rId13"/>
-    <p:sldId id="285" r:id="rId14"/>
-    <p:sldId id="286" r:id="rId15"/>
-    <p:sldId id="287" r:id="rId16"/>
-    <p:sldId id="288" r:id="rId17"/>
-    <p:sldId id="289" r:id="rId18"/>
-    <p:sldId id="290" r:id="rId19"/>
-    <p:sldId id="291" r:id="rId20"/>
-    <p:sldId id="292" r:id="rId21"/>
-    <p:sldId id="293" r:id="rId22"/>
-    <p:sldId id="294" r:id="rId23"/>
-    <p:sldId id="295" r:id="rId24"/>
-    <p:sldId id="296" r:id="rId25"/>
-    <p:sldId id="297" r:id="rId26"/>
-    <p:sldId id="298" r:id="rId27"/>
-    <p:sldId id="299" r:id="rId28"/>
-    <p:sldId id="300" r:id="rId29"/>
-    <p:sldId id="301" r:id="rId30"/>
-    <p:sldId id="302" r:id="rId31"/>
-    <p:sldId id="303" r:id="rId32"/>
-    <p:sldId id="304" r:id="rId33"/>
-    <p:sldId id="305" r:id="rId34"/>
-    <p:sldId id="306" r:id="rId35"/>
-    <p:sldId id="307" r:id="rId36"/>
-    <p:sldId id="308" r:id="rId37"/>
-    <p:sldId id="309" r:id="rId38"/>
-    <p:sldId id="279" r:id="rId39"/>
-    <p:sldId id="275" r:id="rId40"/>
-    <p:sldId id="272" r:id="rId41"/>
-    <p:sldId id="276" r:id="rId42"/>
-    <p:sldId id="268" r:id="rId43"/>
+    <p:sldId id="313" r:id="rId6"/>
+    <p:sldId id="311" r:id="rId7"/>
+    <p:sldId id="278" r:id="rId8"/>
+    <p:sldId id="277" r:id="rId9"/>
+    <p:sldId id="280" r:id="rId10"/>
+    <p:sldId id="281" r:id="rId11"/>
+    <p:sldId id="282" r:id="rId12"/>
+    <p:sldId id="283" r:id="rId13"/>
+    <p:sldId id="284" r:id="rId14"/>
+    <p:sldId id="285" r:id="rId15"/>
+    <p:sldId id="286" r:id="rId16"/>
+    <p:sldId id="287" r:id="rId17"/>
+    <p:sldId id="288" r:id="rId18"/>
+    <p:sldId id="289" r:id="rId19"/>
+    <p:sldId id="290" r:id="rId20"/>
+    <p:sldId id="291" r:id="rId21"/>
+    <p:sldId id="292" r:id="rId22"/>
+    <p:sldId id="293" r:id="rId23"/>
+    <p:sldId id="294" r:id="rId24"/>
+    <p:sldId id="295" r:id="rId25"/>
+    <p:sldId id="296" r:id="rId26"/>
+    <p:sldId id="297" r:id="rId27"/>
+    <p:sldId id="298" r:id="rId28"/>
+    <p:sldId id="299" r:id="rId29"/>
+    <p:sldId id="300" r:id="rId30"/>
+    <p:sldId id="301" r:id="rId31"/>
+    <p:sldId id="302" r:id="rId32"/>
+    <p:sldId id="303" r:id="rId33"/>
+    <p:sldId id="304" r:id="rId34"/>
+    <p:sldId id="305" r:id="rId35"/>
+    <p:sldId id="306" r:id="rId36"/>
+    <p:sldId id="307" r:id="rId37"/>
+    <p:sldId id="308" r:id="rId38"/>
+    <p:sldId id="309" r:id="rId39"/>
+    <p:sldId id="279" r:id="rId40"/>
+    <p:sldId id="275" r:id="rId41"/>
+    <p:sldId id="272" r:id="rId42"/>
+    <p:sldId id="276" r:id="rId43"/>
+    <p:sldId id="268" r:id="rId44"/>
   </p:sldIdLst>
   <p:sldSz cx="9144000" cy="6858000" type="screen4x3"/>
-  <p:notesSz cx="6858000" cy="9144000"/>
+  <p:notesSz cx="7315200" cy="9601200"/>
   <p:defaultTextStyle>
     <a:defPPr>
       <a:defRPr lang="en-US"/>
@@ -180,7 +181,7 @@
   </p:defaultTextStyle>
   <p:extLst>
     <p:ext uri="{EFAFB233-063F-42B5-8137-9DF3F51BA10A}">
-      <p15:sldGuideLst xmlns:p15="http://schemas.microsoft.com/office/powerpoint/2012/main">
+      <p15:sldGuideLst xmlns="" xmlns:p15="http://schemas.microsoft.com/office/powerpoint/2012/main">
         <p15:guide id="1" orient="horz" pos="2160">
           <p15:clr>
             <a:srgbClr val="A4A3A4"/>
@@ -235,7 +236,7 @@
         <p:spPr bwMode="auto">
           <a:xfrm>
             <a:off x="0" y="0"/>
-            <a:ext cx="2971800" cy="457200"/>
+            <a:ext cx="3169920" cy="480060"/>
           </a:xfrm>
           <a:prstGeom prst="rect">
             <a:avLst/>
@@ -247,14 +248,14 @@
           <a:effectLst/>
           <a:extLst>
             <a:ext uri="{909E8E84-426E-40DD-AFC4-6F175D3DCCD1}">
-              <a14:hiddenFill xmlns:a14="http://schemas.microsoft.com/office/drawing/2010/main">
+              <a14:hiddenFill xmlns="" xmlns:a14="http://schemas.microsoft.com/office/drawing/2010/main">
                 <a:solidFill>
                   <a:schemeClr val="accent1"/>
                 </a:solidFill>
               </a14:hiddenFill>
             </a:ext>
             <a:ext uri="{91240B29-F687-4F45-9708-019B960494DF}">
-              <a14:hiddenLine xmlns:a14="http://schemas.microsoft.com/office/drawing/2010/main" w="9525">
+              <a14:hiddenLine xmlns="" xmlns:a14="http://schemas.microsoft.com/office/drawing/2010/main" w="9525">
                 <a:solidFill>
                   <a:schemeClr val="tx1"/>
                 </a:solidFill>
@@ -264,7 +265,7 @@
               </a14:hiddenLine>
             </a:ext>
             <a:ext uri="{AF507438-7753-43E0-B8FC-AC1667EBCBE1}">
-              <a14:hiddenEffects xmlns:a14="http://schemas.microsoft.com/office/drawing/2010/main">
+              <a14:hiddenEffects xmlns="" xmlns:a14="http://schemas.microsoft.com/office/drawing/2010/main">
                 <a:effectLst>
                   <a:outerShdw dist="35921" dir="2700000" algn="ctr" rotWithShape="0">
                     <a:schemeClr val="bg2"/>
@@ -275,14 +276,14 @@
           </a:extLst>
         </p:spPr>
         <p:txBody>
-          <a:bodyPr vert="horz" wrap="square" lIns="91440" tIns="45720" rIns="91440" bIns="45720" numCol="1" anchor="t" anchorCtr="0" compatLnSpc="1">
+          <a:bodyPr vert="horz" wrap="square" lIns="96661" tIns="48331" rIns="96661" bIns="48331" numCol="1" anchor="t" anchorCtr="0" compatLnSpc="1">
             <a:prstTxWarp prst="textNoShape">
               <a:avLst/>
             </a:prstTxWarp>
           </a:bodyPr>
           <a:lstStyle>
             <a:lvl1pPr eaLnBrk="0" hangingPunct="0">
-              <a:defRPr sz="1200"/>
+              <a:defRPr sz="1300"/>
             </a:lvl1pPr>
           </a:lstStyle>
           <a:p>
@@ -305,8 +306,8 @@
         </p:nvSpPr>
         <p:spPr bwMode="auto">
           <a:xfrm>
-            <a:off x="3884613" y="0"/>
-            <a:ext cx="2971800" cy="457200"/>
+            <a:off x="4143587" y="0"/>
+            <a:ext cx="3169920" cy="480060"/>
           </a:xfrm>
           <a:prstGeom prst="rect">
             <a:avLst/>
@@ -318,14 +319,14 @@
           <a:effectLst/>
           <a:extLst>
             <a:ext uri="{909E8E84-426E-40DD-AFC4-6F175D3DCCD1}">
-              <a14:hiddenFill xmlns:a14="http://schemas.microsoft.com/office/drawing/2010/main">
+              <a14:hiddenFill xmlns="" xmlns:a14="http://schemas.microsoft.com/office/drawing/2010/main">
                 <a:solidFill>
                   <a:schemeClr val="accent1"/>
                 </a:solidFill>
               </a14:hiddenFill>
             </a:ext>
             <a:ext uri="{91240B29-F687-4F45-9708-019B960494DF}">
-              <a14:hiddenLine xmlns:a14="http://schemas.microsoft.com/office/drawing/2010/main" w="9525">
+              <a14:hiddenLine xmlns="" xmlns:a14="http://schemas.microsoft.com/office/drawing/2010/main" w="9525">
                 <a:solidFill>
                   <a:schemeClr val="tx1"/>
                 </a:solidFill>
@@ -335,7 +336,7 @@
               </a14:hiddenLine>
             </a:ext>
             <a:ext uri="{AF507438-7753-43E0-B8FC-AC1667EBCBE1}">
-              <a14:hiddenEffects xmlns:a14="http://schemas.microsoft.com/office/drawing/2010/main">
+              <a14:hiddenEffects xmlns="" xmlns:a14="http://schemas.microsoft.com/office/drawing/2010/main">
                 <a:effectLst>
                   <a:outerShdw dist="35921" dir="2700000" algn="ctr" rotWithShape="0">
                     <a:schemeClr val="bg2"/>
@@ -346,14 +347,14 @@
           </a:extLst>
         </p:spPr>
         <p:txBody>
-          <a:bodyPr vert="horz" wrap="square" lIns="91440" tIns="45720" rIns="91440" bIns="45720" numCol="1" anchor="t" anchorCtr="0" compatLnSpc="1">
+          <a:bodyPr vert="horz" wrap="square" lIns="96661" tIns="48331" rIns="96661" bIns="48331" numCol="1" anchor="t" anchorCtr="0" compatLnSpc="1">
             <a:prstTxWarp prst="textNoShape">
               <a:avLst/>
             </a:prstTxWarp>
           </a:bodyPr>
           <a:lstStyle>
             <a:lvl1pPr algn="r" eaLnBrk="0" hangingPunct="0">
-              <a:defRPr sz="1200"/>
+              <a:defRPr sz="1300"/>
             </a:lvl1pPr>
           </a:lstStyle>
           <a:p>
@@ -368,7 +369,7 @@
         <p:nvSpPr>
           <p:cNvPr id="8196" name="Rectangle 4"/>
           <p:cNvSpPr>
-            <a:spLocks noRot="1" noChangeArrowheads="1" noTextEdit="1"/>
+            <a:spLocks noGrp="1" noRot="1" noChangeAspect="1" noChangeArrowheads="1" noTextEdit="1"/>
           </p:cNvSpPr>
           <p:nvPr>
             <p:ph type="sldImg" idx="2"/>
@@ -376,8 +377,8 @@
         </p:nvSpPr>
         <p:spPr bwMode="auto">
           <a:xfrm>
-            <a:off x="1143000" y="685800"/>
-            <a:ext cx="4572000" cy="3429000"/>
+            <a:off x="1257300" y="720725"/>
+            <a:ext cx="4800600" cy="3600450"/>
           </a:xfrm>
           <a:prstGeom prst="rect">
             <a:avLst/>
@@ -394,14 +395,14 @@
           <a:effectLst/>
           <a:extLst>
             <a:ext uri="{909E8E84-426E-40DD-AFC4-6F175D3DCCD1}">
-              <a14:hiddenFill xmlns:a14="http://schemas.microsoft.com/office/drawing/2010/main">
+              <a14:hiddenFill xmlns="" xmlns:a14="http://schemas.microsoft.com/office/drawing/2010/main">
                 <a:solidFill>
                   <a:srgbClr val="FFFFFF"/>
                 </a:solidFill>
               </a14:hiddenFill>
             </a:ext>
             <a:ext uri="{AF507438-7753-43E0-B8FC-AC1667EBCBE1}">
-              <a14:hiddenEffects xmlns:a14="http://schemas.microsoft.com/office/drawing/2010/main">
+              <a14:hiddenEffects xmlns="" xmlns:a14="http://schemas.microsoft.com/office/drawing/2010/main">
                 <a:effectLst>
                   <a:outerShdw dist="35921" dir="2700000" algn="ctr" rotWithShape="0">
                     <a:srgbClr val="808080"/>
@@ -410,7 +411,7 @@
               </a14:hiddenEffects>
             </a:ext>
             <a:ext uri="{53640926-AAD7-44D8-BBD7-CCE9431645EC}">
-              <a14:shadowObscured xmlns:a14="http://schemas.microsoft.com/office/drawing/2010/main" val="1"/>
+              <a14:shadowObscured xmlns="" xmlns:a14="http://schemas.microsoft.com/office/drawing/2010/main" val="1"/>
             </a:ext>
           </a:extLst>
         </p:spPr>
@@ -427,8 +428,8 @@
         </p:nvSpPr>
         <p:spPr bwMode="auto">
           <a:xfrm>
-            <a:off x="685800" y="4343400"/>
-            <a:ext cx="5486400" cy="4114800"/>
+            <a:off x="731520" y="4560570"/>
+            <a:ext cx="5852160" cy="4320540"/>
           </a:xfrm>
           <a:prstGeom prst="rect">
             <a:avLst/>
@@ -440,14 +441,14 @@
           <a:effectLst/>
           <a:extLst>
             <a:ext uri="{909E8E84-426E-40DD-AFC4-6F175D3DCCD1}">
-              <a14:hiddenFill xmlns:a14="http://schemas.microsoft.com/office/drawing/2010/main">
+              <a14:hiddenFill xmlns="" xmlns:a14="http://schemas.microsoft.com/office/drawing/2010/main">
                 <a:solidFill>
                   <a:schemeClr val="accent1"/>
                 </a:solidFill>
               </a14:hiddenFill>
             </a:ext>
             <a:ext uri="{91240B29-F687-4F45-9708-019B960494DF}">
-              <a14:hiddenLine xmlns:a14="http://schemas.microsoft.com/office/drawing/2010/main" w="9525">
+              <a14:hiddenLine xmlns="" xmlns:a14="http://schemas.microsoft.com/office/drawing/2010/main" w="9525">
                 <a:solidFill>
                   <a:schemeClr val="tx1"/>
                 </a:solidFill>
@@ -457,7 +458,7 @@
               </a14:hiddenLine>
             </a:ext>
             <a:ext uri="{AF507438-7753-43E0-B8FC-AC1667EBCBE1}">
-              <a14:hiddenEffects xmlns:a14="http://schemas.microsoft.com/office/drawing/2010/main">
+              <a14:hiddenEffects xmlns="" xmlns:a14="http://schemas.microsoft.com/office/drawing/2010/main">
                 <a:effectLst>
                   <a:outerShdw dist="35921" dir="2700000" algn="ctr" rotWithShape="0">
                     <a:schemeClr val="bg2"/>
@@ -468,7 +469,7 @@
           </a:extLst>
         </p:spPr>
         <p:txBody>
-          <a:bodyPr vert="horz" wrap="square" lIns="91440" tIns="45720" rIns="91440" bIns="45720" numCol="1" anchor="t" anchorCtr="0" compatLnSpc="1">
+          <a:bodyPr vert="horz" wrap="square" lIns="96661" tIns="48331" rIns="96661" bIns="48331" numCol="1" anchor="t" anchorCtr="0" compatLnSpc="1">
             <a:prstTxWarp prst="textNoShape">
               <a:avLst/>
             </a:prstTxWarp>
@@ -523,8 +524,8 @@
         </p:nvSpPr>
         <p:spPr bwMode="auto">
           <a:xfrm>
-            <a:off x="0" y="8685213"/>
-            <a:ext cx="2971800" cy="457200"/>
+            <a:off x="0" y="9119474"/>
+            <a:ext cx="3169920" cy="480060"/>
           </a:xfrm>
           <a:prstGeom prst="rect">
             <a:avLst/>
@@ -536,14 +537,14 @@
           <a:effectLst/>
           <a:extLst>
             <a:ext uri="{909E8E84-426E-40DD-AFC4-6F175D3DCCD1}">
-              <a14:hiddenFill xmlns:a14="http://schemas.microsoft.com/office/drawing/2010/main">
+              <a14:hiddenFill xmlns="" xmlns:a14="http://schemas.microsoft.com/office/drawing/2010/main">
                 <a:solidFill>
                   <a:schemeClr val="accent1"/>
                 </a:solidFill>
               </a14:hiddenFill>
             </a:ext>
             <a:ext uri="{91240B29-F687-4F45-9708-019B960494DF}">
-              <a14:hiddenLine xmlns:a14="http://schemas.microsoft.com/office/drawing/2010/main" w="9525">
+              <a14:hiddenLine xmlns="" xmlns:a14="http://schemas.microsoft.com/office/drawing/2010/main" w="9525">
                 <a:solidFill>
                   <a:schemeClr val="tx1"/>
                 </a:solidFill>
@@ -553,7 +554,7 @@
               </a14:hiddenLine>
             </a:ext>
             <a:ext uri="{AF507438-7753-43E0-B8FC-AC1667EBCBE1}">
-              <a14:hiddenEffects xmlns:a14="http://schemas.microsoft.com/office/drawing/2010/main">
+              <a14:hiddenEffects xmlns="" xmlns:a14="http://schemas.microsoft.com/office/drawing/2010/main">
                 <a:effectLst>
                   <a:outerShdw dist="35921" dir="2700000" algn="ctr" rotWithShape="0">
                     <a:schemeClr val="bg2"/>
@@ -564,14 +565,14 @@
           </a:extLst>
         </p:spPr>
         <p:txBody>
-          <a:bodyPr vert="horz" wrap="square" lIns="91440" tIns="45720" rIns="91440" bIns="45720" numCol="1" anchor="b" anchorCtr="0" compatLnSpc="1">
+          <a:bodyPr vert="horz" wrap="square" lIns="96661" tIns="48331" rIns="96661" bIns="48331" numCol="1" anchor="b" anchorCtr="0" compatLnSpc="1">
             <a:prstTxWarp prst="textNoShape">
               <a:avLst/>
             </a:prstTxWarp>
           </a:bodyPr>
           <a:lstStyle>
             <a:lvl1pPr eaLnBrk="0" hangingPunct="0">
-              <a:defRPr sz="1200"/>
+              <a:defRPr sz="1300"/>
             </a:lvl1pPr>
           </a:lstStyle>
           <a:p>
@@ -594,8 +595,8 @@
         </p:nvSpPr>
         <p:spPr bwMode="auto">
           <a:xfrm>
-            <a:off x="3884613" y="8685213"/>
-            <a:ext cx="2971800" cy="457200"/>
+            <a:off x="4143587" y="9119474"/>
+            <a:ext cx="3169920" cy="480060"/>
           </a:xfrm>
           <a:prstGeom prst="rect">
             <a:avLst/>
@@ -607,14 +608,14 @@
           <a:effectLst/>
           <a:extLst>
             <a:ext uri="{909E8E84-426E-40DD-AFC4-6F175D3DCCD1}">
-              <a14:hiddenFill xmlns:a14="http://schemas.microsoft.com/office/drawing/2010/main">
+              <a14:hiddenFill xmlns="" xmlns:a14="http://schemas.microsoft.com/office/drawing/2010/main">
                 <a:solidFill>
                   <a:schemeClr val="accent1"/>
                 </a:solidFill>
               </a14:hiddenFill>
             </a:ext>
             <a:ext uri="{91240B29-F687-4F45-9708-019B960494DF}">
-              <a14:hiddenLine xmlns:a14="http://schemas.microsoft.com/office/drawing/2010/main" w="9525">
+              <a14:hiddenLine xmlns="" xmlns:a14="http://schemas.microsoft.com/office/drawing/2010/main" w="9525">
                 <a:solidFill>
                   <a:schemeClr val="tx1"/>
                 </a:solidFill>
@@ -624,7 +625,7 @@
               </a14:hiddenLine>
             </a:ext>
             <a:ext uri="{AF507438-7753-43E0-B8FC-AC1667EBCBE1}">
-              <a14:hiddenEffects xmlns:a14="http://schemas.microsoft.com/office/drawing/2010/main">
+              <a14:hiddenEffects xmlns="" xmlns:a14="http://schemas.microsoft.com/office/drawing/2010/main">
                 <a:effectLst>
                   <a:outerShdw dist="35921" dir="2700000" algn="ctr" rotWithShape="0">
                     <a:schemeClr val="bg2"/>
@@ -635,14 +636,14 @@
           </a:extLst>
         </p:spPr>
         <p:txBody>
-          <a:bodyPr vert="horz" wrap="square" lIns="91440" tIns="45720" rIns="91440" bIns="45720" numCol="1" anchor="b" anchorCtr="0" compatLnSpc="1">
+          <a:bodyPr vert="horz" wrap="square" lIns="96661" tIns="48331" rIns="96661" bIns="48331" numCol="1" anchor="b" anchorCtr="0" compatLnSpc="1">
             <a:prstTxWarp prst="textNoShape">
               <a:avLst/>
             </a:prstTxWarp>
           </a:bodyPr>
           <a:lstStyle>
             <a:lvl1pPr algn="r" eaLnBrk="0" hangingPunct="0">
-              <a:defRPr sz="1200"/>
+              <a:defRPr sz="1300"/>
             </a:lvl1pPr>
           </a:lstStyle>
           <a:p>
@@ -663,7 +664,7 @@
     </p:spTree>
     <p:extLst>
       <p:ext uri="{BB962C8B-B14F-4D97-AF65-F5344CB8AC3E}">
-        <p14:creationId xmlns:p14="http://schemas.microsoft.com/office/powerpoint/2010/main" val="1924106793"/>
+        <p14:creationId xmlns="" xmlns:p14="http://schemas.microsoft.com/office/powerpoint/2010/main" val="1924106793"/>
       </p:ext>
     </p:extLst>
   </p:cSld>
@@ -910,7 +911,7 @@
     </p:spTree>
     <p:extLst>
       <p:ext uri="{BB962C8B-B14F-4D97-AF65-F5344CB8AC3E}">
-        <p14:creationId xmlns:p14="http://schemas.microsoft.com/office/powerpoint/2010/main" val="350759741"/>
+        <p14:creationId xmlns="" xmlns:p14="http://schemas.microsoft.com/office/powerpoint/2010/main" val="350759741"/>
       </p:ext>
     </p:extLst>
   </p:cSld>
@@ -1047,7 +1048,7 @@
               <a:pPr>
                 <a:defRPr/>
               </a:pPr>
-              <a:t>10/28/2017</a:t>
+              <a:t>10/29/2017</a:t>
             </a:fld>
             <a:endParaRPr lang="en-US" altLang="en-US"/>
           </a:p>
@@ -1134,7 +1135,7 @@
     </p:spTree>
     <p:extLst>
       <p:ext uri="{BB962C8B-B14F-4D97-AF65-F5344CB8AC3E}">
-        <p14:creationId xmlns:p14="http://schemas.microsoft.com/office/powerpoint/2010/main" val="2015330207"/>
+        <p14:creationId xmlns="" xmlns:p14="http://schemas.microsoft.com/office/powerpoint/2010/main" val="2015330207"/>
       </p:ext>
     </p:extLst>
   </p:cSld>
@@ -1281,7 +1282,7 @@
               <a:pPr>
                 <a:defRPr/>
               </a:pPr>
-              <a:t>10/28/2017</a:t>
+              <a:t>10/29/2017</a:t>
             </a:fld>
             <a:endParaRPr lang="en-US" altLang="en-US"/>
           </a:p>
@@ -1368,7 +1369,7 @@
     </p:spTree>
     <p:extLst>
       <p:ext uri="{BB962C8B-B14F-4D97-AF65-F5344CB8AC3E}">
-        <p14:creationId xmlns:p14="http://schemas.microsoft.com/office/powerpoint/2010/main" val="2557014265"/>
+        <p14:creationId xmlns="" xmlns:p14="http://schemas.microsoft.com/office/powerpoint/2010/main" val="2557014265"/>
       </p:ext>
     </p:extLst>
   </p:cSld>
@@ -1473,7 +1474,7 @@
     </p:spTree>
     <p:extLst>
       <p:ext uri="{BB962C8B-B14F-4D97-AF65-F5344CB8AC3E}">
-        <p14:creationId xmlns:p14="http://schemas.microsoft.com/office/powerpoint/2010/main" val="2484415183"/>
+        <p14:creationId xmlns="" xmlns:p14="http://schemas.microsoft.com/office/powerpoint/2010/main" val="2484415183"/>
       </p:ext>
     </p:extLst>
   </p:cSld>
@@ -1600,7 +1601,7 @@
     </p:spTree>
     <p:extLst>
       <p:ext uri="{BB962C8B-B14F-4D97-AF65-F5344CB8AC3E}">
-        <p14:creationId xmlns:p14="http://schemas.microsoft.com/office/powerpoint/2010/main" val="2455874510"/>
+        <p14:creationId xmlns="" xmlns:p14="http://schemas.microsoft.com/office/powerpoint/2010/main" val="2455874510"/>
       </p:ext>
     </p:extLst>
   </p:cSld>
@@ -1767,7 +1768,7 @@
     </p:spTree>
     <p:extLst>
       <p:ext uri="{BB962C8B-B14F-4D97-AF65-F5344CB8AC3E}">
-        <p14:creationId xmlns:p14="http://schemas.microsoft.com/office/powerpoint/2010/main" val="3982590330"/>
+        <p14:creationId xmlns="" xmlns:p14="http://schemas.microsoft.com/office/powerpoint/2010/main" val="3982590330"/>
       </p:ext>
     </p:extLst>
   </p:cSld>
@@ -2069,7 +2070,7 @@
     </p:spTree>
     <p:extLst>
       <p:ext uri="{BB962C8B-B14F-4D97-AF65-F5344CB8AC3E}">
-        <p14:creationId xmlns:p14="http://schemas.microsoft.com/office/powerpoint/2010/main" val="2271288460"/>
+        <p14:creationId xmlns="" xmlns:p14="http://schemas.microsoft.com/office/powerpoint/2010/main" val="2271288460"/>
       </p:ext>
     </p:extLst>
   </p:cSld>
@@ -2154,7 +2155,7 @@
               <a:pPr>
                 <a:defRPr/>
               </a:pPr>
-              <a:t>10/28/2017</a:t>
+              <a:t>10/29/2017</a:t>
             </a:fld>
             <a:endParaRPr lang="en-US" altLang="en-US"/>
           </a:p>
@@ -2241,7 +2242,7 @@
     </p:spTree>
     <p:extLst>
       <p:ext uri="{BB962C8B-B14F-4D97-AF65-F5344CB8AC3E}">
-        <p14:creationId xmlns:p14="http://schemas.microsoft.com/office/powerpoint/2010/main" val="239605567"/>
+        <p14:creationId xmlns="" xmlns:p14="http://schemas.microsoft.com/office/powerpoint/2010/main" val="239605567"/>
       </p:ext>
     </p:extLst>
   </p:cSld>
@@ -2303,7 +2304,7 @@
               <a:pPr>
                 <a:defRPr/>
               </a:pPr>
-              <a:t>10/28/2017</a:t>
+              <a:t>10/29/2017</a:t>
             </a:fld>
             <a:endParaRPr lang="en-US" altLang="en-US"/>
           </a:p>
@@ -2390,7 +2391,7 @@
     </p:spTree>
     <p:extLst>
       <p:ext uri="{BB962C8B-B14F-4D97-AF65-F5344CB8AC3E}">
-        <p14:creationId xmlns:p14="http://schemas.microsoft.com/office/powerpoint/2010/main" val="605089720"/>
+        <p14:creationId xmlns="" xmlns:p14="http://schemas.microsoft.com/office/powerpoint/2010/main" val="605089720"/>
       </p:ext>
     </p:extLst>
   </p:cSld>
@@ -2634,7 +2635,7 @@
               <a:pPr>
                 <a:defRPr/>
               </a:pPr>
-              <a:t>10/28/2017</a:t>
+              <a:t>10/29/2017</a:t>
             </a:fld>
             <a:endParaRPr lang="en-US" altLang="en-US"/>
           </a:p>
@@ -2721,7 +2722,7 @@
     </p:spTree>
     <p:extLst>
       <p:ext uri="{BB962C8B-B14F-4D97-AF65-F5344CB8AC3E}">
-        <p14:creationId xmlns:p14="http://schemas.microsoft.com/office/powerpoint/2010/main" val="3789717012"/>
+        <p14:creationId xmlns="" xmlns:p14="http://schemas.microsoft.com/office/powerpoint/2010/main" val="3789717012"/>
       </p:ext>
     </p:extLst>
   </p:cSld>
@@ -2942,7 +2943,7 @@
               <a:pPr>
                 <a:defRPr/>
               </a:pPr>
-              <a:t>10/28/2017</a:t>
+              <a:t>10/29/2017</a:t>
             </a:fld>
             <a:endParaRPr lang="en-US" altLang="en-US"/>
           </a:p>
@@ -3029,7 +3030,7 @@
     </p:spTree>
     <p:extLst>
       <p:ext uri="{BB962C8B-B14F-4D97-AF65-F5344CB8AC3E}">
-        <p14:creationId xmlns:p14="http://schemas.microsoft.com/office/powerpoint/2010/main" val="371544548"/>
+        <p14:creationId xmlns="" xmlns:p14="http://schemas.microsoft.com/office/powerpoint/2010/main" val="371544548"/>
       </p:ext>
     </p:extLst>
   </p:cSld>
@@ -3089,14 +3090,14 @@
           <a:effectLst/>
           <a:extLst>
             <a:ext uri="{909E8E84-426E-40DD-AFC4-6F175D3DCCD1}">
-              <a14:hiddenFill xmlns:a14="http://schemas.microsoft.com/office/drawing/2010/main">
+              <a14:hiddenFill xmlns="" xmlns:a14="http://schemas.microsoft.com/office/drawing/2010/main">
                 <a:solidFill>
                   <a:schemeClr val="accent1"/>
                 </a:solidFill>
               </a14:hiddenFill>
             </a:ext>
             <a:ext uri="{91240B29-F687-4F45-9708-019B960494DF}">
-              <a14:hiddenLine xmlns:a14="http://schemas.microsoft.com/office/drawing/2010/main" w="9525">
+              <a14:hiddenLine xmlns="" xmlns:a14="http://schemas.microsoft.com/office/drawing/2010/main" w="9525">
                 <a:solidFill>
                   <a:schemeClr val="tx1"/>
                 </a:solidFill>
@@ -3106,7 +3107,7 @@
               </a14:hiddenLine>
             </a:ext>
             <a:ext uri="{AF507438-7753-43E0-B8FC-AC1667EBCBE1}">
-              <a14:hiddenEffects xmlns:a14="http://schemas.microsoft.com/office/drawing/2010/main">
+              <a14:hiddenEffects xmlns="" xmlns:a14="http://schemas.microsoft.com/office/drawing/2010/main">
                 <a:effectLst>
                   <a:outerShdw dist="35921" dir="2700000" algn="ctr" rotWithShape="0">
                     <a:schemeClr val="bg2"/>
@@ -3157,14 +3158,14 @@
           <a:effectLst/>
           <a:extLst>
             <a:ext uri="{909E8E84-426E-40DD-AFC4-6F175D3DCCD1}">
-              <a14:hiddenFill xmlns:a14="http://schemas.microsoft.com/office/drawing/2010/main">
+              <a14:hiddenFill xmlns="" xmlns:a14="http://schemas.microsoft.com/office/drawing/2010/main">
                 <a:solidFill>
                   <a:schemeClr val="accent1"/>
                 </a:solidFill>
               </a14:hiddenFill>
             </a:ext>
             <a:ext uri="{91240B29-F687-4F45-9708-019B960494DF}">
-              <a14:hiddenLine xmlns:a14="http://schemas.microsoft.com/office/drawing/2010/main" w="9525">
+              <a14:hiddenLine xmlns="" xmlns:a14="http://schemas.microsoft.com/office/drawing/2010/main" w="9525">
                 <a:solidFill>
                   <a:schemeClr val="tx1"/>
                 </a:solidFill>
@@ -3174,7 +3175,7 @@
               </a14:hiddenLine>
             </a:ext>
             <a:ext uri="{AF507438-7753-43E0-B8FC-AC1667EBCBE1}">
-              <a14:hiddenEffects xmlns:a14="http://schemas.microsoft.com/office/drawing/2010/main">
+              <a14:hiddenEffects xmlns="" xmlns:a14="http://schemas.microsoft.com/office/drawing/2010/main">
                 <a:effectLst>
                   <a:outerShdw dist="35921" dir="2700000" algn="ctr" rotWithShape="0">
                     <a:schemeClr val="bg2"/>
@@ -3722,14 +3723,14 @@
           </a:ln>
           <a:extLst>
             <a:ext uri="{909E8E84-426E-40DD-AFC4-6F175D3DCCD1}">
-              <a14:hiddenFill xmlns:a14="http://schemas.microsoft.com/office/drawing/2010/main">
+              <a14:hiddenFill xmlns="" xmlns:a14="http://schemas.microsoft.com/office/drawing/2010/main">
                 <a:solidFill>
                   <a:srgbClr val="FFFFFF"/>
                 </a:solidFill>
               </a14:hiddenFill>
             </a:ext>
             <a:ext uri="{91240B29-F687-4F45-9708-019B960494DF}">
-              <a14:hiddenLine xmlns:a14="http://schemas.microsoft.com/office/drawing/2010/main" w="9525">
+              <a14:hiddenLine xmlns="" xmlns:a14="http://schemas.microsoft.com/office/drawing/2010/main" w="9525">
                 <a:solidFill>
                   <a:srgbClr val="000000"/>
                 </a:solidFill>
@@ -3923,7 +3924,7 @@
       </p:grpSpPr>
       <p:sp>
         <p:nvSpPr>
-          <p:cNvPr id="18434" name="Title 1"/>
+          <p:cNvPr id="17410" name="Title 1"/>
           <p:cNvSpPr>
             <a:spLocks noGrp="1"/>
           </p:cNvSpPr>
@@ -3933,7 +3934,7 @@
         </p:nvSpPr>
         <p:spPr>
           <a:xfrm>
-            <a:off x="685800" y="0"/>
+            <a:off x="685800" y="228600"/>
             <a:ext cx="7772400" cy="1143000"/>
           </a:xfrm>
         </p:spPr>
@@ -3942,8 +3943,8 @@
           <a:lstStyle/>
           <a:p>
             <a:r>
-              <a:rPr lang="en-GB" altLang="en-US" smtClean="0"/>
-              <a:t>How to Handle Errors</a:t>
+              <a:rPr lang="en-GB" altLang="en-US" dirty="0" smtClean="0"/>
+              <a:t>General Errors and Error Handling</a:t>
             </a:r>
           </a:p>
         </p:txBody>
@@ -3960,13 +3961,13 @@
         </p:nvSpPr>
         <p:spPr>
           <a:xfrm>
-            <a:off x="685800" y="1371600"/>
-            <a:ext cx="7772400" cy="4953000"/>
+            <a:off x="685800" y="1524000"/>
+            <a:ext cx="7924800" cy="5105400"/>
           </a:xfrm>
         </p:spPr>
         <p:txBody>
           <a:bodyPr>
-            <a:normAutofit lnSpcReduction="10000"/>
+            <a:normAutofit fontScale="85000" lnSpcReduction="20000"/>
           </a:bodyPr>
           <a:lstStyle/>
           <a:p>
@@ -3974,76 +3975,220 @@
               <a:defRPr/>
             </a:pPr>
             <a:r>
-              <a:rPr lang="en-GB" dirty="0" smtClean="0">
+              <a:rPr lang="en-GB" dirty="0"/>
+              <a:t>Error must be </a:t>
+            </a:r>
+            <a:r>
+              <a:rPr lang="en-GB" b="1" dirty="0">
                 <a:solidFill>
                   <a:srgbClr val="FF0000"/>
                 </a:solidFill>
               </a:rPr>
-              <a:t>Ignore</a:t>
-            </a:r>
-            <a:r>
-              <a:rPr lang="en-GB" dirty="0" smtClean="0"/>
-              <a:t>: False alarm just continue</a:t>
-            </a:r>
+              <a:t>handled where the </a:t>
+            </a:r>
+            <a:r>
+              <a:rPr lang="en-GB" b="1" dirty="0" smtClean="0">
+                <a:solidFill>
+                  <a:srgbClr val="FF0000"/>
+                </a:solidFill>
+              </a:rPr>
+              <a:t>occur</a:t>
+            </a:r>
+            <a:endParaRPr lang="en-GB" b="1" dirty="0">
+              <a:solidFill>
+                <a:srgbClr val="FF0000"/>
+              </a:solidFill>
+            </a:endParaRPr>
+          </a:p>
+          <a:p>
+            <a:pPr lvl="1">
+              <a:defRPr/>
+            </a:pPr>
+            <a:r>
+              <a:rPr lang="en-GB" dirty="0" smtClean="0"/>
+              <a:t>One </a:t>
+            </a:r>
+            <a:r>
+              <a:rPr lang="en-GB" dirty="0"/>
+              <a:t>error in a method can be handled very differently </a:t>
+            </a:r>
+            <a:r>
+              <a:rPr lang="en-GB" dirty="0" smtClean="0"/>
+              <a:t>in the </a:t>
+            </a:r>
+            <a:r>
+              <a:rPr lang="en-GB" dirty="0"/>
+              <a:t>clients, </a:t>
+            </a:r>
+            <a:r>
+              <a:rPr lang="en-GB" dirty="0" smtClean="0"/>
+              <a:t>this is </a:t>
+            </a:r>
+            <a:r>
+              <a:rPr lang="en-GB" dirty="0"/>
+              <a:t>not a </a:t>
+            </a:r>
+            <a:r>
+              <a:rPr lang="en-GB" dirty="0" smtClean="0"/>
+              <a:t>good approach</a:t>
+            </a:r>
+            <a:r>
+              <a:rPr lang="en-GB" dirty="0"/>
+              <a:t>. Repeating handling of the same </a:t>
+            </a:r>
+            <a:r>
+              <a:rPr lang="en-GB" dirty="0" smtClean="0"/>
+              <a:t>error</a:t>
+            </a:r>
+            <a:endParaRPr lang="en-GB" dirty="0"/>
+          </a:p>
+          <a:p>
+            <a:pPr lvl="1">
+              <a:defRPr/>
+            </a:pPr>
+            <a:r>
+              <a:rPr lang="en-GB" dirty="0" smtClean="0"/>
+              <a:t>Can </a:t>
+            </a:r>
+            <a:r>
+              <a:rPr lang="en-GB" dirty="0"/>
+              <a:t>be extremely hard to </a:t>
+            </a:r>
+            <a:r>
+              <a:rPr lang="en-GB" dirty="0" smtClean="0"/>
+              <a:t>debug</a:t>
+            </a:r>
+            <a:endParaRPr lang="en-GB" dirty="0"/>
           </a:p>
           <a:p>
             <a:pPr>
               <a:defRPr/>
             </a:pPr>
             <a:r>
-              <a:rPr lang="en-GB" dirty="0" smtClean="0">
+              <a:rPr lang="en-GB" dirty="0" smtClean="0"/>
+              <a:t>To </a:t>
+            </a:r>
+            <a:r>
+              <a:rPr lang="en-GB" dirty="0"/>
+              <a:t>handle an error detailed information on the error must </a:t>
+            </a:r>
+            <a:r>
+              <a:rPr lang="en-GB" dirty="0" smtClean="0"/>
+              <a:t>be</a:t>
+            </a:r>
+            <a:r>
+              <a:rPr lang="en-GB" dirty="0"/>
+              <a:t> </a:t>
+            </a:r>
+            <a:r>
+              <a:rPr lang="en-GB" dirty="0" smtClean="0"/>
+              <a:t>provided</a:t>
+            </a:r>
+            <a:endParaRPr lang="en-GB" dirty="0"/>
+          </a:p>
+          <a:p>
+            <a:pPr lvl="1">
+              <a:defRPr/>
+            </a:pPr>
+            <a:r>
+              <a:rPr lang="en-GB" b="1" dirty="0" smtClean="0">
                 <a:solidFill>
                   <a:srgbClr val="FF0000"/>
                 </a:solidFill>
               </a:rPr>
-              <a:t>Report</a:t>
-            </a:r>
-            <a:r>
-              <a:rPr lang="en-GB" dirty="0" smtClean="0"/>
-              <a:t>: Write a message to the screen or to a log</a:t>
-            </a:r>
+              <a:t>Where</a:t>
+            </a:r>
+            <a:r>
+              <a:rPr lang="en-GB" dirty="0" smtClean="0"/>
+              <a:t> </a:t>
+            </a:r>
+            <a:r>
+              <a:rPr lang="en-GB" dirty="0"/>
+              <a:t>did the error occur (class, method, line </a:t>
+            </a:r>
+            <a:r>
+              <a:rPr lang="en-GB" dirty="0" smtClean="0"/>
+              <a:t>number)</a:t>
+            </a:r>
+            <a:endParaRPr lang="en-GB" dirty="0"/>
+          </a:p>
+          <a:p>
+            <a:pPr lvl="1">
+              <a:defRPr/>
+            </a:pPr>
+            <a:r>
+              <a:rPr lang="en-GB" dirty="0" smtClean="0"/>
+              <a:t>What </a:t>
+            </a:r>
+            <a:r>
+              <a:rPr lang="en-GB" b="1" dirty="0">
+                <a:solidFill>
+                  <a:srgbClr val="FF0000"/>
+                </a:solidFill>
+              </a:rPr>
+              <a:t>type</a:t>
+            </a:r>
+            <a:r>
+              <a:rPr lang="en-GB" dirty="0"/>
+              <a:t> of </a:t>
+            </a:r>
+            <a:r>
+              <a:rPr lang="en-GB" dirty="0" smtClean="0"/>
+              <a:t>error</a:t>
+            </a:r>
+            <a:endParaRPr lang="en-GB" dirty="0"/>
+          </a:p>
+          <a:p>
+            <a:pPr lvl="1">
+              <a:defRPr/>
+            </a:pPr>
+            <a:r>
+              <a:rPr lang="en-GB" dirty="0" smtClean="0"/>
+              <a:t>A </a:t>
+            </a:r>
+            <a:r>
+              <a:rPr lang="en-GB" dirty="0"/>
+              <a:t>good error </a:t>
+            </a:r>
+            <a:r>
+              <a:rPr lang="en-GB" dirty="0" smtClean="0"/>
+              <a:t>message</a:t>
+            </a:r>
+            <a:endParaRPr lang="en-GB" dirty="0"/>
+          </a:p>
+          <a:p>
+            <a:pPr lvl="1">
+              <a:defRPr/>
+            </a:pPr>
+            <a:r>
+              <a:rPr lang="en-GB" dirty="0" smtClean="0"/>
+              <a:t>Dump </a:t>
+            </a:r>
+            <a:r>
+              <a:rPr lang="en-GB" dirty="0"/>
+              <a:t>of runtime stack? (too much information</a:t>
+            </a:r>
+            <a:r>
+              <a:rPr lang="en-GB" dirty="0" smtClean="0"/>
+              <a:t>?)</a:t>
+            </a:r>
+            <a:endParaRPr lang="en-GB" dirty="0"/>
           </a:p>
           <a:p>
             <a:pPr>
               <a:defRPr/>
             </a:pPr>
             <a:r>
-              <a:rPr lang="en-GB" dirty="0" smtClean="0">
-                <a:solidFill>
-                  <a:srgbClr val="FF0000"/>
-                </a:solidFill>
-              </a:rPr>
-              <a:t>Terminate</a:t>
-            </a:r>
-            <a:r>
-              <a:rPr lang="en-GB" dirty="0" smtClean="0"/>
-              <a:t>: Stop the program execution.</a:t>
-            </a:r>
-          </a:p>
-          <a:p>
-            <a:pPr>
-              <a:defRPr/>
-            </a:pPr>
-            <a:r>
-              <a:rPr lang="en-GB" dirty="0" smtClean="0">
-                <a:solidFill>
-                  <a:srgbClr val="FF0000"/>
-                </a:solidFill>
-              </a:rPr>
-              <a:t>Repair</a:t>
-            </a:r>
-            <a:r>
-              <a:rPr lang="en-GB" dirty="0" smtClean="0"/>
-              <a:t>: Make changes and try to recover the error</a:t>
-            </a:r>
-          </a:p>
-          <a:p>
-            <a:pPr>
-              <a:defRPr/>
-            </a:pPr>
-            <a:r>
-              <a:rPr lang="en-GB" dirty="0" smtClean="0"/>
-              <a:t>To be able to repair would be the best. However, often the best that can be done is the combination of report and terminate</a:t>
+              <a:rPr lang="en-GB" dirty="0" smtClean="0"/>
+              <a:t>In </a:t>
+            </a:r>
+            <a:r>
+              <a:rPr lang="en-GB" dirty="0"/>
+              <a:t>object-oriented languages errors are represented by </a:t>
+            </a:r>
+            <a:r>
+              <a:rPr lang="en-GB" dirty="0" smtClean="0"/>
+              <a:t>objects</a:t>
             </a:r>
             <a:endParaRPr lang="en-GB" dirty="0"/>
           </a:p>
@@ -4076,7 +4221,7 @@
       </p:grpSpPr>
       <p:sp>
         <p:nvSpPr>
-          <p:cNvPr id="19458" name="Title 1"/>
+          <p:cNvPr id="18434" name="Title 1"/>
           <p:cNvSpPr>
             <a:spLocks noGrp="1"/>
           </p:cNvSpPr>
@@ -4086,7 +4231,7 @@
         </p:nvSpPr>
         <p:spPr>
           <a:xfrm>
-            <a:off x="685800" y="152400"/>
+            <a:off x="685800" y="76200"/>
             <a:ext cx="7772400" cy="1143000"/>
           </a:xfrm>
         </p:spPr>
@@ -4095,8 +4240,8 @@
           <a:lstStyle/>
           <a:p>
             <a:r>
-              <a:rPr lang="en-GB" altLang="en-US" smtClean="0"/>
-              <a:t>Java's Exception Handling</a:t>
+              <a:rPr lang="en-GB" altLang="en-US" dirty="0" smtClean="0"/>
+              <a:t>How to Handle Errors</a:t>
             </a:r>
           </a:p>
         </p:txBody>
@@ -4113,13 +4258,13 @@
         </p:nvSpPr>
         <p:spPr>
           <a:xfrm>
-            <a:off x="685800" y="1524000"/>
-            <a:ext cx="7772400" cy="5029200"/>
+            <a:off x="685800" y="1371600"/>
+            <a:ext cx="7772400" cy="4953000"/>
           </a:xfrm>
         </p:spPr>
         <p:txBody>
           <a:bodyPr>
-            <a:normAutofit fontScale="77500" lnSpcReduction="20000"/>
+            <a:normAutofit lnSpcReduction="10000"/>
           </a:bodyPr>
           <a:lstStyle/>
           <a:p>
@@ -4127,17 +4272,16 @@
               <a:defRPr/>
             </a:pPr>
             <a:r>
-              <a:rPr lang="en-GB" dirty="0" smtClean="0"/>
-              <a:t>Exception: An event that occurs during the execution of a program the disrupts the normal transaction flow</a:t>
-            </a:r>
-          </a:p>
-          <a:p>
-            <a:pPr lvl="1">
-              <a:defRPr/>
-            </a:pPr>
-            <a:r>
-              <a:rPr lang="en-GB" dirty="0" smtClean="0"/>
-              <a:t>A run-time phenomenon</a:t>
+              <a:rPr lang="en-GB" dirty="0" smtClean="0">
+                <a:solidFill>
+                  <a:srgbClr val="FF0000"/>
+                </a:solidFill>
+              </a:rPr>
+              <a:t>Ignore</a:t>
+            </a:r>
+            <a:r>
+              <a:rPr lang="en-GB" dirty="0" smtClean="0"/>
+              <a:t>: False alarm just continue</a:t>
             </a:r>
           </a:p>
           <a:p>
@@ -4145,8 +4289,16 @@
               <a:defRPr/>
             </a:pPr>
             <a:r>
-              <a:rPr lang="en-GB" dirty="0" smtClean="0"/>
-              <a:t>Exception handling is part of the language</a:t>
+              <a:rPr lang="en-GB" dirty="0" smtClean="0">
+                <a:solidFill>
+                  <a:srgbClr val="FF0000"/>
+                </a:solidFill>
+              </a:rPr>
+              <a:t>Report</a:t>
+            </a:r>
+            <a:r>
+              <a:rPr lang="en-GB" dirty="0" smtClean="0"/>
+              <a:t>: Write a message to the screen or to a log</a:t>
             </a:r>
           </a:p>
           <a:p>
@@ -4154,8 +4306,16 @@
               <a:defRPr/>
             </a:pPr>
             <a:r>
-              <a:rPr lang="en-GB" dirty="0" smtClean="0"/>
-              <a:t>Exceptions are objects</a:t>
+              <a:rPr lang="en-GB" dirty="0" smtClean="0">
+                <a:solidFill>
+                  <a:srgbClr val="FF0000"/>
+                </a:solidFill>
+              </a:rPr>
+              <a:t>Terminate</a:t>
+            </a:r>
+            <a:r>
+              <a:rPr lang="en-GB" dirty="0" smtClean="0"/>
+              <a:t>: Stop the program execution.</a:t>
             </a:r>
           </a:p>
           <a:p>
@@ -4163,8 +4323,16 @@
               <a:defRPr/>
             </a:pPr>
             <a:r>
-              <a:rPr lang="en-GB" dirty="0" smtClean="0"/>
-              <a:t>Exceptions are structured in a class hierarchy.</a:t>
+              <a:rPr lang="en-GB" dirty="0" smtClean="0">
+                <a:solidFill>
+                  <a:srgbClr val="FF0000"/>
+                </a:solidFill>
+              </a:rPr>
+              <a:t>Repair</a:t>
+            </a:r>
+            <a:r>
+              <a:rPr lang="en-GB" dirty="0" smtClean="0"/>
+              <a:t>: Make changes and try to recover the error</a:t>
             </a:r>
           </a:p>
           <a:p>
@@ -4173,25 +4341,7 @@
             </a:pPr>
             <a:r>
               <a:rPr lang="en-GB" dirty="0" smtClean="0"/>
-              <a:t>It is not possible to ignore an exceptions (nice feature?)</a:t>
-            </a:r>
-          </a:p>
-          <a:p>
-            <a:pPr lvl="1">
-              <a:defRPr/>
-            </a:pPr>
-            <a:r>
-              <a:rPr lang="en-GB" dirty="0" smtClean="0"/>
-              <a:t>A method specifies, which exception may occur, the client must anticipate these exceptions, otherwise compile-time error</a:t>
-            </a:r>
-          </a:p>
-          <a:p>
-            <a:pPr>
-              <a:defRPr/>
-            </a:pPr>
-            <a:r>
-              <a:rPr lang="en-GB" dirty="0" smtClean="0"/>
-              <a:t>It is sometimes possible to recover to a known good state after an exception was raised</a:t>
+              <a:t>To be able to repair would be the best. However, often the best that can be done is the combination of report and terminate</a:t>
             </a:r>
             <a:endParaRPr lang="en-GB" dirty="0"/>
           </a:p>
@@ -4224,7 +4374,7 @@
       </p:grpSpPr>
       <p:sp>
         <p:nvSpPr>
-          <p:cNvPr id="20482" name="Title 1"/>
+          <p:cNvPr id="19458" name="Title 1"/>
           <p:cNvSpPr>
             <a:spLocks noGrp="1"/>
           </p:cNvSpPr>
@@ -4234,8 +4384,8 @@
         </p:nvSpPr>
         <p:spPr>
           <a:xfrm>
-            <a:off x="381000" y="-7938"/>
-            <a:ext cx="8458200" cy="1143001"/>
+            <a:off x="685800" y="228600"/>
+            <a:ext cx="7772400" cy="1143000"/>
           </a:xfrm>
         </p:spPr>
         <p:txBody>
@@ -4243,8 +4393,8 @@
           <a:lstStyle/>
           <a:p>
             <a:r>
-              <a:rPr lang="en-GB" altLang="en-US" smtClean="0"/>
-              <a:t>Java's Exception Handling, cont.</a:t>
+              <a:rPr lang="en-GB" altLang="en-US" dirty="0" smtClean="0"/>
+              <a:t>Java's Exception Handling</a:t>
             </a:r>
           </a:p>
         </p:txBody>
@@ -4261,13 +4411,13 @@
         </p:nvSpPr>
         <p:spPr>
           <a:xfrm>
-            <a:off x="685800" y="1295400"/>
-            <a:ext cx="7772400" cy="5181600"/>
+            <a:off x="685800" y="1524000"/>
+            <a:ext cx="7772400" cy="5029200"/>
           </a:xfrm>
         </p:spPr>
         <p:txBody>
           <a:bodyPr>
-            <a:normAutofit fontScale="85000" lnSpcReduction="20000"/>
+            <a:normAutofit fontScale="77500" lnSpcReduction="20000"/>
           </a:bodyPr>
           <a:lstStyle/>
           <a:p>
@@ -4276,7 +4426,7 @@
             </a:pPr>
             <a:r>
               <a:rPr lang="en-GB" dirty="0" smtClean="0"/>
-              <a:t>Java’s object-oriented way to handle errors</a:t>
+              <a:t>Exception: An event that occurs during the execution of a program the disrupts the normal transaction flow</a:t>
             </a:r>
           </a:p>
           <a:p>
@@ -4285,7 +4435,59 @@
             </a:pPr>
             <a:r>
               <a:rPr lang="en-GB" dirty="0" smtClean="0"/>
-              <a:t>more powerful, more flexible than using return</a:t>
+              <a:t>A run-time phenomenon</a:t>
+            </a:r>
+          </a:p>
+          <a:p>
+            <a:pPr>
+              <a:defRPr/>
+            </a:pPr>
+            <a:r>
+              <a:rPr lang="en-GB" dirty="0" smtClean="0"/>
+              <a:t>Exception handling is part of the language</a:t>
+            </a:r>
+          </a:p>
+          <a:p>
+            <a:pPr>
+              <a:defRPr/>
+            </a:pPr>
+            <a:r>
+              <a:rPr lang="en-GB" b="1" dirty="0" smtClean="0">
+                <a:solidFill>
+                  <a:srgbClr val="FF0000"/>
+                </a:solidFill>
+              </a:rPr>
+              <a:t>Exceptions are objects</a:t>
+            </a:r>
+          </a:p>
+          <a:p>
+            <a:pPr>
+              <a:defRPr/>
+            </a:pPr>
+            <a:r>
+              <a:rPr lang="en-GB" dirty="0" smtClean="0"/>
+              <a:t>Exceptions are structured in a class hierarchy.</a:t>
+            </a:r>
+          </a:p>
+          <a:p>
+            <a:pPr>
+              <a:defRPr/>
+            </a:pPr>
+            <a:r>
+              <a:rPr lang="en-GB" dirty="0" smtClean="0"/>
+              <a:t>It is </a:t>
+            </a:r>
+            <a:r>
+              <a:rPr lang="en-GB" b="1" dirty="0" smtClean="0">
+                <a:solidFill>
+                  <a:srgbClr val="FF0000"/>
+                </a:solidFill>
+              </a:rPr>
+              <a:t>not possible to ignore an exceptions </a:t>
+            </a:r>
+            <a:r>
+              <a:rPr lang="en-GB" dirty="0" smtClean="0"/>
+              <a:t>(nice feature?)</a:t>
             </a:r>
           </a:p>
           <a:p>
@@ -4294,7 +4496,7 @@
             </a:pPr>
             <a:r>
               <a:rPr lang="en-GB" dirty="0" smtClean="0"/>
-              <a:t>keywords try, catch, throw, throws, finally</a:t>
+              <a:t>A method specifies, which exception may occur, the client must anticipate these exceptions, otherwise compile-time error</a:t>
             </a:r>
           </a:p>
           <a:p>
@@ -4303,34 +4505,7 @@
             </a:pPr>
             <a:r>
               <a:rPr lang="en-GB" dirty="0" smtClean="0"/>
-              <a:t>An exception is an object that describes an erroneous or unusual situation</a:t>
-            </a:r>
-          </a:p>
-          <a:p>
-            <a:pPr>
-              <a:defRPr/>
-            </a:pPr>
-            <a:r>
-              <a:rPr lang="en-GB" dirty="0" smtClean="0"/>
-              <a:t>Exceptions are thrown by a program, and may be caught and handled by another part of the program</a:t>
-            </a:r>
-          </a:p>
-          <a:p>
-            <a:pPr>
-              <a:defRPr/>
-            </a:pPr>
-            <a:r>
-              <a:rPr lang="en-GB" dirty="0" smtClean="0"/>
-              <a:t>A program can therefore be separated into a normal execution flow and an exception execution flow</a:t>
-            </a:r>
-          </a:p>
-          <a:p>
-            <a:pPr>
-              <a:defRPr/>
-            </a:pPr>
-            <a:r>
-              <a:rPr lang="en-GB" dirty="0" smtClean="0"/>
-              <a:t>An error is also represented as an object in Java, but usually represents a unrecoverable situation and should not be caught</a:t>
+              <a:t>It is sometimes possible to recover to a known good state after an exception was raised</a:t>
             </a:r>
             <a:endParaRPr lang="en-GB" dirty="0"/>
           </a:p>
@@ -4363,7 +4538,7 @@
       </p:grpSpPr>
       <p:sp>
         <p:nvSpPr>
-          <p:cNvPr id="21506" name="Title 1"/>
+          <p:cNvPr id="20482" name="Title 1"/>
           <p:cNvSpPr>
             <a:spLocks noGrp="1"/>
           </p:cNvSpPr>
@@ -4373,8 +4548,8 @@
         </p:nvSpPr>
         <p:spPr>
           <a:xfrm>
-            <a:off x="381000" y="76200"/>
-            <a:ext cx="8610600" cy="1143000"/>
+            <a:off x="381000" y="-7938"/>
+            <a:ext cx="8458200" cy="1143001"/>
           </a:xfrm>
         </p:spPr>
         <p:txBody>
@@ -4383,65 +4558,166 @@
           <a:p>
             <a:r>
               <a:rPr lang="en-GB" altLang="en-US" smtClean="0"/>
-              <a:t>Motivation for Exception Handling</a:t>
-            </a:r>
-          </a:p>
-        </p:txBody>
-      </p:sp>
-      <p:pic>
-        <p:nvPicPr>
-          <p:cNvPr id="21507" name="Picture 3"/>
-          <p:cNvPicPr>
-            <a:picLocks noChangeAspect="1"/>
-          </p:cNvPicPr>
-          <p:nvPr/>
-        </p:nvPicPr>
-        <p:blipFill>
-          <a:blip r:embed="rId2">
-            <a:extLst>
-              <a:ext uri="{28A0092B-C50C-407E-A947-70E740481C1C}">
-                <a14:useLocalDpi xmlns:a14="http://schemas.microsoft.com/office/drawing/2010/main" val="0"/>
-              </a:ext>
-            </a:extLst>
-          </a:blip>
-          <a:srcRect r="1045"/>
-          <a:stretch>
-            <a:fillRect/>
-          </a:stretch>
-        </p:blipFill>
-        <p:spPr bwMode="auto">
-          <a:xfrm>
-            <a:off x="246063" y="1114425"/>
-            <a:ext cx="8821737" cy="5667375"/>
-          </a:xfrm>
-          <a:prstGeom prst="rect">
-            <a:avLst/>
-          </a:prstGeom>
-          <a:noFill/>
-          <a:ln>
-            <a:noFill/>
-          </a:ln>
-          <a:extLst>
-            <a:ext uri="{909E8E84-426E-40DD-AFC4-6F175D3DCCD1}">
-              <a14:hiddenFill xmlns:a14="http://schemas.microsoft.com/office/drawing/2010/main">
-                <a:solidFill>
-                  <a:srgbClr val="FFFFFF"/>
-                </a:solidFill>
-              </a14:hiddenFill>
-            </a:ext>
-            <a:ext uri="{91240B29-F687-4F45-9708-019B960494DF}">
-              <a14:hiddenLine xmlns:a14="http://schemas.microsoft.com/office/drawing/2010/main" w="9525">
-                <a:solidFill>
-                  <a:srgbClr val="000000"/>
-                </a:solidFill>
-                <a:miter lim="800000"/>
-                <a:headEnd/>
-                <a:tailEnd/>
-              </a14:hiddenLine>
-            </a:ext>
-          </a:extLst>
-        </p:spPr>
-      </p:pic>
+              <a:t>Java's Exception Handling, cont.</a:t>
+            </a:r>
+          </a:p>
+        </p:txBody>
+      </p:sp>
+      <p:sp>
+        <p:nvSpPr>
+          <p:cNvPr id="3" name="Content Placeholder 2"/>
+          <p:cNvSpPr>
+            <a:spLocks noGrp="1"/>
+          </p:cNvSpPr>
+          <p:nvPr>
+            <p:ph idx="1"/>
+          </p:nvPr>
+        </p:nvSpPr>
+        <p:spPr>
+          <a:xfrm>
+            <a:off x="685800" y="1295400"/>
+            <a:ext cx="7772400" cy="5181600"/>
+          </a:xfrm>
+        </p:spPr>
+        <p:txBody>
+          <a:bodyPr>
+            <a:normAutofit fontScale="85000" lnSpcReduction="20000"/>
+          </a:bodyPr>
+          <a:lstStyle/>
+          <a:p>
+            <a:pPr>
+              <a:defRPr/>
+            </a:pPr>
+            <a:r>
+              <a:rPr lang="en-GB" dirty="0" smtClean="0"/>
+              <a:t>Java’s object-oriented way to handle errors</a:t>
+            </a:r>
+          </a:p>
+          <a:p>
+            <a:pPr lvl="1">
+              <a:defRPr/>
+            </a:pPr>
+            <a:r>
+              <a:rPr lang="en-GB" dirty="0" smtClean="0"/>
+              <a:t>more </a:t>
+            </a:r>
+            <a:r>
+              <a:rPr lang="en-GB" b="1" dirty="0" smtClean="0">
+                <a:solidFill>
+                  <a:srgbClr val="FF0000"/>
+                </a:solidFill>
+              </a:rPr>
+              <a:t>powerful</a:t>
+            </a:r>
+            <a:r>
+              <a:rPr lang="en-GB" dirty="0" smtClean="0"/>
+              <a:t>, more </a:t>
+            </a:r>
+            <a:r>
+              <a:rPr lang="en-GB" b="1" dirty="0" smtClean="0">
+                <a:solidFill>
+                  <a:srgbClr val="FF0000"/>
+                </a:solidFill>
+              </a:rPr>
+              <a:t>flexible</a:t>
+            </a:r>
+            <a:r>
+              <a:rPr lang="en-GB" dirty="0" smtClean="0"/>
+              <a:t> than using return</a:t>
+            </a:r>
+          </a:p>
+          <a:p>
+            <a:pPr lvl="1">
+              <a:defRPr/>
+            </a:pPr>
+            <a:r>
+              <a:rPr lang="en-GB" dirty="0" smtClean="0"/>
+              <a:t>keywords try, catch, throw, throws, finally</a:t>
+            </a:r>
+          </a:p>
+          <a:p>
+            <a:pPr>
+              <a:defRPr/>
+            </a:pPr>
+            <a:r>
+              <a:rPr lang="en-GB" dirty="0" smtClean="0"/>
+              <a:t>An exception is an object that describes an erroneous or unusual situation</a:t>
+            </a:r>
+          </a:p>
+          <a:p>
+            <a:pPr>
+              <a:defRPr/>
+            </a:pPr>
+            <a:r>
+              <a:rPr lang="en-GB" dirty="0" smtClean="0"/>
+              <a:t>Exceptions are thrown by a program, and may be caught and handled by another part of the program</a:t>
+            </a:r>
+          </a:p>
+          <a:p>
+            <a:pPr>
+              <a:defRPr/>
+            </a:pPr>
+            <a:r>
+              <a:rPr lang="en-GB" dirty="0" smtClean="0"/>
+              <a:t>A program can therefore be </a:t>
+            </a:r>
+            <a:r>
+              <a:rPr lang="en-GB" b="1" dirty="0" smtClean="0">
+                <a:solidFill>
+                  <a:srgbClr val="FF0000"/>
+                </a:solidFill>
+              </a:rPr>
+              <a:t>separated</a:t>
+            </a:r>
+            <a:r>
+              <a:rPr lang="en-GB" dirty="0" smtClean="0"/>
+              <a:t> into a </a:t>
+            </a:r>
+            <a:r>
+              <a:rPr lang="en-GB" b="1" dirty="0" smtClean="0">
+                <a:solidFill>
+                  <a:srgbClr val="FF0000"/>
+                </a:solidFill>
+              </a:rPr>
+              <a:t>normal</a:t>
+            </a:r>
+            <a:r>
+              <a:rPr lang="en-GB" dirty="0" smtClean="0"/>
+              <a:t> execution flow and an </a:t>
+            </a:r>
+            <a:r>
+              <a:rPr lang="en-GB" b="1" dirty="0" smtClean="0">
+                <a:solidFill>
+                  <a:srgbClr val="FF0000"/>
+                </a:solidFill>
+              </a:rPr>
+              <a:t>exception</a:t>
+            </a:r>
+            <a:r>
+              <a:rPr lang="en-GB" dirty="0" smtClean="0"/>
+              <a:t> execution </a:t>
+            </a:r>
+            <a:r>
+              <a:rPr lang="en-GB" b="1" dirty="0" smtClean="0">
+                <a:solidFill>
+                  <a:srgbClr val="FF0000"/>
+                </a:solidFill>
+              </a:rPr>
+              <a:t>flow</a:t>
+            </a:r>
+          </a:p>
+          <a:p>
+            <a:pPr>
+              <a:defRPr/>
+            </a:pPr>
+            <a:r>
+              <a:rPr lang="en-GB" dirty="0" smtClean="0"/>
+              <a:t>An error is also represented as an object in Java, but usually represents a unrecoverable situation and should not be caught</a:t>
+            </a:r>
+            <a:endParaRPr lang="en-GB" dirty="0"/>
+          </a:p>
+        </p:txBody>
+      </p:sp>
     </p:spTree>
   </p:cSld>
   <p:clrMapOvr>
@@ -4469,7 +4745,7 @@
       </p:grpSpPr>
       <p:sp>
         <p:nvSpPr>
-          <p:cNvPr id="22530" name="Title 1"/>
+          <p:cNvPr id="21506" name="Title 1"/>
           <p:cNvSpPr>
             <a:spLocks noGrp="1"/>
           </p:cNvSpPr>
@@ -4479,8 +4755,8 @@
         </p:nvSpPr>
         <p:spPr>
           <a:xfrm>
-            <a:off x="719138" y="25400"/>
-            <a:ext cx="7772400" cy="1143000"/>
+            <a:off x="381000" y="76200"/>
+            <a:ext cx="8610600" cy="1143000"/>
           </a:xfrm>
         </p:spPr>
         <p:txBody>
@@ -4489,92 +4765,14 @@
           <a:p>
             <a:r>
               <a:rPr lang="en-GB" altLang="en-US" smtClean="0"/>
-              <a:t>Exception Handling Model</a:t>
-            </a:r>
-          </a:p>
-        </p:txBody>
-      </p:sp>
-      <p:sp>
-        <p:nvSpPr>
-          <p:cNvPr id="3" name="Content Placeholder 2"/>
-          <p:cNvSpPr>
-            <a:spLocks noGrp="1"/>
-          </p:cNvSpPr>
-          <p:nvPr>
-            <p:ph idx="1"/>
-          </p:nvPr>
-        </p:nvSpPr>
-        <p:spPr>
-          <a:xfrm>
-            <a:off x="685800" y="1371600"/>
-            <a:ext cx="7772400" cy="3276600"/>
-          </a:xfrm>
-        </p:spPr>
-        <p:txBody>
-          <a:bodyPr>
-            <a:normAutofit fontScale="85000" lnSpcReduction="20000"/>
-          </a:bodyPr>
-          <a:lstStyle/>
-          <a:p>
-            <a:pPr>
-              <a:defRPr/>
-            </a:pPr>
-            <a:r>
-              <a:rPr lang="en-GB" dirty="0" smtClean="0"/>
-              <a:t>Code where you anticipate a problem:</a:t>
-            </a:r>
-          </a:p>
-          <a:p>
-            <a:pPr lvl="1">
-              <a:defRPr/>
-            </a:pPr>
-            <a:r>
-              <a:rPr lang="en-GB" dirty="0" smtClean="0"/>
-              <a:t>Detect error, probably with an if create a new exception and throw it</a:t>
-            </a:r>
-          </a:p>
-          <a:p>
-            <a:pPr lvl="1">
-              <a:defRPr/>
-            </a:pPr>
-            <a:r>
-              <a:rPr lang="en-GB" dirty="0" smtClean="0"/>
-              <a:t>Alternatively let JVM detect error, create, and throw an exception</a:t>
-            </a:r>
-          </a:p>
-          <a:p>
-            <a:pPr>
-              <a:defRPr/>
-            </a:pPr>
-            <a:r>
-              <a:rPr lang="en-GB" dirty="0" smtClean="0"/>
-              <a:t>Code in client (somewhere in message invocation stack)</a:t>
-            </a:r>
-          </a:p>
-          <a:p>
-            <a:pPr lvl="1">
-              <a:defRPr/>
-            </a:pPr>
-            <a:r>
-              <a:rPr lang="en-GB" dirty="0" smtClean="0"/>
-              <a:t>try, hoping for the best</a:t>
-            </a:r>
-          </a:p>
-          <a:p>
-            <a:pPr lvl="1">
-              <a:defRPr/>
-            </a:pPr>
-            <a:r>
-              <a:rPr lang="en-GB" dirty="0" smtClean="0"/>
-              <a:t>prepare to catch an exception</a:t>
-            </a:r>
-            <a:endParaRPr lang="en-GB" dirty="0"/>
+              <a:t>Motivation for Exception Handling</a:t>
+            </a:r>
           </a:p>
         </p:txBody>
       </p:sp>
       <p:pic>
         <p:nvPicPr>
-          <p:cNvPr id="22532" name="Picture 3"/>
+          <p:cNvPr id="21507" name="Picture 3"/>
           <p:cNvPicPr>
             <a:picLocks noChangeAspect="1"/>
           </p:cNvPicPr>
@@ -4584,19 +4782,19 @@
           <a:blip r:embed="rId2">
             <a:extLst>
               <a:ext uri="{28A0092B-C50C-407E-A947-70E740481C1C}">
-                <a14:useLocalDpi xmlns:a14="http://schemas.microsoft.com/office/drawing/2010/main" val="0"/>
+                <a14:useLocalDpi xmlns="" xmlns:a14="http://schemas.microsoft.com/office/drawing/2010/main" val="0"/>
               </a:ext>
             </a:extLst>
           </a:blip>
-          <a:srcRect/>
+          <a:srcRect r="1045"/>
           <a:stretch>
             <a:fillRect/>
           </a:stretch>
         </p:blipFill>
         <p:spPr bwMode="auto">
           <a:xfrm>
-            <a:off x="1219200" y="4851400"/>
-            <a:ext cx="6591300" cy="1866900"/>
+            <a:off x="246063" y="1114425"/>
+            <a:ext cx="8821737" cy="5667375"/>
           </a:xfrm>
           <a:prstGeom prst="rect">
             <a:avLst/>
@@ -4607,14 +4805,14 @@
           </a:ln>
           <a:extLst>
             <a:ext uri="{909E8E84-426E-40DD-AFC4-6F175D3DCCD1}">
-              <a14:hiddenFill xmlns:a14="http://schemas.microsoft.com/office/drawing/2010/main">
+              <a14:hiddenFill xmlns="" xmlns:a14="http://schemas.microsoft.com/office/drawing/2010/main">
                 <a:solidFill>
                   <a:srgbClr val="FFFFFF"/>
                 </a:solidFill>
               </a14:hiddenFill>
             </a:ext>
             <a:ext uri="{91240B29-F687-4F45-9708-019B960494DF}">
-              <a14:hiddenLine xmlns:a14="http://schemas.microsoft.com/office/drawing/2010/main" w="9525">
+              <a14:hiddenLine xmlns="" xmlns:a14="http://schemas.microsoft.com/office/drawing/2010/main" w="9525">
                 <a:solidFill>
                   <a:srgbClr val="000000"/>
                 </a:solidFill>
@@ -4653,7 +4851,7 @@
       </p:grpSpPr>
       <p:sp>
         <p:nvSpPr>
-          <p:cNvPr id="23554" name="Title 1"/>
+          <p:cNvPr id="22530" name="Title 1"/>
           <p:cNvSpPr>
             <a:spLocks noGrp="1"/>
           </p:cNvSpPr>
@@ -4663,7 +4861,7 @@
         </p:nvSpPr>
         <p:spPr>
           <a:xfrm>
-            <a:off x="609600" y="0"/>
+            <a:off x="719138" y="25400"/>
             <a:ext cx="7772400" cy="1143000"/>
           </a:xfrm>
         </p:spPr>
@@ -4673,14 +4871,92 @@
           <a:p>
             <a:r>
               <a:rPr lang="en-GB" altLang="en-US" smtClean="0"/>
-              <a:t>Simple Example</a:t>
-            </a:r>
+              <a:t>Exception Handling Model</a:t>
+            </a:r>
+          </a:p>
+        </p:txBody>
+      </p:sp>
+      <p:sp>
+        <p:nvSpPr>
+          <p:cNvPr id="3" name="Content Placeholder 2"/>
+          <p:cNvSpPr>
+            <a:spLocks noGrp="1"/>
+          </p:cNvSpPr>
+          <p:nvPr>
+            <p:ph idx="1"/>
+          </p:nvPr>
+        </p:nvSpPr>
+        <p:spPr>
+          <a:xfrm>
+            <a:off x="685800" y="1371600"/>
+            <a:ext cx="7772400" cy="3276600"/>
+          </a:xfrm>
+        </p:spPr>
+        <p:txBody>
+          <a:bodyPr>
+            <a:normAutofit fontScale="85000" lnSpcReduction="20000"/>
+          </a:bodyPr>
+          <a:lstStyle/>
+          <a:p>
+            <a:pPr>
+              <a:defRPr/>
+            </a:pPr>
+            <a:r>
+              <a:rPr lang="en-GB" dirty="0" smtClean="0"/>
+              <a:t>Code where you anticipate a problem:</a:t>
+            </a:r>
+          </a:p>
+          <a:p>
+            <a:pPr lvl="1">
+              <a:defRPr/>
+            </a:pPr>
+            <a:r>
+              <a:rPr lang="en-GB" dirty="0" smtClean="0"/>
+              <a:t>Detect error, probably with an if create a new exception and throw it</a:t>
+            </a:r>
+          </a:p>
+          <a:p>
+            <a:pPr lvl="1">
+              <a:defRPr/>
+            </a:pPr>
+            <a:r>
+              <a:rPr lang="en-GB" dirty="0" smtClean="0"/>
+              <a:t>Alternatively let JVM detect error, create, and throw an exception</a:t>
+            </a:r>
+          </a:p>
+          <a:p>
+            <a:pPr>
+              <a:defRPr/>
+            </a:pPr>
+            <a:r>
+              <a:rPr lang="en-GB" dirty="0" smtClean="0"/>
+              <a:t>Code in client (somewhere in message invocation stack)</a:t>
+            </a:r>
+          </a:p>
+          <a:p>
+            <a:pPr lvl="1">
+              <a:defRPr/>
+            </a:pPr>
+            <a:r>
+              <a:rPr lang="en-GB" dirty="0" smtClean="0"/>
+              <a:t>try, hoping for the best</a:t>
+            </a:r>
+          </a:p>
+          <a:p>
+            <a:pPr lvl="1">
+              <a:defRPr/>
+            </a:pPr>
+            <a:r>
+              <a:rPr lang="en-GB" dirty="0" smtClean="0"/>
+              <a:t>prepare to catch an exception</a:t>
+            </a:r>
+            <a:endParaRPr lang="en-GB" dirty="0"/>
           </a:p>
         </p:txBody>
       </p:sp>
       <p:pic>
         <p:nvPicPr>
-          <p:cNvPr id="23555" name="Picture 3"/>
+          <p:cNvPr id="22532" name="Picture 3"/>
           <p:cNvPicPr>
             <a:picLocks noChangeAspect="1"/>
           </p:cNvPicPr>
@@ -4690,7 +4966,7 @@
           <a:blip r:embed="rId2">
             <a:extLst>
               <a:ext uri="{28A0092B-C50C-407E-A947-70E740481C1C}">
-                <a14:useLocalDpi xmlns:a14="http://schemas.microsoft.com/office/drawing/2010/main" val="0"/>
+                <a14:useLocalDpi xmlns="" xmlns:a14="http://schemas.microsoft.com/office/drawing/2010/main" val="0"/>
               </a:ext>
             </a:extLst>
           </a:blip>
@@ -4701,8 +4977,8 @@
         </p:blipFill>
         <p:spPr bwMode="auto">
           <a:xfrm>
-            <a:off x="114300" y="990600"/>
-            <a:ext cx="8763000" cy="5732463"/>
+            <a:off x="1219200" y="4724400"/>
+            <a:ext cx="6591300" cy="1866900"/>
           </a:xfrm>
           <a:prstGeom prst="rect">
             <a:avLst/>
@@ -4713,14 +4989,14 @@
           </a:ln>
           <a:extLst>
             <a:ext uri="{909E8E84-426E-40DD-AFC4-6F175D3DCCD1}">
-              <a14:hiddenFill xmlns:a14="http://schemas.microsoft.com/office/drawing/2010/main">
+              <a14:hiddenFill xmlns="" xmlns:a14="http://schemas.microsoft.com/office/drawing/2010/main">
                 <a:solidFill>
                   <a:srgbClr val="FFFFFF"/>
                 </a:solidFill>
               </a14:hiddenFill>
             </a:ext>
             <a:ext uri="{91240B29-F687-4F45-9708-019B960494DF}">
-              <a14:hiddenLine xmlns:a14="http://schemas.microsoft.com/office/drawing/2010/main" w="9525">
+              <a14:hiddenLine xmlns="" xmlns:a14="http://schemas.microsoft.com/office/drawing/2010/main" w="9525">
                 <a:solidFill>
                   <a:srgbClr val="000000"/>
                 </a:solidFill>
@@ -4759,7 +5035,7 @@
       </p:grpSpPr>
       <p:sp>
         <p:nvSpPr>
-          <p:cNvPr id="24578" name="Title 1"/>
+          <p:cNvPr id="23554" name="Title 1"/>
           <p:cNvSpPr>
             <a:spLocks noGrp="1"/>
           </p:cNvSpPr>
@@ -4769,7 +5045,7 @@
         </p:nvSpPr>
         <p:spPr>
           <a:xfrm>
-            <a:off x="685800" y="228600"/>
+            <a:off x="609600" y="0"/>
             <a:ext cx="7772400" cy="1143000"/>
           </a:xfrm>
         </p:spPr>
@@ -4779,65 +5055,65 @@
           <a:p>
             <a:r>
               <a:rPr lang="en-GB" altLang="en-US" smtClean="0"/>
-              <a:t>Java's Catch or Specify Requirement</a:t>
-            </a:r>
-          </a:p>
-        </p:txBody>
-      </p:sp>
-      <p:sp>
-        <p:nvSpPr>
-          <p:cNvPr id="24579" name="Content Placeholder 2"/>
-          <p:cNvSpPr>
-            <a:spLocks noGrp="1"/>
-          </p:cNvSpPr>
-          <p:nvPr>
-            <p:ph idx="1"/>
-          </p:nvPr>
-        </p:nvSpPr>
-        <p:spPr>
-          <a:xfrm>
-            <a:off x="685800" y="1752600"/>
-            <a:ext cx="7772400" cy="4724400"/>
-          </a:xfrm>
-        </p:spPr>
-        <p:txBody>
-          <a:bodyPr/>
-          <a:lstStyle/>
-          <a:p>
-            <a:r>
-              <a:rPr lang="en-GB" altLang="en-US" smtClean="0"/>
-              <a:t>Catch</a:t>
-            </a:r>
-          </a:p>
-          <a:p>
-            <a:pPr lvl="1"/>
-            <a:r>
-              <a:rPr lang="en-GB" altLang="en-US" smtClean="0"/>
-              <a:t>A method can catch exception by providing and exception handler</a:t>
-            </a:r>
-          </a:p>
-          <a:p>
-            <a:r>
-              <a:rPr lang="en-GB" altLang="en-US" smtClean="0"/>
-              <a:t>Specify</a:t>
-            </a:r>
-          </a:p>
-          <a:p>
-            <a:pPr lvl="1"/>
-            <a:r>
-              <a:rPr lang="en-GB" altLang="en-US" smtClean="0"/>
-              <a:t>If a method chooses not to catch, then specify which exceptions are thrown</a:t>
-            </a:r>
-          </a:p>
-          <a:p>
-            <a:pPr lvl="1"/>
-            <a:r>
-              <a:rPr lang="en-GB" altLang="en-US" smtClean="0"/>
-              <a:t>Exceptions are part of a method's public interface</a:t>
-            </a:r>
-          </a:p>
-        </p:txBody>
-      </p:sp>
+              <a:t>Simple Example</a:t>
+            </a:r>
+          </a:p>
+        </p:txBody>
+      </p:sp>
+      <p:pic>
+        <p:nvPicPr>
+          <p:cNvPr id="23555" name="Picture 3"/>
+          <p:cNvPicPr>
+            <a:picLocks noChangeAspect="1"/>
+          </p:cNvPicPr>
+          <p:nvPr/>
+        </p:nvPicPr>
+        <p:blipFill>
+          <a:blip r:embed="rId2">
+            <a:extLst>
+              <a:ext uri="{28A0092B-C50C-407E-A947-70E740481C1C}">
+                <a14:useLocalDpi xmlns="" xmlns:a14="http://schemas.microsoft.com/office/drawing/2010/main" val="0"/>
+              </a:ext>
+            </a:extLst>
+          </a:blip>
+          <a:srcRect/>
+          <a:stretch>
+            <a:fillRect/>
+          </a:stretch>
+        </p:blipFill>
+        <p:spPr bwMode="auto">
+          <a:xfrm>
+            <a:off x="228600" y="990600"/>
+            <a:ext cx="8763000" cy="5732463"/>
+          </a:xfrm>
+          <a:prstGeom prst="rect">
+            <a:avLst/>
+          </a:prstGeom>
+          <a:noFill/>
+          <a:ln>
+            <a:noFill/>
+          </a:ln>
+          <a:extLst>
+            <a:ext uri="{909E8E84-426E-40DD-AFC4-6F175D3DCCD1}">
+              <a14:hiddenFill xmlns="" xmlns:a14="http://schemas.microsoft.com/office/drawing/2010/main">
+                <a:solidFill>
+                  <a:srgbClr val="FFFFFF"/>
+                </a:solidFill>
+              </a14:hiddenFill>
+            </a:ext>
+            <a:ext uri="{91240B29-F687-4F45-9708-019B960494DF}">
+              <a14:hiddenLine xmlns="" xmlns:a14="http://schemas.microsoft.com/office/drawing/2010/main" w="9525">
+                <a:solidFill>
+                  <a:srgbClr val="000000"/>
+                </a:solidFill>
+                <a:miter lim="800000"/>
+                <a:headEnd/>
+                <a:tailEnd/>
+              </a14:hiddenLine>
+            </a:ext>
+          </a:extLst>
+        </p:spPr>
+      </p:pic>
     </p:spTree>
   </p:cSld>
   <p:clrMapOvr>
@@ -4865,7 +5141,7 @@
       </p:grpSpPr>
       <p:sp>
         <p:nvSpPr>
-          <p:cNvPr id="25602" name="Title 1"/>
+          <p:cNvPr id="24578" name="Title 1"/>
           <p:cNvSpPr>
             <a:spLocks noGrp="1"/>
           </p:cNvSpPr>
@@ -4873,21 +5149,26 @@
             <p:ph type="title"/>
           </p:nvPr>
         </p:nvSpPr>
-        <p:spPr/>
+        <p:spPr>
+          <a:xfrm>
+            <a:off x="685800" y="304800"/>
+            <a:ext cx="7772400" cy="1143000"/>
+          </a:xfrm>
+        </p:spPr>
         <p:txBody>
           <a:bodyPr/>
           <a:lstStyle/>
           <a:p>
             <a:r>
-              <a:rPr lang="en-GB" altLang="en-US" smtClean="0"/>
-              <a:t>Checked/Unchecked Exceptions</a:t>
-            </a:r>
-          </a:p>
-        </p:txBody>
-      </p:sp>
-      <p:sp>
-        <p:nvSpPr>
-          <p:cNvPr id="3" name="Content Placeholder 2"/>
+              <a:rPr lang="en-GB" altLang="en-US" dirty="0" smtClean="0"/>
+              <a:t>Java's Catch or Specify Requirement</a:t>
+            </a:r>
+          </a:p>
+        </p:txBody>
+      </p:sp>
+      <p:sp>
+        <p:nvSpPr>
+          <p:cNvPr id="24579" name="Content Placeholder 2"/>
           <p:cNvSpPr>
             <a:spLocks noGrp="1"/>
           </p:cNvSpPr>
@@ -4897,69 +5178,77 @@
         </p:nvSpPr>
         <p:spPr>
           <a:xfrm>
-            <a:off x="685800" y="1981200"/>
-            <a:ext cx="8077200" cy="4572000"/>
-          </a:xfrm>
-        </p:spPr>
-        <p:txBody>
-          <a:bodyPr>
-            <a:normAutofit fontScale="85000" lnSpcReduction="10000"/>
-          </a:bodyPr>
+            <a:off x="685800" y="1752600"/>
+            <a:ext cx="7772400" cy="4724400"/>
+          </a:xfrm>
+        </p:spPr>
+        <p:txBody>
+          <a:bodyPr/>
           <a:lstStyle/>
           <a:p>
-            <a:pPr>
-              <a:defRPr/>
-            </a:pPr>
-            <a:r>
-              <a:rPr lang="en-GB" dirty="0" smtClean="0"/>
-              <a:t> An exception is either checked or unchecked</a:t>
-            </a:r>
-          </a:p>
-          <a:p>
-            <a:pPr lvl="1">
-              <a:defRPr/>
-            </a:pPr>
-            <a:r>
-              <a:rPr lang="en-GB" dirty="0" smtClean="0"/>
-              <a:t>Checked = checked by the compiler</a:t>
-            </a:r>
-          </a:p>
-          <a:p>
-            <a:pPr>
-              <a:defRPr/>
-            </a:pPr>
-            <a:r>
-              <a:rPr lang="en-GB" dirty="0" smtClean="0"/>
-              <a:t>A checked exception can only be thrown within a try block or within a method that is designated to throw that exception</a:t>
-            </a:r>
-          </a:p>
-          <a:p>
-            <a:pPr lvl="1">
-              <a:defRPr/>
-            </a:pPr>
-            <a:r>
-              <a:rPr lang="en-GB" dirty="0" smtClean="0"/>
-              <a:t>The compiler will complain if a checked exception is not handled appropriately</a:t>
-            </a:r>
-          </a:p>
-          <a:p>
-            <a:pPr>
-              <a:defRPr/>
-            </a:pPr>
-            <a:r>
-              <a:rPr lang="en-GB" dirty="0" smtClean="0"/>
-              <a:t>An unchecked exception does not require explicit handling, though it could be processed that way.</a:t>
-            </a:r>
-          </a:p>
-          <a:p>
-            <a:pPr>
-              <a:defRPr/>
-            </a:pPr>
-            <a:r>
-              <a:rPr lang="en-GB" dirty="0" smtClean="0"/>
-              <a:t>An example many run-time exceptions are unchecked exceptions</a:t>
-            </a:r>
-            <a:endParaRPr lang="en-GB" dirty="0"/>
+            <a:r>
+              <a:rPr lang="en-GB" altLang="en-US" dirty="0" smtClean="0"/>
+              <a:t>Catch</a:t>
+            </a:r>
+          </a:p>
+          <a:p>
+            <a:pPr lvl="1"/>
+            <a:r>
+              <a:rPr lang="en-GB" altLang="en-US" dirty="0" smtClean="0"/>
+              <a:t>A method can </a:t>
+            </a:r>
+            <a:r>
+              <a:rPr lang="en-GB" altLang="en-US" b="1" dirty="0" smtClean="0">
+                <a:solidFill>
+                  <a:srgbClr val="FF0000"/>
+                </a:solidFill>
+              </a:rPr>
+              <a:t>catch</a:t>
+            </a:r>
+            <a:r>
+              <a:rPr lang="en-GB" altLang="en-US" dirty="0" smtClean="0"/>
+              <a:t> exception by providing and </a:t>
+            </a:r>
+            <a:r>
+              <a:rPr lang="en-GB" altLang="en-US" b="1" dirty="0" smtClean="0">
+                <a:solidFill>
+                  <a:srgbClr val="FF0000"/>
+                </a:solidFill>
+              </a:rPr>
+              <a:t>exception handler</a:t>
+            </a:r>
+          </a:p>
+          <a:p>
+            <a:r>
+              <a:rPr lang="en-GB" altLang="en-US" dirty="0" smtClean="0"/>
+              <a:t>Specify</a:t>
+            </a:r>
+          </a:p>
+          <a:p>
+            <a:pPr lvl="1"/>
+            <a:r>
+              <a:rPr lang="en-GB" altLang="en-US" dirty="0" smtClean="0"/>
+              <a:t>If a method </a:t>
+            </a:r>
+            <a:r>
+              <a:rPr lang="en-GB" altLang="en-US" b="1" dirty="0" smtClean="0">
+                <a:solidFill>
+                  <a:srgbClr val="FF0000"/>
+                </a:solidFill>
+              </a:rPr>
+              <a:t>chooses not to catch</a:t>
+            </a:r>
+            <a:r>
+              <a:rPr lang="en-GB" altLang="en-US" dirty="0" smtClean="0"/>
+              <a:t>, then specify which exceptions are thrown</a:t>
+            </a:r>
+          </a:p>
+          <a:p>
+            <a:pPr lvl="1"/>
+            <a:r>
+              <a:rPr lang="en-GB" altLang="en-US" dirty="0" smtClean="0"/>
+              <a:t>Exceptions are part of a method's public interface</a:t>
+            </a:r>
           </a:p>
         </p:txBody>
       </p:sp>
@@ -4990,7 +5279,7 @@
       </p:grpSpPr>
       <p:sp>
         <p:nvSpPr>
-          <p:cNvPr id="26626" name="Title 1"/>
+          <p:cNvPr id="25602" name="Title 1"/>
           <p:cNvSpPr>
             <a:spLocks noGrp="1"/>
           </p:cNvSpPr>
@@ -5000,7 +5289,7 @@
         </p:nvSpPr>
         <p:spPr>
           <a:xfrm>
-            <a:off x="685800" y="76200"/>
+            <a:off x="685800" y="381000"/>
             <a:ext cx="7772400" cy="1143000"/>
           </a:xfrm>
         </p:spPr>
@@ -5009,66 +5298,90 @@
           <a:lstStyle/>
           <a:p>
             <a:r>
-              <a:rPr lang="en-GB" altLang="en-US" smtClean="0"/>
-              <a:t>Java's Exception Class Hierarchy</a:t>
-            </a:r>
-          </a:p>
-        </p:txBody>
-      </p:sp>
-      <p:pic>
-        <p:nvPicPr>
-          <p:cNvPr id="26627" name="Picture 3"/>
-          <p:cNvPicPr>
-            <a:picLocks noChangeAspect="1"/>
-          </p:cNvPicPr>
-          <p:nvPr/>
-        </p:nvPicPr>
-        <p:blipFill>
-          <a:blip r:embed="rId2">
-            <a:extLst>
-              <a:ext uri="{28A0092B-C50C-407E-A947-70E740481C1C}">
-                <a14:useLocalDpi xmlns:a14="http://schemas.microsoft.com/office/drawing/2010/main" val="0"/>
-              </a:ext>
-            </a:extLst>
-          </a:blip>
-          <a:srcRect/>
-          <a:stretch>
-            <a:fillRect/>
-          </a:stretch>
-        </p:blipFill>
-        <p:spPr bwMode="auto">
-          <a:xfrm>
-            <a:off x="152400" y="1447800"/>
-            <a:ext cx="8534400" cy="5080000"/>
-          </a:xfrm>
-          <a:prstGeom prst="rect">
-            <a:avLst/>
-          </a:prstGeom>
-          <a:noFill/>
-          <a:ln>
-            <a:noFill/>
-          </a:ln>
-          <a:extLst>
-            <a:ext uri="{909E8E84-426E-40DD-AFC4-6F175D3DCCD1}">
-              <a14:hiddenFill xmlns:a14="http://schemas.microsoft.com/office/drawing/2010/main">
-                <a:solidFill>
-                  <a:srgbClr val="FFFFFF"/>
-                </a:solidFill>
-              </a14:hiddenFill>
-            </a:ext>
-            <a:ext uri="{91240B29-F687-4F45-9708-019B960494DF}">
-              <a14:hiddenLine xmlns:a14="http://schemas.microsoft.com/office/drawing/2010/main" w="9525">
-                <a:solidFill>
-                  <a:srgbClr val="000000"/>
-                </a:solidFill>
-                <a:miter lim="800000"/>
-                <a:headEnd/>
-                <a:tailEnd/>
-              </a14:hiddenLine>
-            </a:ext>
-          </a:extLst>
-        </p:spPr>
-      </p:pic>
+              <a:rPr lang="en-GB" altLang="en-US" dirty="0" smtClean="0"/>
+              <a:t>Checked/Unchecked Exceptions</a:t>
+            </a:r>
+          </a:p>
+        </p:txBody>
+      </p:sp>
+      <p:sp>
+        <p:nvSpPr>
+          <p:cNvPr id="3" name="Content Placeholder 2"/>
+          <p:cNvSpPr>
+            <a:spLocks noGrp="1"/>
+          </p:cNvSpPr>
+          <p:nvPr>
+            <p:ph idx="1"/>
+          </p:nvPr>
+        </p:nvSpPr>
+        <p:spPr>
+          <a:xfrm>
+            <a:off x="685800" y="1981200"/>
+            <a:ext cx="8077200" cy="4572000"/>
+          </a:xfrm>
+        </p:spPr>
+        <p:txBody>
+          <a:bodyPr>
+            <a:normAutofit fontScale="85000" lnSpcReduction="10000"/>
+          </a:bodyPr>
+          <a:lstStyle/>
+          <a:p>
+            <a:pPr>
+              <a:defRPr/>
+            </a:pPr>
+            <a:r>
+              <a:rPr lang="en-GB" dirty="0" smtClean="0"/>
+              <a:t> An exception is either checked or unchecked</a:t>
+            </a:r>
+          </a:p>
+          <a:p>
+            <a:pPr lvl="1">
+              <a:defRPr/>
+            </a:pPr>
+            <a:r>
+              <a:rPr lang="en-GB" dirty="0" smtClean="0"/>
+              <a:t>Checked = checked by the compiler</a:t>
+            </a:r>
+          </a:p>
+          <a:p>
+            <a:pPr>
+              <a:defRPr/>
+            </a:pPr>
+            <a:r>
+              <a:rPr lang="en-GB" dirty="0" smtClean="0"/>
+              <a:t>A checked exception can only be thrown within a try block or within a method that is designated to throw that exception</a:t>
+            </a:r>
+          </a:p>
+          <a:p>
+            <a:pPr lvl="1">
+              <a:defRPr/>
+            </a:pPr>
+            <a:r>
+              <a:rPr lang="en-GB" dirty="0" smtClean="0"/>
+              <a:t>The compiler will complain if a checked exception is not handled appropriately</a:t>
+            </a:r>
+          </a:p>
+          <a:p>
+            <a:pPr>
+              <a:defRPr/>
+            </a:pPr>
+            <a:r>
+              <a:rPr lang="en-GB" dirty="0" smtClean="0"/>
+              <a:t>An unchecked exception does not require explicit handling, though it could be processed that way.</a:t>
+            </a:r>
+          </a:p>
+          <a:p>
+            <a:pPr>
+              <a:defRPr/>
+            </a:pPr>
+            <a:r>
+              <a:rPr lang="en-GB" dirty="0" smtClean="0"/>
+              <a:t>An example many run-time exceptions are unchecked exceptions</a:t>
+            </a:r>
+            <a:endParaRPr lang="en-GB" dirty="0"/>
+          </a:p>
+        </p:txBody>
+      </p:sp>
     </p:spTree>
   </p:cSld>
   <p:clrMapOvr>
@@ -5096,7 +5409,7 @@
       </p:grpSpPr>
       <p:sp>
         <p:nvSpPr>
-          <p:cNvPr id="27650" name="Title 1"/>
+          <p:cNvPr id="26626" name="Title 1"/>
           <p:cNvSpPr>
             <a:spLocks noGrp="1"/>
           </p:cNvSpPr>
@@ -5106,7 +5419,7 @@
         </p:nvSpPr>
         <p:spPr>
           <a:xfrm>
-            <a:off x="685800" y="25400"/>
+            <a:off x="685800" y="228600"/>
             <a:ext cx="7772400" cy="1143000"/>
           </a:xfrm>
         </p:spPr>
@@ -5115,145 +5428,66 @@
           <a:lstStyle/>
           <a:p>
             <a:r>
-              <a:rPr lang="en-GB" altLang="en-US" smtClean="0"/>
-              <a:t>Java's Exception Class Hierarchy, cont.</a:t>
-            </a:r>
-          </a:p>
-        </p:txBody>
-      </p:sp>
-      <p:sp>
-        <p:nvSpPr>
-          <p:cNvPr id="3" name="Content Placeholder 2"/>
-          <p:cNvSpPr>
-            <a:spLocks noGrp="1"/>
-          </p:cNvSpPr>
-          <p:nvPr>
-            <p:ph idx="1"/>
-          </p:nvPr>
-        </p:nvSpPr>
-        <p:spPr>
-          <a:xfrm>
-            <a:off x="685800" y="1447800"/>
-            <a:ext cx="7772400" cy="5181600"/>
-          </a:xfrm>
-        </p:spPr>
-        <p:txBody>
-          <a:bodyPr>
-            <a:normAutofit fontScale="85000" lnSpcReduction="20000"/>
-          </a:bodyPr>
-          <a:lstStyle/>
-          <a:p>
-            <a:pPr>
-              <a:defRPr/>
-            </a:pPr>
-            <a:r>
-              <a:rPr lang="en-GB" dirty="0" err="1" smtClean="0"/>
-              <a:t>Throwable</a:t>
-            </a:r>
-            <a:endParaRPr lang="en-GB" dirty="0" smtClean="0"/>
-          </a:p>
-          <a:p>
-            <a:pPr lvl="1">
-              <a:defRPr/>
-            </a:pPr>
-            <a:r>
-              <a:rPr lang="en-GB" dirty="0" smtClean="0"/>
-              <a:t>Superclass for all exceptions</a:t>
-            </a:r>
-          </a:p>
-          <a:p>
-            <a:pPr lvl="1">
-              <a:defRPr/>
-            </a:pPr>
-            <a:r>
-              <a:rPr lang="en-GB" dirty="0" smtClean="0"/>
-              <a:t>Two methods for filling in and printing the stack</a:t>
-            </a:r>
-          </a:p>
-          <a:p>
-            <a:pPr>
-              <a:defRPr/>
-            </a:pPr>
-            <a:r>
-              <a:rPr lang="en-GB" dirty="0" smtClean="0"/>
-              <a:t>Error</a:t>
-            </a:r>
-          </a:p>
-          <a:p>
-            <a:pPr lvl="1">
-              <a:defRPr/>
-            </a:pPr>
-            <a:r>
-              <a:rPr lang="en-GB" dirty="0" smtClean="0"/>
-              <a:t>Serious internal errors (should not occur in running programs).</a:t>
-            </a:r>
-          </a:p>
-          <a:p>
-            <a:pPr lvl="1">
-              <a:defRPr/>
-            </a:pPr>
-            <a:r>
-              <a:rPr lang="en-GB" dirty="0" smtClean="0"/>
-              <a:t>Are normally not handled. (report and terminate)</a:t>
-            </a:r>
-          </a:p>
-          <a:p>
-            <a:pPr lvl="1">
-              <a:defRPr/>
-            </a:pPr>
-            <a:r>
-              <a:rPr lang="en-GB" dirty="0" smtClean="0"/>
-              <a:t>Programs should not throw Error</a:t>
-            </a:r>
-          </a:p>
-          <a:p>
-            <a:pPr lvl="1">
-              <a:defRPr/>
-            </a:pPr>
-            <a:r>
-              <a:rPr lang="en-GB" dirty="0" smtClean="0"/>
-              <a:t>The catch or specify principle does not apply, because they are so severe</a:t>
-            </a:r>
-          </a:p>
-          <a:p>
-            <a:pPr lvl="1">
-              <a:defRPr/>
-            </a:pPr>
-            <a:r>
-              <a:rPr lang="en-GB" dirty="0" smtClean="0"/>
-              <a:t>Examples</a:t>
-            </a:r>
-          </a:p>
-          <a:p>
-            <a:pPr lvl="2">
-              <a:defRPr/>
-            </a:pPr>
-            <a:r>
-              <a:rPr lang="en-GB" dirty="0" smtClean="0"/>
-              <a:t>Dynamic linking failure</a:t>
-            </a:r>
-          </a:p>
-          <a:p>
-            <a:pPr lvl="2">
-              <a:defRPr/>
-            </a:pPr>
-            <a:r>
-              <a:rPr lang="en-GB" dirty="0" smtClean="0"/>
-              <a:t>Memory shortage</a:t>
-            </a:r>
-          </a:p>
-          <a:p>
-            <a:pPr lvl="2">
-              <a:defRPr/>
-            </a:pPr>
-            <a:r>
-              <a:rPr lang="en-GB" dirty="0" smtClean="0"/>
-              <a:t>Instantiating abstract class</a:t>
-            </a:r>
-            <a:endParaRPr lang="en-GB" dirty="0"/>
-          </a:p>
-        </p:txBody>
-      </p:sp>
+              <a:rPr lang="en-GB" altLang="en-US" dirty="0" smtClean="0"/>
+              <a:t>Java's Exception Class Hierarchy</a:t>
+            </a:r>
+          </a:p>
+        </p:txBody>
+      </p:sp>
+      <p:pic>
+        <p:nvPicPr>
+          <p:cNvPr id="26627" name="Picture 3"/>
+          <p:cNvPicPr>
+            <a:picLocks noChangeAspect="1"/>
+          </p:cNvPicPr>
+          <p:nvPr/>
+        </p:nvPicPr>
+        <p:blipFill>
+          <a:blip r:embed="rId2">
+            <a:extLst>
+              <a:ext uri="{28A0092B-C50C-407E-A947-70E740481C1C}">
+                <a14:useLocalDpi xmlns="" xmlns:a14="http://schemas.microsoft.com/office/drawing/2010/main" val="0"/>
+              </a:ext>
+            </a:extLst>
+          </a:blip>
+          <a:srcRect/>
+          <a:stretch>
+            <a:fillRect/>
+          </a:stretch>
+        </p:blipFill>
+        <p:spPr bwMode="auto">
+          <a:xfrm>
+            <a:off x="228600" y="1549400"/>
+            <a:ext cx="8534400" cy="5080000"/>
+          </a:xfrm>
+          <a:prstGeom prst="rect">
+            <a:avLst/>
+          </a:prstGeom>
+          <a:noFill/>
+          <a:ln>
+            <a:noFill/>
+          </a:ln>
+          <a:extLst>
+            <a:ext uri="{909E8E84-426E-40DD-AFC4-6F175D3DCCD1}">
+              <a14:hiddenFill xmlns="" xmlns:a14="http://schemas.microsoft.com/office/drawing/2010/main">
+                <a:solidFill>
+                  <a:srgbClr val="FFFFFF"/>
+                </a:solidFill>
+              </a14:hiddenFill>
+            </a:ext>
+            <a:ext uri="{91240B29-F687-4F45-9708-019B960494DF}">
+              <a14:hiddenLine xmlns="" xmlns:a14="http://schemas.microsoft.com/office/drawing/2010/main" w="9525">
+                <a:solidFill>
+                  <a:srgbClr val="000000"/>
+                </a:solidFill>
+                <a:miter lim="800000"/>
+                <a:headEnd/>
+                <a:tailEnd/>
+              </a14:hiddenLine>
+            </a:ext>
+          </a:extLst>
+        </p:spPr>
+      </p:pic>
     </p:spTree>
   </p:cSld>
   <p:clrMapOvr>
@@ -5329,7 +5563,7 @@
           <a:blip r:embed="rId2">
             <a:extLst>
               <a:ext uri="{28A0092B-C50C-407E-A947-70E740481C1C}">
-                <a14:useLocalDpi xmlns:a14="http://schemas.microsoft.com/office/drawing/2010/main" val="0"/>
+                <a14:useLocalDpi xmlns="" xmlns:a14="http://schemas.microsoft.com/office/drawing/2010/main" val="0"/>
               </a:ext>
             </a:extLst>
           </a:blip>
@@ -5352,14 +5586,14 @@
           </a:ln>
           <a:extLst>
             <a:ext uri="{909E8E84-426E-40DD-AFC4-6F175D3DCCD1}">
-              <a14:hiddenFill xmlns:a14="http://schemas.microsoft.com/office/drawing/2010/main">
+              <a14:hiddenFill xmlns="" xmlns:a14="http://schemas.microsoft.com/office/drawing/2010/main">
                 <a:solidFill>
                   <a:srgbClr val="FFFFFF"/>
                 </a:solidFill>
               </a14:hiddenFill>
             </a:ext>
             <a:ext uri="{91240B29-F687-4F45-9708-019B960494DF}">
-              <a14:hiddenLine xmlns:a14="http://schemas.microsoft.com/office/drawing/2010/main" w="9525">
+              <a14:hiddenLine xmlns="" xmlns:a14="http://schemas.microsoft.com/office/drawing/2010/main" w="9525">
                 <a:solidFill>
                   <a:srgbClr val="000000"/>
                 </a:solidFill>
@@ -5376,6 +5610,13 @@
   <p:clrMapOvr>
     <a:masterClrMapping/>
   </p:clrMapOvr>
+  <p:timing>
+    <p:tnLst>
+      <p:par>
+        <p:cTn id="1" dur="indefinite" restart="never" nodeType="tmRoot"/>
+      </p:par>
+    </p:tnLst>
+  </p:timing>
 </p:sld>
 </file>
 
@@ -5398,7 +5639,7 @@
       </p:grpSpPr>
       <p:sp>
         <p:nvSpPr>
-          <p:cNvPr id="28674" name="Title 1"/>
+          <p:cNvPr id="27650" name="Title 1"/>
           <p:cNvSpPr>
             <a:spLocks noGrp="1"/>
           </p:cNvSpPr>
@@ -5408,7 +5649,7 @@
         </p:nvSpPr>
         <p:spPr>
           <a:xfrm>
-            <a:off x="685800" y="76200"/>
+            <a:off x="685800" y="152400"/>
             <a:ext cx="7772400" cy="1143000"/>
           </a:xfrm>
         </p:spPr>
@@ -5417,7 +5658,7 @@
           <a:lstStyle/>
           <a:p>
             <a:r>
-              <a:rPr lang="en-GB" altLang="en-US" smtClean="0"/>
+              <a:rPr lang="en-GB" altLang="en-US" dirty="0" smtClean="0"/>
               <a:t>Java's Exception Class Hierarchy, cont.</a:t>
             </a:r>
           </a:p>
@@ -5449,9 +5690,10 @@
               <a:defRPr/>
             </a:pPr>
             <a:r>
-              <a:rPr lang="en-GB" dirty="0" smtClean="0"/>
-              <a:t>Exception</a:t>
-            </a:r>
+              <a:rPr lang="en-GB" dirty="0" err="1" smtClean="0"/>
+              <a:t>Throwable</a:t>
+            </a:r>
+            <a:endParaRPr lang="en-GB" dirty="0" smtClean="0"/>
           </a:p>
           <a:p>
             <a:pPr lvl="1">
@@ -5459,7 +5701,7 @@
             </a:pPr>
             <a:r>
               <a:rPr lang="en-GB" dirty="0" smtClean="0"/>
-              <a:t>The base class for most exception used in Java programs</a:t>
+              <a:t>Superclass for all exceptions</a:t>
             </a:r>
           </a:p>
           <a:p>
@@ -5468,7 +5710,16 @@
             </a:pPr>
             <a:r>
               <a:rPr lang="en-GB" dirty="0" smtClean="0"/>
-              <a:t>The catch or specify principle does apply</a:t>
+              <a:t>Two methods for filling in and printing the stack</a:t>
+            </a:r>
+          </a:p>
+          <a:p>
+            <a:pPr>
+              <a:defRPr/>
+            </a:pPr>
+            <a:r>
+              <a:rPr lang="en-GB" dirty="0" smtClean="0"/>
+              <a:t>Error</a:t>
             </a:r>
           </a:p>
           <a:p>
@@ -5477,7 +5728,43 @@
             </a:pPr>
             <a:r>
               <a:rPr lang="en-GB" dirty="0" smtClean="0"/>
-              <a:t>Examples of subclasses</a:t>
+              <a:t>Serious internal errors (should not occur in running programs).</a:t>
+            </a:r>
+          </a:p>
+          <a:p>
+            <a:pPr lvl="1">
+              <a:defRPr/>
+            </a:pPr>
+            <a:r>
+              <a:rPr lang="en-GB" dirty="0" smtClean="0"/>
+              <a:t>Are normally not handled. (report and terminate)</a:t>
+            </a:r>
+          </a:p>
+          <a:p>
+            <a:pPr lvl="1">
+              <a:defRPr/>
+            </a:pPr>
+            <a:r>
+              <a:rPr lang="en-GB" dirty="0" smtClean="0"/>
+              <a:t>Programs should not throw Error</a:t>
+            </a:r>
+          </a:p>
+          <a:p>
+            <a:pPr lvl="1">
+              <a:defRPr/>
+            </a:pPr>
+            <a:r>
+              <a:rPr lang="en-GB" dirty="0" smtClean="0"/>
+              <a:t>The catch or specify principle does not apply, because they are so severe</a:t>
+            </a:r>
+          </a:p>
+          <a:p>
+            <a:pPr lvl="1">
+              <a:defRPr/>
+            </a:pPr>
+            <a:r>
+              <a:rPr lang="en-GB" dirty="0" smtClean="0"/>
+              <a:t>Examples</a:t>
             </a:r>
           </a:p>
           <a:p>
@@ -5485,65 +5772,17 @@
               <a:defRPr/>
             </a:pPr>
             <a:r>
-              <a:rPr lang="en-GB" dirty="0" err="1" smtClean="0"/>
-              <a:t>IOException</a:t>
-            </a:r>
-            <a:endParaRPr lang="en-GB" dirty="0" smtClean="0"/>
+              <a:rPr lang="en-GB" dirty="0" smtClean="0"/>
+              <a:t>Dynamic linking failure</a:t>
+            </a:r>
           </a:p>
           <a:p>
             <a:pPr lvl="2">
               <a:defRPr/>
             </a:pPr>
             <a:r>
-              <a:rPr lang="en-GB" dirty="0" err="1" smtClean="0"/>
-              <a:t>ClassNotFoundException</a:t>
-            </a:r>
-            <a:endParaRPr lang="en-GB" dirty="0" smtClean="0"/>
-          </a:p>
-          <a:p>
-            <a:pPr>
-              <a:defRPr/>
-            </a:pPr>
-            <a:r>
-              <a:rPr lang="en-GB" dirty="0" err="1" smtClean="0"/>
-              <a:t>RuntimeException</a:t>
-            </a:r>
-            <a:endParaRPr lang="en-GB" dirty="0" smtClean="0"/>
-          </a:p>
-          <a:p>
-            <a:pPr lvl="1">
-              <a:defRPr/>
-            </a:pPr>
-            <a:r>
-              <a:rPr lang="en-GB" dirty="0" smtClean="0"/>
-              <a:t>Not a good name (all exceptions are at run-time)!</a:t>
-            </a:r>
-          </a:p>
-          <a:p>
-            <a:pPr lvl="1">
-              <a:defRPr/>
-            </a:pPr>
-            <a:r>
-              <a:rPr lang="en-GB" dirty="0" smtClean="0"/>
-              <a:t>Commonly seen run-time error</a:t>
-            </a:r>
-          </a:p>
-          <a:p>
-            <a:pPr lvl="1">
-              <a:defRPr/>
-            </a:pPr>
-            <a:r>
-              <a:rPr lang="en-GB" dirty="0" smtClean="0"/>
-              <a:t>The catch or specify principle does not apply, because they are so ubiquitous.</a:t>
-            </a:r>
-          </a:p>
-          <a:p>
-            <a:pPr lvl="1">
-              <a:defRPr/>
-            </a:pPr>
-            <a:r>
-              <a:rPr lang="en-GB" dirty="0" smtClean="0"/>
-              <a:t>Examples</a:t>
+              <a:rPr lang="en-GB" dirty="0" smtClean="0"/>
+              <a:t>Memory shortage</a:t>
             </a:r>
           </a:p>
           <a:p>
@@ -5552,7 +5791,7 @@
             </a:pPr>
             <a:r>
               <a:rPr lang="en-GB" dirty="0" smtClean="0"/>
-              <a:t>Divide by zero/Cast error/Null pointer</a:t>
+              <a:t>Instantiating abstract class</a:t>
             </a:r>
             <a:endParaRPr lang="en-GB" dirty="0"/>
           </a:p>
@@ -5585,7 +5824,7 @@
       </p:grpSpPr>
       <p:sp>
         <p:nvSpPr>
-          <p:cNvPr id="29698" name="Title 1"/>
+          <p:cNvPr id="28674" name="Title 1"/>
           <p:cNvSpPr>
             <a:spLocks noGrp="1"/>
           </p:cNvSpPr>
@@ -5604,8 +5843,8 @@
           <a:lstStyle/>
           <a:p>
             <a:r>
-              <a:rPr lang="en-GB" altLang="en-US" smtClean="0"/>
-              <a:t>The try Statement</a:t>
+              <a:rPr lang="en-GB" altLang="en-US" dirty="0" smtClean="0"/>
+              <a:t>Java's Exception Class Hierarchy, cont.</a:t>
             </a:r>
           </a:p>
         </p:txBody>
@@ -5622,8 +5861,8 @@
         </p:nvSpPr>
         <p:spPr>
           <a:xfrm>
-            <a:off x="693738" y="1143000"/>
-            <a:ext cx="7772400" cy="2895600"/>
+            <a:off x="685800" y="1447800"/>
+            <a:ext cx="7772400" cy="5181600"/>
           </a:xfrm>
         </p:spPr>
         <p:txBody>
@@ -5637,84 +5876,114 @@
             </a:pPr>
             <a:r>
               <a:rPr lang="en-GB" dirty="0" smtClean="0"/>
-              <a:t>To process an exception when it occurs, the line that throws the exception is executed within a try block</a:t>
-            </a:r>
+              <a:t>Exception</a:t>
+            </a:r>
+          </a:p>
+          <a:p>
+            <a:pPr lvl="1">
+              <a:defRPr/>
+            </a:pPr>
+            <a:r>
+              <a:rPr lang="en-GB" dirty="0" smtClean="0"/>
+              <a:t>The base class for most exception used in Java programs</a:t>
+            </a:r>
+          </a:p>
+          <a:p>
+            <a:pPr lvl="1">
+              <a:defRPr/>
+            </a:pPr>
+            <a:r>
+              <a:rPr lang="en-GB" dirty="0" smtClean="0"/>
+              <a:t>The catch or specify principle does apply</a:t>
+            </a:r>
+          </a:p>
+          <a:p>
+            <a:pPr lvl="1">
+              <a:defRPr/>
+            </a:pPr>
+            <a:r>
+              <a:rPr lang="en-GB" dirty="0" smtClean="0"/>
+              <a:t>Examples of subclasses</a:t>
+            </a:r>
+          </a:p>
+          <a:p>
+            <a:pPr lvl="2">
+              <a:defRPr/>
+            </a:pPr>
+            <a:r>
+              <a:rPr lang="en-GB" dirty="0" err="1" smtClean="0"/>
+              <a:t>IOException</a:t>
+            </a:r>
+            <a:endParaRPr lang="en-GB" dirty="0" smtClean="0"/>
+          </a:p>
+          <a:p>
+            <a:pPr lvl="2">
+              <a:defRPr/>
+            </a:pPr>
+            <a:r>
+              <a:rPr lang="en-GB" dirty="0" err="1" smtClean="0"/>
+              <a:t>ClassNotFoundException</a:t>
+            </a:r>
+            <a:endParaRPr lang="en-GB" dirty="0" smtClean="0"/>
           </a:p>
           <a:p>
             <a:pPr>
               <a:defRPr/>
             </a:pPr>
             <a:r>
-              <a:rPr lang="en-GB" dirty="0" smtClean="0"/>
-              <a:t>A try block is followed by one or more catch clauses, which contain code to process an exception</a:t>
-            </a:r>
-          </a:p>
-          <a:p>
-            <a:pPr>
-              <a:defRPr/>
-            </a:pPr>
-            <a:r>
-              <a:rPr lang="en-GB" dirty="0" smtClean="0"/>
-              <a:t>Each catch clause has an associated exception type</a:t>
+              <a:rPr lang="en-GB" dirty="0" err="1" smtClean="0"/>
+              <a:t>RuntimeException</a:t>
+            </a:r>
+            <a:endParaRPr lang="en-GB" dirty="0" smtClean="0"/>
+          </a:p>
+          <a:p>
+            <a:pPr lvl="1">
+              <a:defRPr/>
+            </a:pPr>
+            <a:r>
+              <a:rPr lang="en-GB" dirty="0" smtClean="0"/>
+              <a:t>Not a good name (all exceptions are at run-time)!</a:t>
+            </a:r>
+          </a:p>
+          <a:p>
+            <a:pPr lvl="1">
+              <a:defRPr/>
+            </a:pPr>
+            <a:r>
+              <a:rPr lang="en-GB" dirty="0" smtClean="0"/>
+              <a:t>Commonly seen run-time error</a:t>
+            </a:r>
+          </a:p>
+          <a:p>
+            <a:pPr lvl="1">
+              <a:defRPr/>
+            </a:pPr>
+            <a:r>
+              <a:rPr lang="en-GB" dirty="0" smtClean="0"/>
+              <a:t>The catch or specify principle does not apply, because they are so ubiquitous.</a:t>
+            </a:r>
+          </a:p>
+          <a:p>
+            <a:pPr lvl="1">
+              <a:defRPr/>
+            </a:pPr>
+            <a:r>
+              <a:rPr lang="en-GB" dirty="0" smtClean="0"/>
+              <a:t>Examples</a:t>
+            </a:r>
+          </a:p>
+          <a:p>
+            <a:pPr lvl="2">
+              <a:defRPr/>
+            </a:pPr>
+            <a:r>
+              <a:rPr lang="en-GB" dirty="0" smtClean="0"/>
+              <a:t>Divide by zero/Cast error/Null pointer</a:t>
             </a:r>
             <a:endParaRPr lang="en-GB" dirty="0"/>
           </a:p>
         </p:txBody>
       </p:sp>
-      <p:pic>
-        <p:nvPicPr>
-          <p:cNvPr id="29700" name="Picture 3"/>
-          <p:cNvPicPr>
-            <a:picLocks noChangeAspect="1"/>
-          </p:cNvPicPr>
-          <p:nvPr/>
-        </p:nvPicPr>
-        <p:blipFill>
-          <a:blip r:embed="rId2">
-            <a:extLst>
-              <a:ext uri="{28A0092B-C50C-407E-A947-70E740481C1C}">
-                <a14:useLocalDpi xmlns:a14="http://schemas.microsoft.com/office/drawing/2010/main" val="0"/>
-              </a:ext>
-            </a:extLst>
-          </a:blip>
-          <a:srcRect/>
-          <a:stretch>
-            <a:fillRect/>
-          </a:stretch>
-        </p:blipFill>
-        <p:spPr bwMode="auto">
-          <a:xfrm>
-            <a:off x="2971800" y="4572000"/>
-            <a:ext cx="2781300" cy="1104900"/>
-          </a:xfrm>
-          <a:prstGeom prst="rect">
-            <a:avLst/>
-          </a:prstGeom>
-          <a:noFill/>
-          <a:ln>
-            <a:noFill/>
-          </a:ln>
-          <a:extLst>
-            <a:ext uri="{909E8E84-426E-40DD-AFC4-6F175D3DCCD1}">
-              <a14:hiddenFill xmlns:a14="http://schemas.microsoft.com/office/drawing/2010/main">
-                <a:solidFill>
-                  <a:srgbClr val="FFFFFF"/>
-                </a:solidFill>
-              </a14:hiddenFill>
-            </a:ext>
-            <a:ext uri="{91240B29-F687-4F45-9708-019B960494DF}">
-              <a14:hiddenLine xmlns:a14="http://schemas.microsoft.com/office/drawing/2010/main" w="9525">
-                <a:solidFill>
-                  <a:srgbClr val="000000"/>
-                </a:solidFill>
-                <a:miter lim="800000"/>
-                <a:headEnd/>
-                <a:tailEnd/>
-              </a14:hiddenLine>
-            </a:ext>
-          </a:extLst>
-        </p:spPr>
-      </p:pic>
     </p:spTree>
   </p:cSld>
   <p:clrMapOvr>
@@ -5742,7 +6011,7 @@
       </p:grpSpPr>
       <p:sp>
         <p:nvSpPr>
-          <p:cNvPr id="30722" name="Title 1"/>
+          <p:cNvPr id="29698" name="Title 1"/>
           <p:cNvSpPr>
             <a:spLocks noGrp="1"/>
           </p:cNvSpPr>
@@ -5752,7 +6021,7 @@
         </p:nvSpPr>
         <p:spPr>
           <a:xfrm>
-            <a:off x="685800" y="7938"/>
+            <a:off x="685800" y="152400"/>
             <a:ext cx="7772400" cy="1143000"/>
           </a:xfrm>
         </p:spPr>
@@ -5762,7 +6031,7 @@
           <a:p>
             <a:r>
               <a:rPr lang="en-GB" altLang="en-US" smtClean="0"/>
-              <a:t>The catch Statement</a:t>
+              <a:t>The try Statement</a:t>
             </a:r>
           </a:p>
         </p:txBody>
@@ -5779,13 +6048,13 @@
         </p:nvSpPr>
         <p:spPr>
           <a:xfrm>
-            <a:off x="685800" y="1150938"/>
-            <a:ext cx="7772400" cy="2963862"/>
+            <a:off x="693738" y="1295400"/>
+            <a:ext cx="7772400" cy="2895600"/>
           </a:xfrm>
         </p:spPr>
         <p:txBody>
           <a:bodyPr>
-            <a:normAutofit fontScale="92500" lnSpcReduction="10000"/>
+            <a:normAutofit fontScale="85000" lnSpcReduction="20000"/>
           </a:bodyPr>
           <a:lstStyle/>
           <a:p>
@@ -5794,7 +6063,27 @@
             </a:pPr>
             <a:r>
               <a:rPr lang="en-GB" dirty="0" smtClean="0"/>
-              <a:t>The catch statement is used for catching exceptions.</a:t>
+              <a:t>To process an exception when it occurs, the line that throws the exception is executed </a:t>
+            </a:r>
+            <a:r>
+              <a:rPr lang="en-GB" b="1" dirty="0" smtClean="0">
+                <a:solidFill>
+                  <a:srgbClr val="FF0000"/>
+                </a:solidFill>
+              </a:rPr>
+              <a:t>within</a:t>
+            </a:r>
+            <a:r>
+              <a:rPr lang="en-GB" dirty="0" smtClean="0"/>
+              <a:t> a </a:t>
+            </a:r>
+            <a:r>
+              <a:rPr lang="en-GB" b="1" dirty="0" smtClean="0">
+                <a:solidFill>
+                  <a:srgbClr val="FF0000"/>
+                </a:solidFill>
+              </a:rPr>
+              <a:t>try block</a:t>
             </a:r>
           </a:p>
           <a:p>
@@ -5803,7 +6092,7 @@
             </a:pPr>
             <a:r>
               <a:rPr lang="en-GB" dirty="0" smtClean="0"/>
-              <a:t>A try statement must be accompanied by a catch statement.</a:t>
+              <a:t>A try block is followed by one or more catch clauses, which contain code to process an exception</a:t>
             </a:r>
           </a:p>
           <a:p>
@@ -5812,7 +6101,7 @@
             </a:pPr>
             <a:r>
               <a:rPr lang="en-GB" dirty="0" smtClean="0"/>
-              <a:t>Try and catch statements can be nested, i.e., try block in try block, etc.</a:t>
+              <a:t>Each catch clause has an associated exception type</a:t>
             </a:r>
             <a:endParaRPr lang="en-GB" dirty="0"/>
           </a:p>
@@ -5820,7 +6109,7 @@
       </p:sp>
       <p:pic>
         <p:nvPicPr>
-          <p:cNvPr id="30724" name="Picture 3"/>
+          <p:cNvPr id="29700" name="Picture 3"/>
           <p:cNvPicPr>
             <a:picLocks noChangeAspect="1"/>
           </p:cNvPicPr>
@@ -5830,7 +6119,7 @@
           <a:blip r:embed="rId2">
             <a:extLst>
               <a:ext uri="{28A0092B-C50C-407E-A947-70E740481C1C}">
-                <a14:useLocalDpi xmlns:a14="http://schemas.microsoft.com/office/drawing/2010/main" val="0"/>
+                <a14:useLocalDpi xmlns="" xmlns:a14="http://schemas.microsoft.com/office/drawing/2010/main" val="0"/>
               </a:ext>
             </a:extLst>
           </a:blip>
@@ -5841,8 +6130,8 @@
         </p:blipFill>
         <p:spPr bwMode="auto">
           <a:xfrm>
-            <a:off x="457200" y="4240213"/>
-            <a:ext cx="8110538" cy="2035175"/>
+            <a:off x="2971800" y="4572000"/>
+            <a:ext cx="2781300" cy="1104900"/>
           </a:xfrm>
           <a:prstGeom prst="rect">
             <a:avLst/>
@@ -5853,14 +6142,14 @@
           </a:ln>
           <a:extLst>
             <a:ext uri="{909E8E84-426E-40DD-AFC4-6F175D3DCCD1}">
-              <a14:hiddenFill xmlns:a14="http://schemas.microsoft.com/office/drawing/2010/main">
+              <a14:hiddenFill xmlns="" xmlns:a14="http://schemas.microsoft.com/office/drawing/2010/main">
                 <a:solidFill>
                   <a:srgbClr val="FFFFFF"/>
                 </a:solidFill>
               </a14:hiddenFill>
             </a:ext>
             <a:ext uri="{91240B29-F687-4F45-9708-019B960494DF}">
-              <a14:hiddenLine xmlns:a14="http://schemas.microsoft.com/office/drawing/2010/main" w="9525">
+              <a14:hiddenLine xmlns="" xmlns:a14="http://schemas.microsoft.com/office/drawing/2010/main" w="9525">
                 <a:solidFill>
                   <a:srgbClr val="000000"/>
                 </a:solidFill>
@@ -5899,7 +6188,7 @@
       </p:grpSpPr>
       <p:sp>
         <p:nvSpPr>
-          <p:cNvPr id="31746" name="Title 1"/>
+          <p:cNvPr id="30722" name="Title 1"/>
           <p:cNvSpPr>
             <a:spLocks noGrp="1"/>
           </p:cNvSpPr>
@@ -5919,7 +6208,7 @@
           <a:p>
             <a:r>
               <a:rPr lang="en-GB" altLang="en-US" smtClean="0"/>
-              <a:t>The catch Statement, cont.</a:t>
+              <a:t>The catch Statement</a:t>
             </a:r>
           </a:p>
         </p:txBody>
@@ -5936,8 +6225,8 @@
         </p:nvSpPr>
         <p:spPr>
           <a:xfrm>
-            <a:off x="685800" y="1219200"/>
-            <a:ext cx="7772400" cy="2819400"/>
+            <a:off x="685800" y="1227138"/>
+            <a:ext cx="7772400" cy="2963862"/>
           </a:xfrm>
         </p:spPr>
         <p:txBody>
@@ -5951,7 +6240,7 @@
             </a:pPr>
             <a:r>
               <a:rPr lang="en-GB" dirty="0" smtClean="0"/>
-              <a:t>When an exception occurs, processing continues at the first catch clause that matches the exception type</a:t>
+              <a:t>The catch statement is used for catching exceptions.</a:t>
             </a:r>
           </a:p>
           <a:p>
@@ -5960,7 +6249,64 @@
             </a:pPr>
             <a:r>
               <a:rPr lang="en-GB" dirty="0" smtClean="0"/>
-              <a:t>The catch statements should be should be listed in most-specialized-exception-first order</a:t>
+              <a:t>A </a:t>
+            </a:r>
+            <a:r>
+              <a:rPr lang="en-GB" b="1" dirty="0" smtClean="0">
+                <a:solidFill>
+                  <a:srgbClr val="FF0000"/>
+                </a:solidFill>
+              </a:rPr>
+              <a:t>try</a:t>
+            </a:r>
+            <a:r>
+              <a:rPr lang="en-GB" dirty="0" smtClean="0"/>
+              <a:t> statement must be </a:t>
+            </a:r>
+            <a:r>
+              <a:rPr lang="en-GB" b="1" dirty="0" smtClean="0">
+                <a:solidFill>
+                  <a:srgbClr val="FF0000"/>
+                </a:solidFill>
+              </a:rPr>
+              <a:t>accompanied</a:t>
+            </a:r>
+            <a:r>
+              <a:rPr lang="en-GB" dirty="0" smtClean="0"/>
+              <a:t> by a </a:t>
+            </a:r>
+            <a:r>
+              <a:rPr lang="en-GB" b="1" dirty="0" smtClean="0">
+                <a:solidFill>
+                  <a:srgbClr val="FF0000"/>
+                </a:solidFill>
+              </a:rPr>
+              <a:t>catch</a:t>
+            </a:r>
+            <a:r>
+              <a:rPr lang="en-GB" dirty="0" smtClean="0"/>
+              <a:t> statement</a:t>
+            </a:r>
+          </a:p>
+          <a:p>
+            <a:pPr>
+              <a:defRPr/>
+            </a:pPr>
+            <a:r>
+              <a:rPr lang="en-GB" dirty="0" smtClean="0"/>
+              <a:t>Try and catch statements can be </a:t>
+            </a:r>
+            <a:r>
+              <a:rPr lang="en-GB" b="1" dirty="0" smtClean="0">
+                <a:solidFill>
+                  <a:srgbClr val="FF0000"/>
+                </a:solidFill>
+              </a:rPr>
+              <a:t>nested</a:t>
+            </a:r>
+            <a:r>
+              <a:rPr lang="en-GB" dirty="0" smtClean="0"/>
+              <a:t>, i.e., try block in try block, etc.</a:t>
             </a:r>
             <a:endParaRPr lang="en-GB" dirty="0"/>
           </a:p>
@@ -5968,7 +6314,7 @@
       </p:sp>
       <p:pic>
         <p:nvPicPr>
-          <p:cNvPr id="31748" name="Picture 3"/>
+          <p:cNvPr id="30724" name="Picture 3"/>
           <p:cNvPicPr>
             <a:picLocks noChangeAspect="1"/>
           </p:cNvPicPr>
@@ -5978,7 +6324,7 @@
           <a:blip r:embed="rId2">
             <a:extLst>
               <a:ext uri="{28A0092B-C50C-407E-A947-70E740481C1C}">
-                <a14:useLocalDpi xmlns:a14="http://schemas.microsoft.com/office/drawing/2010/main" val="0"/>
+                <a14:useLocalDpi xmlns="" xmlns:a14="http://schemas.microsoft.com/office/drawing/2010/main" val="0"/>
               </a:ext>
             </a:extLst>
           </a:blip>
@@ -5989,8 +6335,8 @@
         </p:blipFill>
         <p:spPr bwMode="auto">
           <a:xfrm>
-            <a:off x="304800" y="4038600"/>
-            <a:ext cx="8421688" cy="2497138"/>
+            <a:off x="457200" y="4240213"/>
+            <a:ext cx="8110538" cy="2035175"/>
           </a:xfrm>
           <a:prstGeom prst="rect">
             <a:avLst/>
@@ -6001,14 +6347,14 @@
           </a:ln>
           <a:extLst>
             <a:ext uri="{909E8E84-426E-40DD-AFC4-6F175D3DCCD1}">
-              <a14:hiddenFill xmlns:a14="http://schemas.microsoft.com/office/drawing/2010/main">
+              <a14:hiddenFill xmlns="" xmlns:a14="http://schemas.microsoft.com/office/drawing/2010/main">
                 <a:solidFill>
                   <a:srgbClr val="FFFFFF"/>
                 </a:solidFill>
               </a14:hiddenFill>
             </a:ext>
             <a:ext uri="{91240B29-F687-4F45-9708-019B960494DF}">
-              <a14:hiddenLine xmlns:a14="http://schemas.microsoft.com/office/drawing/2010/main" w="9525">
+              <a14:hiddenLine xmlns="" xmlns:a14="http://schemas.microsoft.com/office/drawing/2010/main" w="9525">
                 <a:solidFill>
                   <a:srgbClr val="000000"/>
                 </a:solidFill>
@@ -6047,7 +6393,7 @@
       </p:grpSpPr>
       <p:sp>
         <p:nvSpPr>
-          <p:cNvPr id="32770" name="Title 1"/>
+          <p:cNvPr id="31746" name="Title 1"/>
           <p:cNvSpPr>
             <a:spLocks noGrp="1"/>
           </p:cNvSpPr>
@@ -6057,7 +6403,7 @@
         </p:nvSpPr>
         <p:spPr>
           <a:xfrm>
-            <a:off x="685800" y="-152400"/>
+            <a:off x="685800" y="7938"/>
             <a:ext cx="7772400" cy="1143000"/>
           </a:xfrm>
         </p:spPr>
@@ -6067,7 +6413,7 @@
           <a:p>
             <a:r>
               <a:rPr lang="en-GB" altLang="en-US" smtClean="0"/>
-              <a:t>The finally Clause</a:t>
+              <a:t>The catch Statement, cont.</a:t>
             </a:r>
           </a:p>
         </p:txBody>
@@ -6084,13 +6430,13 @@
         </p:nvSpPr>
         <p:spPr>
           <a:xfrm>
-            <a:off x="228600" y="990600"/>
-            <a:ext cx="8305800" cy="3276600"/>
+            <a:off x="685800" y="1219200"/>
+            <a:ext cx="7772400" cy="2819400"/>
           </a:xfrm>
         </p:spPr>
         <p:txBody>
           <a:bodyPr>
-            <a:normAutofit fontScale="85000" lnSpcReduction="20000"/>
+            <a:normAutofit fontScale="92500" lnSpcReduction="10000"/>
           </a:bodyPr>
           <a:lstStyle/>
           <a:p>
@@ -6099,7 +6445,7 @@
             </a:pPr>
             <a:r>
               <a:rPr lang="en-GB" dirty="0" smtClean="0"/>
-              <a:t>A try statement can have an optional clause designated by the reserved word finally.</a:t>
+              <a:t>When an exception occurs, processing continues at the first catch clause that matches the exception type</a:t>
             </a:r>
           </a:p>
           <a:p>
@@ -6108,16 +6454,7 @@
             </a:pPr>
             <a:r>
               <a:rPr lang="en-GB" dirty="0" smtClean="0"/>
-              <a:t>If no exception is generated, the statements in the finally clause are executed after the statements in the try block complete.</a:t>
-            </a:r>
-          </a:p>
-          <a:p>
-            <a:pPr>
-              <a:defRPr/>
-            </a:pPr>
-            <a:r>
-              <a:rPr lang="en-GB" dirty="0" smtClean="0"/>
-              <a:t>Also, if an exception is generated, the statements in the finally clause are executed after the statements in the appropriate catch clause complete.</a:t>
+              <a:t>The catch statements should be should be listed in most-specialized-exception-first order</a:t>
             </a:r>
             <a:endParaRPr lang="en-GB" dirty="0"/>
           </a:p>
@@ -6125,7 +6462,7 @@
       </p:sp>
       <p:pic>
         <p:nvPicPr>
-          <p:cNvPr id="32772" name="Picture 3"/>
+          <p:cNvPr id="31748" name="Picture 3"/>
           <p:cNvPicPr>
             <a:picLocks noChangeAspect="1"/>
           </p:cNvPicPr>
@@ -6135,7 +6472,7 @@
           <a:blip r:embed="rId2">
             <a:extLst>
               <a:ext uri="{28A0092B-C50C-407E-A947-70E740481C1C}">
-                <a14:useLocalDpi xmlns:a14="http://schemas.microsoft.com/office/drawing/2010/main" val="0"/>
+                <a14:useLocalDpi xmlns="" xmlns:a14="http://schemas.microsoft.com/office/drawing/2010/main" val="0"/>
               </a:ext>
             </a:extLst>
           </a:blip>
@@ -6146,8 +6483,8 @@
         </p:blipFill>
         <p:spPr bwMode="auto">
           <a:xfrm>
-            <a:off x="954088" y="4267200"/>
-            <a:ext cx="6854825" cy="2333625"/>
+            <a:off x="304800" y="4038600"/>
+            <a:ext cx="8421688" cy="2497138"/>
           </a:xfrm>
           <a:prstGeom prst="rect">
             <a:avLst/>
@@ -6158,14 +6495,14 @@
           </a:ln>
           <a:extLst>
             <a:ext uri="{909E8E84-426E-40DD-AFC4-6F175D3DCCD1}">
-              <a14:hiddenFill xmlns:a14="http://schemas.microsoft.com/office/drawing/2010/main">
+              <a14:hiddenFill xmlns="" xmlns:a14="http://schemas.microsoft.com/office/drawing/2010/main">
                 <a:solidFill>
                   <a:srgbClr val="FFFFFF"/>
                 </a:solidFill>
               </a14:hiddenFill>
             </a:ext>
             <a:ext uri="{91240B29-F687-4F45-9708-019B960494DF}">
-              <a14:hiddenLine xmlns:a14="http://schemas.microsoft.com/office/drawing/2010/main" w="9525">
+              <a14:hiddenLine xmlns="" xmlns:a14="http://schemas.microsoft.com/office/drawing/2010/main" w="9525">
                 <a:solidFill>
                   <a:srgbClr val="000000"/>
                 </a:solidFill>
@@ -6204,7 +6541,7 @@
       </p:grpSpPr>
       <p:sp>
         <p:nvSpPr>
-          <p:cNvPr id="33794" name="Title 1"/>
+          <p:cNvPr id="32770" name="Title 1"/>
           <p:cNvSpPr>
             <a:spLocks noGrp="1"/>
           </p:cNvSpPr>
@@ -6214,7 +6551,7 @@
         </p:nvSpPr>
         <p:spPr>
           <a:xfrm>
-            <a:off x="685800" y="304800"/>
+            <a:off x="609600" y="-76200"/>
             <a:ext cx="7772400" cy="1143000"/>
           </a:xfrm>
         </p:spPr>
@@ -6223,15 +6560,102 @@
           <a:lstStyle/>
           <a:p>
             <a:r>
-              <a:rPr lang="en-GB" altLang="en-US" smtClean="0"/>
-              <a:t>The finally Clause, cont.</a:t>
-            </a:r>
+              <a:rPr lang="en-GB" altLang="en-US" dirty="0" smtClean="0"/>
+              <a:t>The </a:t>
+            </a:r>
+            <a:r>
+              <a:rPr lang="en-GB" altLang="en-US" b="1" dirty="0" smtClean="0">
+                <a:solidFill>
+                  <a:srgbClr val="FF0000"/>
+                </a:solidFill>
+              </a:rPr>
+              <a:t>finally</a:t>
+            </a:r>
+            <a:r>
+              <a:rPr lang="en-GB" altLang="en-US" dirty="0" smtClean="0"/>
+              <a:t> Clause</a:t>
+            </a:r>
+          </a:p>
+        </p:txBody>
+      </p:sp>
+      <p:sp>
+        <p:nvSpPr>
+          <p:cNvPr id="3" name="Content Placeholder 2"/>
+          <p:cNvSpPr>
+            <a:spLocks noGrp="1"/>
+          </p:cNvSpPr>
+          <p:nvPr>
+            <p:ph idx="1"/>
+          </p:nvPr>
+        </p:nvSpPr>
+        <p:spPr>
+          <a:xfrm>
+            <a:off x="228600" y="990600"/>
+            <a:ext cx="8305800" cy="3276600"/>
+          </a:xfrm>
+        </p:spPr>
+        <p:txBody>
+          <a:bodyPr>
+            <a:normAutofit fontScale="85000" lnSpcReduction="20000"/>
+          </a:bodyPr>
+          <a:lstStyle/>
+          <a:p>
+            <a:pPr>
+              <a:defRPr/>
+            </a:pPr>
+            <a:r>
+              <a:rPr lang="en-GB" dirty="0" smtClean="0"/>
+              <a:t>A try statement can have an optional clause designated by the reserved word finally</a:t>
+            </a:r>
+          </a:p>
+          <a:p>
+            <a:pPr>
+              <a:defRPr/>
+            </a:pPr>
+            <a:r>
+              <a:rPr lang="en-GB" dirty="0" smtClean="0"/>
+              <a:t>If </a:t>
+            </a:r>
+            <a:r>
+              <a:rPr lang="en-GB" b="1" dirty="0" smtClean="0">
+                <a:solidFill>
+                  <a:srgbClr val="FF0000"/>
+                </a:solidFill>
+              </a:rPr>
+              <a:t>no exception is generated</a:t>
+            </a:r>
+            <a:r>
+              <a:rPr lang="en-GB" dirty="0" smtClean="0"/>
+              <a:t>, the statements in the </a:t>
+            </a:r>
+            <a:r>
+              <a:rPr lang="en-GB" b="1" dirty="0" smtClean="0">
+                <a:solidFill>
+                  <a:srgbClr val="FF0000"/>
+                </a:solidFill>
+              </a:rPr>
+              <a:t>finally clause are executed </a:t>
+            </a:r>
+            <a:r>
+              <a:rPr lang="en-GB" dirty="0" smtClean="0"/>
+              <a:t>after the statements in the try block complete.</a:t>
+            </a:r>
+          </a:p>
+          <a:p>
+            <a:pPr>
+              <a:defRPr/>
+            </a:pPr>
+            <a:r>
+              <a:rPr lang="en-GB" dirty="0" smtClean="0"/>
+              <a:t>Also, if an exception is generated, the statements in the finally clause are executed after the statements in the appropriate catch clause complete.</a:t>
+            </a:r>
+            <a:endParaRPr lang="en-GB" dirty="0"/>
           </a:p>
         </p:txBody>
       </p:sp>
       <p:pic>
         <p:nvPicPr>
-          <p:cNvPr id="33795" name="Picture 3"/>
+          <p:cNvPr id="32772" name="Picture 3"/>
           <p:cNvPicPr>
             <a:picLocks noChangeAspect="1"/>
           </p:cNvPicPr>
@@ -6241,7 +6665,7 @@
           <a:blip r:embed="rId2">
             <a:extLst>
               <a:ext uri="{28A0092B-C50C-407E-A947-70E740481C1C}">
-                <a14:useLocalDpi xmlns:a14="http://schemas.microsoft.com/office/drawing/2010/main" val="0"/>
+                <a14:useLocalDpi xmlns="" xmlns:a14="http://schemas.microsoft.com/office/drawing/2010/main" val="0"/>
               </a:ext>
             </a:extLst>
           </a:blip>
@@ -6252,8 +6676,8 @@
         </p:blipFill>
         <p:spPr bwMode="auto">
           <a:xfrm>
-            <a:off x="1981200" y="1828800"/>
-            <a:ext cx="4905375" cy="4538663"/>
+            <a:off x="954088" y="4267200"/>
+            <a:ext cx="6854825" cy="2333625"/>
           </a:xfrm>
           <a:prstGeom prst="rect">
             <a:avLst/>
@@ -6264,14 +6688,14 @@
           </a:ln>
           <a:extLst>
             <a:ext uri="{909E8E84-426E-40DD-AFC4-6F175D3DCCD1}">
-              <a14:hiddenFill xmlns:a14="http://schemas.microsoft.com/office/drawing/2010/main">
+              <a14:hiddenFill xmlns="" xmlns:a14="http://schemas.microsoft.com/office/drawing/2010/main">
                 <a:solidFill>
                   <a:srgbClr val="FFFFFF"/>
                 </a:solidFill>
               </a14:hiddenFill>
             </a:ext>
             <a:ext uri="{91240B29-F687-4F45-9708-019B960494DF}">
-              <a14:hiddenLine xmlns:a14="http://schemas.microsoft.com/office/drawing/2010/main" w="9525">
+              <a14:hiddenLine xmlns="" xmlns:a14="http://schemas.microsoft.com/office/drawing/2010/main" w="9525">
                 <a:solidFill>
                   <a:srgbClr val="000000"/>
                 </a:solidFill>
@@ -6310,7 +6734,7 @@
       </p:grpSpPr>
       <p:sp>
         <p:nvSpPr>
-          <p:cNvPr id="34818" name="Title 1"/>
+          <p:cNvPr id="33794" name="Title 1"/>
           <p:cNvSpPr>
             <a:spLocks noGrp="1"/>
           </p:cNvSpPr>
@@ -6318,21 +6742,26 @@
             <p:ph type="title"/>
           </p:nvPr>
         </p:nvSpPr>
-        <p:spPr/>
+        <p:spPr>
+          <a:xfrm>
+            <a:off x="685800" y="304800"/>
+            <a:ext cx="7772400" cy="1143000"/>
+          </a:xfrm>
+        </p:spPr>
         <p:txBody>
           <a:bodyPr/>
           <a:lstStyle/>
           <a:p>
             <a:r>
               <a:rPr lang="en-GB" altLang="en-US" smtClean="0"/>
-              <a:t>The finally Clause, Example</a:t>
+              <a:t>The finally Clause, cont.</a:t>
             </a:r>
           </a:p>
         </p:txBody>
       </p:sp>
       <p:pic>
         <p:nvPicPr>
-          <p:cNvPr id="34819" name="Picture 3"/>
+          <p:cNvPr id="33795" name="Picture 3"/>
           <p:cNvPicPr>
             <a:picLocks noChangeAspect="1"/>
           </p:cNvPicPr>
@@ -6342,7 +6771,7 @@
           <a:blip r:embed="rId2">
             <a:extLst>
               <a:ext uri="{28A0092B-C50C-407E-A947-70E740481C1C}">
-                <a14:useLocalDpi xmlns:a14="http://schemas.microsoft.com/office/drawing/2010/main" val="0"/>
+                <a14:useLocalDpi xmlns="" xmlns:a14="http://schemas.microsoft.com/office/drawing/2010/main" val="0"/>
               </a:ext>
             </a:extLst>
           </a:blip>
@@ -6353,8 +6782,8 @@
         </p:blipFill>
         <p:spPr bwMode="auto">
           <a:xfrm>
-            <a:off x="400050" y="1905000"/>
-            <a:ext cx="8343900" cy="4562475"/>
+            <a:off x="1981200" y="1828800"/>
+            <a:ext cx="4905375" cy="4538663"/>
           </a:xfrm>
           <a:prstGeom prst="rect">
             <a:avLst/>
@@ -6365,14 +6794,14 @@
           </a:ln>
           <a:extLst>
             <a:ext uri="{909E8E84-426E-40DD-AFC4-6F175D3DCCD1}">
-              <a14:hiddenFill xmlns:a14="http://schemas.microsoft.com/office/drawing/2010/main">
+              <a14:hiddenFill xmlns="" xmlns:a14="http://schemas.microsoft.com/office/drawing/2010/main">
                 <a:solidFill>
                   <a:srgbClr val="FFFFFF"/>
                 </a:solidFill>
               </a14:hiddenFill>
             </a:ext>
             <a:ext uri="{91240B29-F687-4F45-9708-019B960494DF}">
-              <a14:hiddenLine xmlns:a14="http://schemas.microsoft.com/office/drawing/2010/main" w="9525">
+              <a14:hiddenLine xmlns="" xmlns:a14="http://schemas.microsoft.com/office/drawing/2010/main" w="9525">
                 <a:solidFill>
                   <a:srgbClr val="000000"/>
                 </a:solidFill>
@@ -6411,7 +6840,7 @@
       </p:grpSpPr>
       <p:sp>
         <p:nvSpPr>
-          <p:cNvPr id="35842" name="Title 1"/>
+          <p:cNvPr id="34818" name="Title 1"/>
           <p:cNvSpPr>
             <a:spLocks noGrp="1"/>
           </p:cNvSpPr>
@@ -6426,47 +6855,14 @@
           <a:p>
             <a:r>
               <a:rPr lang="en-GB" altLang="en-US" smtClean="0"/>
-              <a:t>The throw Statement</a:t>
-            </a:r>
-          </a:p>
-        </p:txBody>
-      </p:sp>
-      <p:sp>
-        <p:nvSpPr>
-          <p:cNvPr id="35843" name="Content Placeholder 2"/>
-          <p:cNvSpPr>
-            <a:spLocks noGrp="1"/>
-          </p:cNvSpPr>
-          <p:nvPr>
-            <p:ph idx="1"/>
-          </p:nvPr>
-        </p:nvSpPr>
-        <p:spPr/>
-        <p:txBody>
-          <a:bodyPr/>
-          <a:lstStyle/>
-          <a:p>
-            <a:r>
-              <a:rPr lang="en-GB" altLang="en-US" smtClean="0"/>
-              <a:t>All methods use the throw statement to throw an exception</a:t>
-            </a:r>
-            <a:br>
-              <a:rPr lang="en-GB" altLang="en-US" smtClean="0"/>
-            </a:br>
-            <a:r>
-              <a:rPr lang="en-GB" altLang="en-US" smtClean="0"/>
-              <a:t/>
-            </a:r>
-            <a:br>
-              <a:rPr lang="en-GB" altLang="en-US" smtClean="0"/>
-            </a:br>
-            <a:endParaRPr lang="en-GB" altLang="en-US" smtClean="0"/>
+              <a:t>The finally Clause, Example</a:t>
+            </a:r>
           </a:p>
         </p:txBody>
       </p:sp>
       <p:pic>
         <p:nvPicPr>
-          <p:cNvPr id="35844" name="Picture 3"/>
+          <p:cNvPr id="34819" name="Picture 3"/>
           <p:cNvPicPr>
             <a:picLocks noChangeAspect="1"/>
           </p:cNvPicPr>
@@ -6476,7 +6872,7 @@
           <a:blip r:embed="rId2">
             <a:extLst>
               <a:ext uri="{28A0092B-C50C-407E-A947-70E740481C1C}">
-                <a14:useLocalDpi xmlns:a14="http://schemas.microsoft.com/office/drawing/2010/main" val="0"/>
+                <a14:useLocalDpi xmlns="" xmlns:a14="http://schemas.microsoft.com/office/drawing/2010/main" val="0"/>
               </a:ext>
             </a:extLst>
           </a:blip>
@@ -6487,8 +6883,8 @@
         </p:blipFill>
         <p:spPr bwMode="auto">
           <a:xfrm>
-            <a:off x="914400" y="3200400"/>
-            <a:ext cx="7396163" cy="3241675"/>
+            <a:off x="400050" y="1905000"/>
+            <a:ext cx="8343900" cy="4562475"/>
           </a:xfrm>
           <a:prstGeom prst="rect">
             <a:avLst/>
@@ -6499,14 +6895,14 @@
           </a:ln>
           <a:extLst>
             <a:ext uri="{909E8E84-426E-40DD-AFC4-6F175D3DCCD1}">
-              <a14:hiddenFill xmlns:a14="http://schemas.microsoft.com/office/drawing/2010/main">
+              <a14:hiddenFill xmlns="" xmlns:a14="http://schemas.microsoft.com/office/drawing/2010/main">
                 <a:solidFill>
                   <a:srgbClr val="FFFFFF"/>
                 </a:solidFill>
               </a14:hiddenFill>
             </a:ext>
             <a:ext uri="{91240B29-F687-4F45-9708-019B960494DF}">
-              <a14:hiddenLine xmlns:a14="http://schemas.microsoft.com/office/drawing/2010/main" w="9525">
+              <a14:hiddenLine xmlns="" xmlns:a14="http://schemas.microsoft.com/office/drawing/2010/main" w="9525">
                 <a:solidFill>
                   <a:srgbClr val="000000"/>
                 </a:solidFill>
@@ -6545,7 +6941,7 @@
       </p:grpSpPr>
       <p:sp>
         <p:nvSpPr>
-          <p:cNvPr id="36866" name="Title 1"/>
+          <p:cNvPr id="35842" name="Title 1"/>
           <p:cNvSpPr>
             <a:spLocks noGrp="1"/>
           </p:cNvSpPr>
@@ -6559,63 +6955,111 @@
           <a:lstStyle/>
           <a:p>
             <a:r>
+              <a:rPr lang="en-GB" altLang="en-US" dirty="0" smtClean="0"/>
+              <a:t>The </a:t>
+            </a:r>
+            <a:r>
+              <a:rPr lang="en-GB" altLang="en-US" b="1" dirty="0" smtClean="0">
+                <a:solidFill>
+                  <a:srgbClr val="FF0000"/>
+                </a:solidFill>
+              </a:rPr>
+              <a:t>throw</a:t>
+            </a:r>
+            <a:r>
+              <a:rPr lang="en-GB" altLang="en-US" dirty="0" smtClean="0"/>
+              <a:t> Statement</a:t>
+            </a:r>
+          </a:p>
+        </p:txBody>
+      </p:sp>
+      <p:sp>
+        <p:nvSpPr>
+          <p:cNvPr id="35843" name="Content Placeholder 2"/>
+          <p:cNvSpPr>
+            <a:spLocks noGrp="1"/>
+          </p:cNvSpPr>
+          <p:nvPr>
+            <p:ph idx="1"/>
+          </p:nvPr>
+        </p:nvSpPr>
+        <p:spPr/>
+        <p:txBody>
+          <a:bodyPr/>
+          <a:lstStyle/>
+          <a:p>
+            <a:r>
               <a:rPr lang="en-GB" altLang="en-US" smtClean="0"/>
-              <a:t>Exception Propagation</a:t>
-            </a:r>
-          </a:p>
-        </p:txBody>
-      </p:sp>
-      <p:sp>
-        <p:nvSpPr>
-          <p:cNvPr id="3" name="Content Placeholder 2"/>
-          <p:cNvSpPr>
-            <a:spLocks noGrp="1"/>
-          </p:cNvSpPr>
-          <p:nvPr>
-            <p:ph idx="1"/>
-          </p:nvPr>
-        </p:nvSpPr>
-        <p:spPr>
-          <a:xfrm>
-            <a:off x="685800" y="1981200"/>
-            <a:ext cx="7772400" cy="4495800"/>
-          </a:xfrm>
-        </p:spPr>
-        <p:txBody>
-          <a:bodyPr>
-            <a:normAutofit fontScale="92500" lnSpcReduction="10000"/>
-          </a:bodyPr>
-          <a:lstStyle/>
-          <a:p>
-            <a:pPr>
-              <a:defRPr/>
-            </a:pPr>
-            <a:r>
-              <a:rPr lang="en-GB" dirty="0" smtClean="0"/>
-              <a:t>If it is not appropriate to handle the exception where it occurs, it can be handled at a higher level</a:t>
-            </a:r>
-          </a:p>
-          <a:p>
-            <a:pPr>
-              <a:defRPr/>
-            </a:pPr>
-            <a:r>
-              <a:rPr lang="en-GB" dirty="0" smtClean="0"/>
-              <a:t>Exceptions propagate up through the method calling hierarchy until they are caught and handled or until they reach the outermost level.</a:t>
-            </a:r>
-          </a:p>
-          <a:p>
-            <a:pPr>
-              <a:defRPr/>
-            </a:pPr>
-            <a:r>
-              <a:rPr lang="en-GB" dirty="0" smtClean="0"/>
-              <a:t>A try block that contains a call to a method in which an exception is thrown can be used to catch that exception</a:t>
-            </a:r>
-            <a:endParaRPr lang="en-GB" dirty="0"/>
-          </a:p>
-        </p:txBody>
-      </p:sp>
+              <a:t>All methods use the throw statement to throw an exception</a:t>
+            </a:r>
+            <a:br>
+              <a:rPr lang="en-GB" altLang="en-US" smtClean="0"/>
+            </a:br>
+            <a:r>
+              <a:rPr lang="en-GB" altLang="en-US" smtClean="0"/>
+              <a:t/>
+            </a:r>
+            <a:br>
+              <a:rPr lang="en-GB" altLang="en-US" smtClean="0"/>
+            </a:br>
+            <a:endParaRPr lang="en-GB" altLang="en-US" smtClean="0"/>
+          </a:p>
+        </p:txBody>
+      </p:sp>
+      <p:pic>
+        <p:nvPicPr>
+          <p:cNvPr id="35844" name="Picture 3"/>
+          <p:cNvPicPr>
+            <a:picLocks noChangeAspect="1"/>
+          </p:cNvPicPr>
+          <p:nvPr/>
+        </p:nvPicPr>
+        <p:blipFill>
+          <a:blip r:embed="rId2">
+            <a:extLst>
+              <a:ext uri="{28A0092B-C50C-407E-A947-70E740481C1C}">
+                <a14:useLocalDpi xmlns="" xmlns:a14="http://schemas.microsoft.com/office/drawing/2010/main" val="0"/>
+              </a:ext>
+            </a:extLst>
+          </a:blip>
+          <a:srcRect/>
+          <a:stretch>
+            <a:fillRect/>
+          </a:stretch>
+        </p:blipFill>
+        <p:spPr bwMode="auto">
+          <a:xfrm>
+            <a:off x="914400" y="3200400"/>
+            <a:ext cx="7396163" cy="3241675"/>
+          </a:xfrm>
+          <a:prstGeom prst="rect">
+            <a:avLst/>
+          </a:prstGeom>
+          <a:noFill/>
+          <a:ln>
+            <a:noFill/>
+          </a:ln>
+          <a:extLst>
+            <a:ext uri="{909E8E84-426E-40DD-AFC4-6F175D3DCCD1}">
+              <a14:hiddenFill xmlns="" xmlns:a14="http://schemas.microsoft.com/office/drawing/2010/main">
+                <a:solidFill>
+                  <a:srgbClr val="FFFFFF"/>
+                </a:solidFill>
+              </a14:hiddenFill>
+            </a:ext>
+            <a:ext uri="{91240B29-F687-4F45-9708-019B960494DF}">
+              <a14:hiddenLine xmlns="" xmlns:a14="http://schemas.microsoft.com/office/drawing/2010/main" w="9525">
+                <a:solidFill>
+                  <a:srgbClr val="000000"/>
+                </a:solidFill>
+                <a:miter lim="800000"/>
+                <a:headEnd/>
+                <a:tailEnd/>
+              </a14:hiddenLine>
+            </a:ext>
+          </a:extLst>
+        </p:spPr>
+      </p:pic>
     </p:spTree>
   </p:cSld>
   <p:clrMapOvr>
@@ -6643,7 +7087,7 @@
       </p:grpSpPr>
       <p:sp>
         <p:nvSpPr>
-          <p:cNvPr id="37890" name="Title 1"/>
+          <p:cNvPr id="36866" name="Title 1"/>
           <p:cNvSpPr>
             <a:spLocks noGrp="1"/>
           </p:cNvSpPr>
@@ -6651,77 +7095,105 @@
             <p:ph type="title"/>
           </p:nvPr>
         </p:nvSpPr>
-        <p:spPr>
-          <a:xfrm>
-            <a:off x="685800" y="-76200"/>
-            <a:ext cx="7772400" cy="1143000"/>
-          </a:xfrm>
-        </p:spPr>
+        <p:spPr/>
         <p:txBody>
           <a:bodyPr/>
           <a:lstStyle/>
           <a:p>
             <a:r>
-              <a:rPr lang="en-GB" altLang="en-US" sz="4000" smtClean="0"/>
-              <a:t>Exception Propagation, Example</a:t>
-            </a:r>
-          </a:p>
-        </p:txBody>
-      </p:sp>
-      <p:pic>
-        <p:nvPicPr>
-          <p:cNvPr id="37891" name="Picture 3"/>
-          <p:cNvPicPr>
-            <a:picLocks noChangeAspect="1"/>
-          </p:cNvPicPr>
-          <p:nvPr/>
-        </p:nvPicPr>
-        <p:blipFill>
-          <a:blip r:embed="rId2">
-            <a:extLst>
-              <a:ext uri="{28A0092B-C50C-407E-A947-70E740481C1C}">
-                <a14:useLocalDpi xmlns:a14="http://schemas.microsoft.com/office/drawing/2010/main" val="0"/>
-              </a:ext>
-            </a:extLst>
-          </a:blip>
-          <a:srcRect/>
-          <a:stretch>
-            <a:fillRect/>
-          </a:stretch>
-        </p:blipFill>
-        <p:spPr bwMode="auto">
-          <a:xfrm>
-            <a:off x="1143000" y="990600"/>
-            <a:ext cx="6581775" cy="5748338"/>
-          </a:xfrm>
-          <a:prstGeom prst="rect">
-            <a:avLst/>
-          </a:prstGeom>
-          <a:noFill/>
-          <a:ln>
-            <a:noFill/>
-          </a:ln>
-          <a:extLst>
-            <a:ext uri="{909E8E84-426E-40DD-AFC4-6F175D3DCCD1}">
-              <a14:hiddenFill xmlns:a14="http://schemas.microsoft.com/office/drawing/2010/main">
-                <a:solidFill>
-                  <a:srgbClr val="FFFFFF"/>
-                </a:solidFill>
-              </a14:hiddenFill>
-            </a:ext>
-            <a:ext uri="{91240B29-F687-4F45-9708-019B960494DF}">
-              <a14:hiddenLine xmlns:a14="http://schemas.microsoft.com/office/drawing/2010/main" w="9525">
-                <a:solidFill>
-                  <a:srgbClr val="000000"/>
-                </a:solidFill>
-                <a:miter lim="800000"/>
-                <a:headEnd/>
-                <a:tailEnd/>
-              </a14:hiddenLine>
-            </a:ext>
-          </a:extLst>
-        </p:spPr>
-      </p:pic>
+              <a:rPr lang="en-GB" altLang="en-US" smtClean="0"/>
+              <a:t>Exception Propagation</a:t>
+            </a:r>
+          </a:p>
+        </p:txBody>
+      </p:sp>
+      <p:sp>
+        <p:nvSpPr>
+          <p:cNvPr id="3" name="Content Placeholder 2"/>
+          <p:cNvSpPr>
+            <a:spLocks noGrp="1"/>
+          </p:cNvSpPr>
+          <p:nvPr>
+            <p:ph idx="1"/>
+          </p:nvPr>
+        </p:nvSpPr>
+        <p:spPr>
+          <a:xfrm>
+            <a:off x="685800" y="1828800"/>
+            <a:ext cx="7772400" cy="4495800"/>
+          </a:xfrm>
+        </p:spPr>
+        <p:txBody>
+          <a:bodyPr>
+            <a:normAutofit fontScale="92500" lnSpcReduction="10000"/>
+          </a:bodyPr>
+          <a:lstStyle/>
+          <a:p>
+            <a:pPr>
+              <a:defRPr/>
+            </a:pPr>
+            <a:r>
+              <a:rPr lang="en-GB" dirty="0" smtClean="0"/>
+              <a:t>If it is not appropriate to handle the exception where it occurs, it can be handled at a higher level</a:t>
+            </a:r>
+          </a:p>
+          <a:p>
+            <a:pPr>
+              <a:defRPr/>
+            </a:pPr>
+            <a:r>
+              <a:rPr lang="en-GB" dirty="0" smtClean="0"/>
+              <a:t>Exceptions </a:t>
+            </a:r>
+            <a:r>
+              <a:rPr lang="en-GB" b="1" dirty="0" smtClean="0">
+                <a:solidFill>
+                  <a:srgbClr val="FF0000"/>
+                </a:solidFill>
+              </a:rPr>
+              <a:t>propagate up </a:t>
+            </a:r>
+            <a:r>
+              <a:rPr lang="en-GB" dirty="0" smtClean="0"/>
+              <a:t>through the method calling hierarchy </a:t>
+            </a:r>
+            <a:r>
+              <a:rPr lang="en-GB" b="1" dirty="0" smtClean="0">
+                <a:solidFill>
+                  <a:srgbClr val="FF0000"/>
+                </a:solidFill>
+              </a:rPr>
+              <a:t>until</a:t>
+            </a:r>
+            <a:r>
+              <a:rPr lang="en-GB" dirty="0" smtClean="0"/>
+              <a:t> they are </a:t>
+            </a:r>
+            <a:r>
+              <a:rPr lang="en-GB" b="1" dirty="0" smtClean="0">
+                <a:solidFill>
+                  <a:srgbClr val="FF0000"/>
+                </a:solidFill>
+              </a:rPr>
+              <a:t>caught</a:t>
+            </a:r>
+            <a:r>
+              <a:rPr lang="en-GB" dirty="0" smtClean="0"/>
+              <a:t> and handled or until they reach the outermost level</a:t>
+            </a:r>
+          </a:p>
+          <a:p>
+            <a:pPr>
+              <a:defRPr/>
+            </a:pPr>
+            <a:r>
+              <a:rPr lang="en-GB" dirty="0" smtClean="0"/>
+              <a:t>A try block that contains a call to a method in which an exception is thrown can be used to catch that exception</a:t>
+            </a:r>
+            <a:endParaRPr lang="en-GB" dirty="0"/>
+          </a:p>
+        </p:txBody>
+      </p:sp>
     </p:spTree>
   </p:cSld>
   <p:clrMapOvr>
@@ -6792,21 +7264,21 @@
           <a:p>
             <a:pPr eaLnBrk="1" hangingPunct="1"/>
             <a:r>
-              <a:rPr lang="en-US" altLang="en-US" smtClean="0"/>
+              <a:rPr lang="en-US" altLang="en-US" dirty="0" smtClean="0"/>
               <a:t>Exceptions and Internal Classes</a:t>
             </a:r>
           </a:p>
           <a:p>
             <a:pPr eaLnBrk="1" hangingPunct="1"/>
             <a:r>
-              <a:rPr lang="en-US" altLang="en-US" smtClean="0"/>
+              <a:rPr lang="en-US" altLang="en-US" dirty="0" smtClean="0"/>
               <a:t>Today’s Practical</a:t>
             </a:r>
           </a:p>
           <a:p>
             <a:pPr eaLnBrk="1" hangingPunct="1"/>
             <a:r>
-              <a:rPr lang="en-US" altLang="en-US" smtClean="0"/>
+              <a:rPr lang="en-US" altLang="en-US" dirty="0" smtClean="0"/>
               <a:t>Review/Discussion</a:t>
             </a:r>
           </a:p>
@@ -6846,7 +7318,7 @@
       </p:grpSpPr>
       <p:sp>
         <p:nvSpPr>
-          <p:cNvPr id="38914" name="Title 1"/>
+          <p:cNvPr id="37890" name="Title 1"/>
           <p:cNvSpPr>
             <a:spLocks noGrp="1"/>
           </p:cNvSpPr>
@@ -6856,7 +7328,7 @@
         </p:nvSpPr>
         <p:spPr>
           <a:xfrm>
-            <a:off x="685800" y="25400"/>
+            <a:off x="685800" y="-76200"/>
             <a:ext cx="7772400" cy="1143000"/>
           </a:xfrm>
         </p:spPr>
@@ -6865,15 +7337,15 @@
           <a:lstStyle/>
           <a:p>
             <a:r>
-              <a:rPr lang="en-GB" altLang="en-US" smtClean="0"/>
-              <a:t>Rethrowing an Exception</a:t>
+              <a:rPr lang="en-GB" altLang="en-US" sz="4000" smtClean="0"/>
+              <a:t>Exception Propagation, Example</a:t>
             </a:r>
           </a:p>
         </p:txBody>
       </p:sp>
       <p:pic>
         <p:nvPicPr>
-          <p:cNvPr id="38915" name="Picture 3"/>
+          <p:cNvPr id="37891" name="Picture 3"/>
           <p:cNvPicPr>
             <a:picLocks noChangeAspect="1"/>
           </p:cNvPicPr>
@@ -6883,7 +7355,7 @@
           <a:blip r:embed="rId2">
             <a:extLst>
               <a:ext uri="{28A0092B-C50C-407E-A947-70E740481C1C}">
-                <a14:useLocalDpi xmlns:a14="http://schemas.microsoft.com/office/drawing/2010/main" val="0"/>
+                <a14:useLocalDpi xmlns="" xmlns:a14="http://schemas.microsoft.com/office/drawing/2010/main" val="0"/>
               </a:ext>
             </a:extLst>
           </a:blip>
@@ -6894,8 +7366,8 @@
         </p:blipFill>
         <p:spPr bwMode="auto">
           <a:xfrm>
-            <a:off x="304800" y="1168400"/>
-            <a:ext cx="8153400" cy="5511800"/>
+            <a:off x="1143000" y="990600"/>
+            <a:ext cx="6581775" cy="5748338"/>
           </a:xfrm>
           <a:prstGeom prst="rect">
             <a:avLst/>
@@ -6906,14 +7378,14 @@
           </a:ln>
           <a:extLst>
             <a:ext uri="{909E8E84-426E-40DD-AFC4-6F175D3DCCD1}">
-              <a14:hiddenFill xmlns:a14="http://schemas.microsoft.com/office/drawing/2010/main">
+              <a14:hiddenFill xmlns="" xmlns:a14="http://schemas.microsoft.com/office/drawing/2010/main">
                 <a:solidFill>
                   <a:srgbClr val="FFFFFF"/>
                 </a:solidFill>
               </a14:hiddenFill>
             </a:ext>
             <a:ext uri="{91240B29-F687-4F45-9708-019B960494DF}">
-              <a14:hiddenLine xmlns:a14="http://schemas.microsoft.com/office/drawing/2010/main" w="9525">
+              <a14:hiddenLine xmlns="" xmlns:a14="http://schemas.microsoft.com/office/drawing/2010/main" w="9525">
                 <a:solidFill>
                   <a:srgbClr val="000000"/>
                 </a:solidFill>
@@ -6952,7 +7424,7 @@
       </p:grpSpPr>
       <p:sp>
         <p:nvSpPr>
-          <p:cNvPr id="39938" name="Title 1"/>
+          <p:cNvPr id="38914" name="Title 1"/>
           <p:cNvSpPr>
             <a:spLocks noGrp="1"/>
           </p:cNvSpPr>
@@ -6962,7 +7434,7 @@
         </p:nvSpPr>
         <p:spPr>
           <a:xfrm>
-            <a:off x="685800" y="-76200"/>
+            <a:off x="685800" y="25400"/>
             <a:ext cx="7772400" cy="1143000"/>
           </a:xfrm>
         </p:spPr>
@@ -6971,150 +7443,74 @@
           <a:lstStyle/>
           <a:p>
             <a:r>
-              <a:rPr lang="en-GB" altLang="en-US" smtClean="0"/>
-              <a:t>Creating New Exceptions</a:t>
-            </a:r>
-          </a:p>
-        </p:txBody>
-      </p:sp>
-      <p:sp>
-        <p:nvSpPr>
-          <p:cNvPr id="3" name="Content Placeholder 2"/>
-          <p:cNvSpPr>
-            <a:spLocks noGrp="1"/>
-          </p:cNvSpPr>
-          <p:nvPr>
-            <p:ph idx="1"/>
-          </p:nvPr>
-        </p:nvSpPr>
-        <p:spPr>
-          <a:xfrm>
-            <a:off x="685800" y="990600"/>
-            <a:ext cx="7772400" cy="5638800"/>
-          </a:xfrm>
-        </p:spPr>
-        <p:txBody>
-          <a:bodyPr>
-            <a:normAutofit fontScale="85000" lnSpcReduction="20000"/>
-          </a:bodyPr>
-          <a:lstStyle/>
-          <a:p>
-            <a:pPr>
-              <a:defRPr/>
-            </a:pPr>
-            <a:r>
-              <a:rPr lang="en-GB" dirty="0" smtClean="0"/>
-              <a:t>Requires careful design (part of the public interface).</a:t>
-            </a:r>
-          </a:p>
-          <a:p>
-            <a:pPr>
-              <a:defRPr/>
-            </a:pPr>
-            <a:r>
-              <a:rPr lang="en-GB" dirty="0" smtClean="0"/>
-              <a:t>Can an existing Exception be used?</a:t>
-            </a:r>
-          </a:p>
-          <a:p>
-            <a:pPr>
-              <a:defRPr/>
-            </a:pPr>
-            <a:r>
-              <a:rPr lang="en-GB" dirty="0" smtClean="0"/>
-              <a:t>Choose the correct superclass.</a:t>
-            </a:r>
-          </a:p>
-          <a:p>
-            <a:pPr>
-              <a:defRPr/>
-            </a:pPr>
-            <a:r>
-              <a:rPr lang="en-GB" dirty="0" smtClean="0"/>
-              <a:t>Choosing the name</a:t>
-            </a:r>
-          </a:p>
-          <a:p>
-            <a:pPr lvl="1">
-              <a:defRPr/>
-            </a:pPr>
-            <a:r>
-              <a:rPr lang="en-GB" dirty="0" smtClean="0"/>
-              <a:t>The most important thing for new exceptions.</a:t>
-            </a:r>
-          </a:p>
-          <a:p>
-            <a:pPr lvl="1">
-              <a:defRPr/>
-            </a:pPr>
-            <a:r>
-              <a:rPr lang="en-GB" dirty="0" smtClean="0"/>
-              <a:t>Tends to be long an descriptive (</a:t>
-            </a:r>
-            <a:r>
-              <a:rPr lang="en-GB" dirty="0" err="1" smtClean="0"/>
-              <a:t>ArrayIndexOutOfBoundsException</a:t>
-            </a:r>
-            <a:r>
-              <a:rPr lang="en-GB" dirty="0" smtClean="0"/>
-              <a:t>)</a:t>
-            </a:r>
-          </a:p>
-          <a:p>
-            <a:pPr>
-              <a:defRPr/>
-            </a:pPr>
-            <a:r>
-              <a:rPr lang="en-GB" dirty="0" smtClean="0"/>
-              <a:t>Code for exception class typically minimal</a:t>
-            </a:r>
-          </a:p>
-          <a:p>
-            <a:pPr>
-              <a:defRPr/>
-            </a:pPr>
-            <a:r>
-              <a:rPr lang="en-GB" dirty="0" smtClean="0"/>
-              <a:t>Naming convention:</a:t>
-            </a:r>
-          </a:p>
-          <a:p>
-            <a:pPr lvl="1">
-              <a:defRPr/>
-            </a:pPr>
-            <a:r>
-              <a:rPr lang="en-GB" dirty="0" smtClean="0"/>
-              <a:t>All classes that inherits from Exception has 'Exception' </a:t>
-            </a:r>
-            <a:r>
-              <a:rPr lang="en-GB" dirty="0" err="1" smtClean="0"/>
-              <a:t>postfixed</a:t>
-            </a:r>
-            <a:r>
-              <a:rPr lang="en-GB" dirty="0" smtClean="0"/>
-              <a:t> to their name.</a:t>
-            </a:r>
-          </a:p>
-          <a:p>
-            <a:pPr lvl="1">
-              <a:defRPr/>
-            </a:pPr>
-            <a:r>
-              <a:rPr lang="en-GB" dirty="0" smtClean="0"/>
-              <a:t>All classes that inherits from Error has 'Error' </a:t>
-            </a:r>
-            <a:r>
-              <a:rPr lang="en-GB" dirty="0" err="1" smtClean="0"/>
-              <a:t>postfixed</a:t>
-            </a:r>
-            <a:r>
-              <a:rPr lang="en-GB" dirty="0" smtClean="0"/>
-              <a:t> to their name</a:t>
-            </a:r>
-            <a:endParaRPr lang="en-GB" dirty="0"/>
-          </a:p>
-        </p:txBody>
-      </p:sp>
+              <a:rPr lang="en-GB" altLang="en-US" b="1" dirty="0" err="1" smtClean="0">
+                <a:solidFill>
+                  <a:srgbClr val="FF0000"/>
+                </a:solidFill>
+              </a:rPr>
+              <a:t>Rethrowing</a:t>
+            </a:r>
+            <a:r>
+              <a:rPr lang="en-GB" altLang="en-US" dirty="0" smtClean="0"/>
+              <a:t> an Exception</a:t>
+            </a:r>
+          </a:p>
+        </p:txBody>
+      </p:sp>
+      <p:pic>
+        <p:nvPicPr>
+          <p:cNvPr id="38915" name="Picture 3"/>
+          <p:cNvPicPr>
+            <a:picLocks noChangeAspect="1"/>
+          </p:cNvPicPr>
+          <p:nvPr/>
+        </p:nvPicPr>
+        <p:blipFill>
+          <a:blip r:embed="rId2">
+            <a:extLst>
+              <a:ext uri="{28A0092B-C50C-407E-A947-70E740481C1C}">
+                <a14:useLocalDpi xmlns="" xmlns:a14="http://schemas.microsoft.com/office/drawing/2010/main" val="0"/>
+              </a:ext>
+            </a:extLst>
+          </a:blip>
+          <a:srcRect/>
+          <a:stretch>
+            <a:fillRect/>
+          </a:stretch>
+        </p:blipFill>
+        <p:spPr bwMode="auto">
+          <a:xfrm>
+            <a:off x="304800" y="1168400"/>
+            <a:ext cx="8153400" cy="5511800"/>
+          </a:xfrm>
+          <a:prstGeom prst="rect">
+            <a:avLst/>
+          </a:prstGeom>
+          <a:noFill/>
+          <a:ln>
+            <a:noFill/>
+          </a:ln>
+          <a:extLst>
+            <a:ext uri="{909E8E84-426E-40DD-AFC4-6F175D3DCCD1}">
+              <a14:hiddenFill xmlns="" xmlns:a14="http://schemas.microsoft.com/office/drawing/2010/main">
+                <a:solidFill>
+                  <a:srgbClr val="FFFFFF"/>
+                </a:solidFill>
+              </a14:hiddenFill>
+            </a:ext>
+            <a:ext uri="{91240B29-F687-4F45-9708-019B960494DF}">
+              <a14:hiddenLine xmlns="" xmlns:a14="http://schemas.microsoft.com/office/drawing/2010/main" w="9525">
+                <a:solidFill>
+                  <a:srgbClr val="000000"/>
+                </a:solidFill>
+                <a:miter lim="800000"/>
+                <a:headEnd/>
+                <a:tailEnd/>
+              </a14:hiddenLine>
+            </a:ext>
+          </a:extLst>
+        </p:spPr>
+      </p:pic>
     </p:spTree>
   </p:cSld>
   <p:clrMapOvr>
@@ -7142,7 +7538,7 @@
       </p:grpSpPr>
       <p:sp>
         <p:nvSpPr>
-          <p:cNvPr id="40962" name="Title 1"/>
+          <p:cNvPr id="39938" name="Title 1"/>
           <p:cNvSpPr>
             <a:spLocks noGrp="1"/>
           </p:cNvSpPr>
@@ -7152,7 +7548,7 @@
         </p:nvSpPr>
         <p:spPr>
           <a:xfrm>
-            <a:off x="685800" y="152400"/>
+            <a:off x="685800" y="-76200"/>
             <a:ext cx="7772400" cy="1143000"/>
           </a:xfrm>
         </p:spPr>
@@ -7162,65 +7558,145 @@
           <a:p>
             <a:r>
               <a:rPr lang="en-GB" altLang="en-US" smtClean="0"/>
-              <a:t>Creating New Exceptions, Example</a:t>
-            </a:r>
-          </a:p>
-        </p:txBody>
-      </p:sp>
-      <p:pic>
-        <p:nvPicPr>
-          <p:cNvPr id="40963" name="Picture 3"/>
-          <p:cNvPicPr>
-            <a:picLocks noChangeAspect="1"/>
-          </p:cNvPicPr>
-          <p:nvPr/>
-        </p:nvPicPr>
-        <p:blipFill>
-          <a:blip r:embed="rId2">
-            <a:extLst>
-              <a:ext uri="{28A0092B-C50C-407E-A947-70E740481C1C}">
-                <a14:useLocalDpi xmlns:a14="http://schemas.microsoft.com/office/drawing/2010/main" val="0"/>
-              </a:ext>
-            </a:extLst>
-          </a:blip>
-          <a:srcRect/>
-          <a:stretch>
-            <a:fillRect/>
-          </a:stretch>
-        </p:blipFill>
-        <p:spPr bwMode="auto">
-          <a:xfrm>
-            <a:off x="576263" y="1524000"/>
-            <a:ext cx="7991475" cy="5187950"/>
-          </a:xfrm>
-          <a:prstGeom prst="rect">
-            <a:avLst/>
-          </a:prstGeom>
-          <a:noFill/>
-          <a:ln>
-            <a:noFill/>
-          </a:ln>
-          <a:extLst>
-            <a:ext uri="{909E8E84-426E-40DD-AFC4-6F175D3DCCD1}">
-              <a14:hiddenFill xmlns:a14="http://schemas.microsoft.com/office/drawing/2010/main">
-                <a:solidFill>
-                  <a:srgbClr val="FFFFFF"/>
-                </a:solidFill>
-              </a14:hiddenFill>
-            </a:ext>
-            <a:ext uri="{91240B29-F687-4F45-9708-019B960494DF}">
-              <a14:hiddenLine xmlns:a14="http://schemas.microsoft.com/office/drawing/2010/main" w="9525">
-                <a:solidFill>
-                  <a:srgbClr val="000000"/>
-                </a:solidFill>
-                <a:miter lim="800000"/>
-                <a:headEnd/>
-                <a:tailEnd/>
-              </a14:hiddenLine>
-            </a:ext>
-          </a:extLst>
-        </p:spPr>
-      </p:pic>
+              <a:t>Creating New Exceptions</a:t>
+            </a:r>
+          </a:p>
+        </p:txBody>
+      </p:sp>
+      <p:sp>
+        <p:nvSpPr>
+          <p:cNvPr id="3" name="Content Placeholder 2"/>
+          <p:cNvSpPr>
+            <a:spLocks noGrp="1"/>
+          </p:cNvSpPr>
+          <p:nvPr>
+            <p:ph idx="1"/>
+          </p:nvPr>
+        </p:nvSpPr>
+        <p:spPr>
+          <a:xfrm>
+            <a:off x="685800" y="1143000"/>
+            <a:ext cx="7772400" cy="5638800"/>
+          </a:xfrm>
+        </p:spPr>
+        <p:txBody>
+          <a:bodyPr>
+            <a:normAutofit fontScale="92500" lnSpcReduction="20000"/>
+          </a:bodyPr>
+          <a:lstStyle/>
+          <a:p>
+            <a:pPr>
+              <a:defRPr/>
+            </a:pPr>
+            <a:r>
+              <a:rPr lang="en-GB" dirty="0" smtClean="0"/>
+              <a:t>Requires careful design (part of the public interface)</a:t>
+            </a:r>
+          </a:p>
+          <a:p>
+            <a:pPr>
+              <a:defRPr/>
+            </a:pPr>
+            <a:r>
+              <a:rPr lang="en-GB" dirty="0" smtClean="0"/>
+              <a:t>Choose the correct </a:t>
+            </a:r>
+            <a:r>
+              <a:rPr lang="en-GB" dirty="0" err="1" smtClean="0"/>
+              <a:t>superclass</a:t>
+            </a:r>
+            <a:endParaRPr lang="en-GB" dirty="0" smtClean="0"/>
+          </a:p>
+          <a:p>
+            <a:pPr>
+              <a:defRPr/>
+            </a:pPr>
+            <a:r>
+              <a:rPr lang="en-GB" dirty="0" smtClean="0"/>
+              <a:t>Choosing the name</a:t>
+            </a:r>
+          </a:p>
+          <a:p>
+            <a:pPr lvl="1">
+              <a:defRPr/>
+            </a:pPr>
+            <a:r>
+              <a:rPr lang="en-GB" dirty="0" smtClean="0"/>
+              <a:t>The most important thing for new exceptions.</a:t>
+            </a:r>
+          </a:p>
+          <a:p>
+            <a:pPr lvl="1">
+              <a:defRPr/>
+            </a:pPr>
+            <a:r>
+              <a:rPr lang="en-GB" dirty="0" smtClean="0"/>
+              <a:t>Tends to be long an descriptive (</a:t>
+            </a:r>
+            <a:r>
+              <a:rPr lang="en-GB" dirty="0" err="1" smtClean="0"/>
+              <a:t>ArrayIndexOutOfBoundsException</a:t>
+            </a:r>
+            <a:r>
+              <a:rPr lang="en-GB" dirty="0" smtClean="0"/>
+              <a:t>)</a:t>
+            </a:r>
+          </a:p>
+          <a:p>
+            <a:pPr>
+              <a:defRPr/>
+            </a:pPr>
+            <a:r>
+              <a:rPr lang="en-GB" dirty="0" smtClean="0"/>
+              <a:t>Code for exception class typically minimal</a:t>
+            </a:r>
+          </a:p>
+          <a:p>
+            <a:pPr>
+              <a:defRPr/>
+            </a:pPr>
+            <a:r>
+              <a:rPr lang="en-GB" dirty="0" smtClean="0"/>
+              <a:t>Naming convention:</a:t>
+            </a:r>
+          </a:p>
+          <a:p>
+            <a:pPr lvl="1">
+              <a:defRPr/>
+            </a:pPr>
+            <a:r>
+              <a:rPr lang="en-GB" dirty="0" smtClean="0"/>
+              <a:t>All classes that inherits from Exception has 'Exception' </a:t>
+            </a:r>
+            <a:r>
+              <a:rPr lang="en-GB" dirty="0" err="1" smtClean="0"/>
+              <a:t>postfixed</a:t>
+            </a:r>
+            <a:r>
+              <a:rPr lang="en-GB" dirty="0" smtClean="0"/>
+              <a:t> to their name.</a:t>
+            </a:r>
+          </a:p>
+          <a:p>
+            <a:pPr lvl="1">
+              <a:defRPr/>
+            </a:pPr>
+            <a:r>
+              <a:rPr lang="en-GB" dirty="0" smtClean="0"/>
+              <a:t>All classes that inherits from Error has 'Error' </a:t>
+            </a:r>
+            <a:r>
+              <a:rPr lang="en-GB" dirty="0" err="1" smtClean="0"/>
+              <a:t>postfixed</a:t>
+            </a:r>
+            <a:r>
+              <a:rPr lang="en-GB" dirty="0" smtClean="0"/>
+              <a:t> to their name</a:t>
+            </a:r>
+            <a:endParaRPr lang="en-GB" dirty="0"/>
+          </a:p>
+        </p:txBody>
+      </p:sp>
     </p:spTree>
   </p:cSld>
   <p:clrMapOvr>
@@ -7248,7 +7724,7 @@
       </p:grpSpPr>
       <p:sp>
         <p:nvSpPr>
-          <p:cNvPr id="41986" name="Title 1"/>
+          <p:cNvPr id="40962" name="Title 1"/>
           <p:cNvSpPr>
             <a:spLocks noGrp="1"/>
           </p:cNvSpPr>
@@ -7258,7 +7734,7 @@
         </p:nvSpPr>
         <p:spPr>
           <a:xfrm>
-            <a:off x="685800" y="-76200"/>
+            <a:off x="685800" y="152400"/>
             <a:ext cx="7772400" cy="1143000"/>
           </a:xfrm>
         </p:spPr>
@@ -7268,52 +7744,14 @@
           <a:p>
             <a:r>
               <a:rPr lang="en-GB" altLang="en-US" smtClean="0"/>
-              <a:t>Overloading and Exception</a:t>
-            </a:r>
-          </a:p>
-        </p:txBody>
-      </p:sp>
-      <p:sp>
-        <p:nvSpPr>
-          <p:cNvPr id="41987" name="Content Placeholder 2"/>
-          <p:cNvSpPr>
-            <a:spLocks noGrp="1"/>
-          </p:cNvSpPr>
-          <p:nvPr>
-            <p:ph idx="1"/>
-          </p:nvPr>
-        </p:nvSpPr>
-        <p:spPr>
-          <a:xfrm>
-            <a:off x="601663" y="914400"/>
-            <a:ext cx="7772400" cy="4114800"/>
-          </a:xfrm>
-        </p:spPr>
-        <p:txBody>
-          <a:bodyPr/>
-          <a:lstStyle/>
-          <a:p>
-            <a:r>
-              <a:rPr lang="en-GB" altLang="en-US" smtClean="0"/>
-              <a:t>Methods cannot be overloaded based on exception specification</a:t>
-            </a:r>
-            <a:br>
-              <a:rPr lang="en-GB" altLang="en-US" smtClean="0"/>
-            </a:br>
-            <a:r>
-              <a:rPr lang="en-GB" altLang="en-US" smtClean="0"/>
-              <a:t/>
-            </a:r>
-            <a:br>
-              <a:rPr lang="en-GB" altLang="en-US" smtClean="0"/>
-            </a:br>
-            <a:endParaRPr lang="en-GB" altLang="en-US" smtClean="0"/>
+              <a:t>Creating New Exceptions, Example</a:t>
+            </a:r>
           </a:p>
         </p:txBody>
       </p:sp>
       <p:pic>
         <p:nvPicPr>
-          <p:cNvPr id="41988" name="Picture 3"/>
+          <p:cNvPr id="40963" name="Picture 3"/>
           <p:cNvPicPr>
             <a:picLocks noChangeAspect="1"/>
           </p:cNvPicPr>
@@ -7323,7 +7761,7 @@
           <a:blip r:embed="rId2">
             <a:extLst>
               <a:ext uri="{28A0092B-C50C-407E-A947-70E740481C1C}">
-                <a14:useLocalDpi xmlns:a14="http://schemas.microsoft.com/office/drawing/2010/main" val="0"/>
+                <a14:useLocalDpi xmlns="" xmlns:a14="http://schemas.microsoft.com/office/drawing/2010/main" val="0"/>
               </a:ext>
             </a:extLst>
           </a:blip>
@@ -7334,8 +7772,8 @@
         </p:blipFill>
         <p:spPr bwMode="auto">
           <a:xfrm>
-            <a:off x="850900" y="2133600"/>
-            <a:ext cx="7272338" cy="4595813"/>
+            <a:off x="609600" y="1524000"/>
+            <a:ext cx="7991475" cy="5187950"/>
           </a:xfrm>
           <a:prstGeom prst="rect">
             <a:avLst/>
@@ -7346,14 +7784,14 @@
           </a:ln>
           <a:extLst>
             <a:ext uri="{909E8E84-426E-40DD-AFC4-6F175D3DCCD1}">
-              <a14:hiddenFill xmlns:a14="http://schemas.microsoft.com/office/drawing/2010/main">
+              <a14:hiddenFill xmlns="" xmlns:a14="http://schemas.microsoft.com/office/drawing/2010/main">
                 <a:solidFill>
                   <a:srgbClr val="FFFFFF"/>
                 </a:solidFill>
               </a14:hiddenFill>
             </a:ext>
             <a:ext uri="{91240B29-F687-4F45-9708-019B960494DF}">
-              <a14:hiddenLine xmlns:a14="http://schemas.microsoft.com/office/drawing/2010/main" w="9525">
+              <a14:hiddenLine xmlns="" xmlns:a14="http://schemas.microsoft.com/office/drawing/2010/main" w="9525">
                 <a:solidFill>
                   <a:srgbClr val="000000"/>
                 </a:solidFill>
@@ -7392,7 +7830,7 @@
       </p:grpSpPr>
       <p:sp>
         <p:nvSpPr>
-          <p:cNvPr id="43010" name="Title 1"/>
+          <p:cNvPr id="41986" name="Title 1"/>
           <p:cNvSpPr>
             <a:spLocks noGrp="1"/>
           </p:cNvSpPr>
@@ -7400,21 +7838,26 @@
             <p:ph type="title"/>
           </p:nvPr>
         </p:nvSpPr>
-        <p:spPr/>
+        <p:spPr>
+          <a:xfrm>
+            <a:off x="685800" y="-76200"/>
+            <a:ext cx="7772400" cy="1143000"/>
+          </a:xfrm>
+        </p:spPr>
         <p:txBody>
           <a:bodyPr/>
           <a:lstStyle/>
           <a:p>
             <a:r>
               <a:rPr lang="en-GB" altLang="en-US" smtClean="0"/>
-              <a:t>Interfaces and Exceptions</a:t>
-            </a:r>
-          </a:p>
-        </p:txBody>
-      </p:sp>
-      <p:sp>
-        <p:nvSpPr>
-          <p:cNvPr id="43011" name="Content Placeholder 2"/>
+              <a:t>Overloading and Exception</a:t>
+            </a:r>
+          </a:p>
+        </p:txBody>
+      </p:sp>
+      <p:sp>
+        <p:nvSpPr>
+          <p:cNvPr id="41987" name="Content Placeholder 2"/>
           <p:cNvSpPr>
             <a:spLocks noGrp="1"/>
           </p:cNvSpPr>
@@ -7422,21 +7865,49 @@
             <p:ph idx="1"/>
           </p:nvPr>
         </p:nvSpPr>
-        <p:spPr/>
+        <p:spPr>
+          <a:xfrm>
+            <a:off x="601663" y="914400"/>
+            <a:ext cx="7772400" cy="4114800"/>
+          </a:xfrm>
+        </p:spPr>
         <p:txBody>
           <a:bodyPr/>
           <a:lstStyle/>
           <a:p>
             <a:r>
-              <a:rPr lang="en-GB" altLang="en-US" smtClean="0"/>
-              <a:t>Exceptions can naturally be specified for methods in interfaces</a:t>
-            </a:r>
+              <a:rPr lang="en-GB" altLang="en-US" dirty="0" smtClean="0"/>
+              <a:t>Methods </a:t>
+            </a:r>
+            <a:r>
+              <a:rPr lang="en-GB" altLang="en-US" b="1" dirty="0" smtClean="0">
+                <a:solidFill>
+                  <a:srgbClr val="FF0000"/>
+                </a:solidFill>
+              </a:rPr>
+              <a:t>cannot</a:t>
+            </a:r>
+            <a:r>
+              <a:rPr lang="en-GB" altLang="en-US" dirty="0" smtClean="0"/>
+              <a:t> be overloaded based on exception specification</a:t>
+            </a:r>
+            <a:br>
+              <a:rPr lang="en-GB" altLang="en-US" dirty="0" smtClean="0"/>
+            </a:br>
+            <a:r>
+              <a:rPr lang="en-GB" altLang="en-US" dirty="0" smtClean="0"/>
+              <a:t/>
+            </a:r>
+            <a:br>
+              <a:rPr lang="en-GB" altLang="en-US" dirty="0" smtClean="0"/>
+            </a:br>
+            <a:endParaRPr lang="en-GB" altLang="en-US" dirty="0" smtClean="0"/>
           </a:p>
         </p:txBody>
       </p:sp>
       <p:pic>
         <p:nvPicPr>
-          <p:cNvPr id="43012" name="Picture 3"/>
+          <p:cNvPr id="41988" name="Picture 3"/>
           <p:cNvPicPr>
             <a:picLocks noChangeAspect="1"/>
           </p:cNvPicPr>
@@ -7446,7 +7917,7 @@
           <a:blip r:embed="rId2">
             <a:extLst>
               <a:ext uri="{28A0092B-C50C-407E-A947-70E740481C1C}">
-                <a14:useLocalDpi xmlns:a14="http://schemas.microsoft.com/office/drawing/2010/main" val="0"/>
+                <a14:useLocalDpi xmlns="" xmlns:a14="http://schemas.microsoft.com/office/drawing/2010/main" val="0"/>
               </a:ext>
             </a:extLst>
           </a:blip>
@@ -7457,8 +7928,8 @@
         </p:blipFill>
         <p:spPr bwMode="auto">
           <a:xfrm>
-            <a:off x="442913" y="3657600"/>
-            <a:ext cx="8258175" cy="2295525"/>
+            <a:off x="850900" y="2133600"/>
+            <a:ext cx="7272338" cy="4595813"/>
           </a:xfrm>
           <a:prstGeom prst="rect">
             <a:avLst/>
@@ -7469,14 +7940,14 @@
           </a:ln>
           <a:extLst>
             <a:ext uri="{909E8E84-426E-40DD-AFC4-6F175D3DCCD1}">
-              <a14:hiddenFill xmlns:a14="http://schemas.microsoft.com/office/drawing/2010/main">
+              <a14:hiddenFill xmlns="" xmlns:a14="http://schemas.microsoft.com/office/drawing/2010/main">
                 <a:solidFill>
                   <a:srgbClr val="FFFFFF"/>
                 </a:solidFill>
               </a14:hiddenFill>
             </a:ext>
             <a:ext uri="{91240B29-F687-4F45-9708-019B960494DF}">
-              <a14:hiddenLine xmlns:a14="http://schemas.microsoft.com/office/drawing/2010/main" w="9525">
+              <a14:hiddenLine xmlns="" xmlns:a14="http://schemas.microsoft.com/office/drawing/2010/main" w="9525">
                 <a:solidFill>
                   <a:srgbClr val="000000"/>
                 </a:solidFill>
@@ -7515,7 +7986,7 @@
       </p:grpSpPr>
       <p:sp>
         <p:nvSpPr>
-          <p:cNvPr id="44034" name="Title 1"/>
+          <p:cNvPr id="43010" name="Title 1"/>
           <p:cNvSpPr>
             <a:spLocks noGrp="1"/>
           </p:cNvSpPr>
@@ -7523,26 +7994,21 @@
             <p:ph type="title"/>
           </p:nvPr>
         </p:nvSpPr>
-        <p:spPr>
-          <a:xfrm>
-            <a:off x="652463" y="17463"/>
-            <a:ext cx="7772400" cy="1143000"/>
-          </a:xfrm>
-        </p:spPr>
+        <p:spPr/>
         <p:txBody>
           <a:bodyPr/>
           <a:lstStyle/>
           <a:p>
             <a:r>
               <a:rPr lang="en-GB" altLang="en-US" smtClean="0"/>
-              <a:t>Inheritance and Exceptions</a:t>
-            </a:r>
-          </a:p>
-        </p:txBody>
-      </p:sp>
-      <p:sp>
-        <p:nvSpPr>
-          <p:cNvPr id="3" name="Content Placeholder 2"/>
+              <a:t>Interfaces and Exceptions</a:t>
+            </a:r>
+          </a:p>
+        </p:txBody>
+      </p:sp>
+      <p:sp>
+        <p:nvSpPr>
+          <p:cNvPr id="43011" name="Content Placeholder 2"/>
           <p:cNvSpPr>
             <a:spLocks noGrp="1"/>
           </p:cNvSpPr>
@@ -7550,58 +8016,21 @@
             <p:ph idx="1"/>
           </p:nvPr>
         </p:nvSpPr>
-        <p:spPr>
-          <a:xfrm>
-            <a:off x="533400" y="1371600"/>
-            <a:ext cx="8305800" cy="2514600"/>
-          </a:xfrm>
-        </p:spPr>
-        <p:txBody>
-          <a:bodyPr>
-            <a:normAutofit fontScale="85000" lnSpcReduction="20000"/>
-          </a:bodyPr>
+        <p:spPr/>
+        <p:txBody>
+          <a:bodyPr/>
           <a:lstStyle/>
           <a:p>
-            <a:pPr>
-              <a:defRPr/>
-            </a:pPr>
-            <a:r>
-              <a:rPr lang="en-GB" dirty="0" smtClean="0"/>
-              <a:t>If base-class method throws an exception, derived-class method may throw that exception or one derived from it</a:t>
-            </a:r>
-          </a:p>
-          <a:p>
-            <a:pPr>
-              <a:defRPr/>
-            </a:pPr>
-            <a:r>
-              <a:rPr lang="en-GB" dirty="0" smtClean="0"/>
-              <a:t>Derived-class method cannot throw an exception that is not a type/subtype of an exception thrown by the base-class method</a:t>
-            </a:r>
-          </a:p>
-          <a:p>
-            <a:pPr lvl="1">
-              <a:defRPr/>
-            </a:pPr>
-            <a:r>
-              <a:rPr lang="en-GB" dirty="0" smtClean="0"/>
-              <a:t>Otherwise subclass cannot be </a:t>
-            </a:r>
-            <a:r>
-              <a:rPr lang="en-GB" dirty="0" err="1" smtClean="0"/>
-              <a:t>upcasted</a:t>
-            </a:r>
-            <a:r>
-              <a:rPr lang="en-GB" dirty="0" smtClean="0"/>
-              <a:t> to base-class</a:t>
-            </a:r>
-            <a:endParaRPr lang="en-GB" dirty="0"/>
+            <a:r>
+              <a:rPr lang="en-GB" altLang="en-US" smtClean="0"/>
+              <a:t>Exceptions can naturally be specified for methods in interfaces</a:t>
+            </a:r>
           </a:p>
         </p:txBody>
       </p:sp>
       <p:pic>
         <p:nvPicPr>
-          <p:cNvPr id="44036" name="Picture 3"/>
+          <p:cNvPr id="43012" name="Picture 3"/>
           <p:cNvPicPr>
             <a:picLocks noChangeAspect="1"/>
           </p:cNvPicPr>
@@ -7611,7 +8040,7 @@
           <a:blip r:embed="rId2">
             <a:extLst>
               <a:ext uri="{28A0092B-C50C-407E-A947-70E740481C1C}">
-                <a14:useLocalDpi xmlns:a14="http://schemas.microsoft.com/office/drawing/2010/main" val="0"/>
+                <a14:useLocalDpi xmlns="" xmlns:a14="http://schemas.microsoft.com/office/drawing/2010/main" val="0"/>
               </a:ext>
             </a:extLst>
           </a:blip>
@@ -7622,8 +8051,8 @@
         </p:blipFill>
         <p:spPr bwMode="auto">
           <a:xfrm>
-            <a:off x="652463" y="4191000"/>
-            <a:ext cx="7975600" cy="2382838"/>
+            <a:off x="442913" y="3657600"/>
+            <a:ext cx="8258175" cy="2295525"/>
           </a:xfrm>
           <a:prstGeom prst="rect">
             <a:avLst/>
@@ -7634,14 +8063,14 @@
           </a:ln>
           <a:extLst>
             <a:ext uri="{909E8E84-426E-40DD-AFC4-6F175D3DCCD1}">
-              <a14:hiddenFill xmlns:a14="http://schemas.microsoft.com/office/drawing/2010/main">
+              <a14:hiddenFill xmlns="" xmlns:a14="http://schemas.microsoft.com/office/drawing/2010/main">
                 <a:solidFill>
                   <a:srgbClr val="FFFFFF"/>
                 </a:solidFill>
               </a14:hiddenFill>
             </a:ext>
             <a:ext uri="{91240B29-F687-4F45-9708-019B960494DF}">
-              <a14:hiddenLine xmlns:a14="http://schemas.microsoft.com/office/drawing/2010/main" w="9525">
+              <a14:hiddenLine xmlns="" xmlns:a14="http://schemas.microsoft.com/office/drawing/2010/main" w="9525">
                 <a:solidFill>
                   <a:srgbClr val="000000"/>
                 </a:solidFill>
@@ -7680,7 +8109,7 @@
       </p:grpSpPr>
       <p:sp>
         <p:nvSpPr>
-          <p:cNvPr id="45058" name="Title 1"/>
+          <p:cNvPr id="44034" name="Title 1"/>
           <p:cNvSpPr>
             <a:spLocks noGrp="1"/>
           </p:cNvSpPr>
@@ -7690,7 +8119,7 @@
         </p:nvSpPr>
         <p:spPr>
           <a:xfrm>
-            <a:off x="685800" y="7938"/>
+            <a:off x="652463" y="17463"/>
             <a:ext cx="7772400" cy="1143000"/>
           </a:xfrm>
         </p:spPr>
@@ -7700,7 +8129,7 @@
           <a:p>
             <a:r>
               <a:rPr lang="en-GB" altLang="en-US" smtClean="0"/>
-              <a:t>Inheritance and Constructors</a:t>
+              <a:t>Inheritance and Exceptions</a:t>
             </a:r>
           </a:p>
         </p:txBody>
@@ -7717,13 +8146,13 @@
         </p:nvSpPr>
         <p:spPr>
           <a:xfrm>
-            <a:off x="685800" y="1150938"/>
-            <a:ext cx="8153400" cy="1820862"/>
+            <a:off x="533400" y="1371600"/>
+            <a:ext cx="8305800" cy="2514600"/>
           </a:xfrm>
         </p:spPr>
         <p:txBody>
           <a:bodyPr>
-            <a:normAutofit fontScale="92500"/>
+            <a:normAutofit fontScale="85000" lnSpcReduction="20000"/>
           </a:bodyPr>
           <a:lstStyle/>
           <a:p>
@@ -7732,19 +8161,7 @@
             </a:pPr>
             <a:r>
               <a:rPr lang="en-GB" dirty="0" smtClean="0"/>
-              <a:t>Constructors </a:t>
-            </a:r>
-            <a:r>
-              <a:rPr lang="en-GB" dirty="0" smtClean="0">
-                <a:solidFill>
-                  <a:srgbClr val="FF0000"/>
-                </a:solidFill>
-              </a:rPr>
-              <a:t>can</a:t>
-            </a:r>
-            <a:r>
-              <a:rPr lang="en-GB" dirty="0" smtClean="0"/>
-              <a:t> throw exceptions</a:t>
+              <a:t>If base-class method throws an exception, derived-class method may throw that exception or one derived from it</a:t>
             </a:r>
           </a:p>
           <a:p>
@@ -7753,19 +8170,24 @@
             </a:pPr>
             <a:r>
               <a:rPr lang="en-GB" dirty="0" smtClean="0"/>
-              <a:t>Subclass constructor </a:t>
-            </a:r>
-            <a:r>
-              <a:rPr lang="en-GB" dirty="0" smtClean="0">
-                <a:solidFill>
-                  <a:srgbClr val="FF0000"/>
-                </a:solidFill>
-              </a:rPr>
-              <a:t>cannot</a:t>
-            </a:r>
-            <a:r>
-              <a:rPr lang="en-GB" dirty="0" smtClean="0"/>
-              <a:t> catch exception thrown by a base class constructor</a:t>
+              <a:t>Derived-class method cannot throw an exception that is not a type/subtype of an exception thrown by the base-class method</a:t>
+            </a:r>
+          </a:p>
+          <a:p>
+            <a:pPr lvl="1">
+              <a:defRPr/>
+            </a:pPr>
+            <a:r>
+              <a:rPr lang="en-GB" dirty="0" smtClean="0"/>
+              <a:t>Otherwise subclass cannot be </a:t>
+            </a:r>
+            <a:r>
+              <a:rPr lang="en-GB" dirty="0" err="1" smtClean="0"/>
+              <a:t>upcasted</a:t>
+            </a:r>
+            <a:r>
+              <a:rPr lang="en-GB" dirty="0" smtClean="0"/>
+              <a:t> to base-class</a:t>
             </a:r>
             <a:endParaRPr lang="en-GB" dirty="0"/>
           </a:p>
@@ -7773,7 +8195,7 @@
       </p:sp>
       <p:pic>
         <p:nvPicPr>
-          <p:cNvPr id="45060" name="Picture 4"/>
+          <p:cNvPr id="44036" name="Picture 3"/>
           <p:cNvPicPr>
             <a:picLocks noChangeAspect="1"/>
           </p:cNvPicPr>
@@ -7783,7 +8205,7 @@
           <a:blip r:embed="rId2">
             <a:extLst>
               <a:ext uri="{28A0092B-C50C-407E-A947-70E740481C1C}">
-                <a14:useLocalDpi xmlns:a14="http://schemas.microsoft.com/office/drawing/2010/main" val="0"/>
+                <a14:useLocalDpi xmlns="" xmlns:a14="http://schemas.microsoft.com/office/drawing/2010/main" val="0"/>
               </a:ext>
             </a:extLst>
           </a:blip>
@@ -7794,8 +8216,8 @@
         </p:blipFill>
         <p:spPr bwMode="auto">
           <a:xfrm>
-            <a:off x="1219200" y="2997200"/>
-            <a:ext cx="7048500" cy="3497263"/>
+            <a:off x="652463" y="4191000"/>
+            <a:ext cx="7975600" cy="2382838"/>
           </a:xfrm>
           <a:prstGeom prst="rect">
             <a:avLst/>
@@ -7806,14 +8228,14 @@
           </a:ln>
           <a:extLst>
             <a:ext uri="{909E8E84-426E-40DD-AFC4-6F175D3DCCD1}">
-              <a14:hiddenFill xmlns:a14="http://schemas.microsoft.com/office/drawing/2010/main">
+              <a14:hiddenFill xmlns="" xmlns:a14="http://schemas.microsoft.com/office/drawing/2010/main">
                 <a:solidFill>
                   <a:srgbClr val="FFFFFF"/>
                 </a:solidFill>
               </a14:hiddenFill>
             </a:ext>
             <a:ext uri="{91240B29-F687-4F45-9708-019B960494DF}">
-              <a14:hiddenLine xmlns:a14="http://schemas.microsoft.com/office/drawing/2010/main" w="9525">
+              <a14:hiddenLine xmlns="" xmlns:a14="http://schemas.microsoft.com/office/drawing/2010/main" w="9525">
                 <a:solidFill>
                   <a:srgbClr val="000000"/>
                 </a:solidFill>
@@ -7852,7 +8274,7 @@
       </p:grpSpPr>
       <p:sp>
         <p:nvSpPr>
-          <p:cNvPr id="46082" name="Title 1"/>
+          <p:cNvPr id="45058" name="Title 1"/>
           <p:cNvSpPr>
             <a:spLocks noGrp="1"/>
           </p:cNvSpPr>
@@ -7862,7 +8284,7 @@
         </p:nvSpPr>
         <p:spPr>
           <a:xfrm>
-            <a:off x="304800" y="76200"/>
+            <a:off x="685800" y="7938"/>
             <a:ext cx="7772400" cy="1143000"/>
           </a:xfrm>
         </p:spPr>
@@ -7872,7 +8294,7 @@
           <a:p>
             <a:r>
               <a:rPr lang="en-GB" altLang="en-US" smtClean="0"/>
-              <a:t>Guidelines</a:t>
+              <a:t>Inheritance and Constructors</a:t>
             </a:r>
           </a:p>
         </p:txBody>
@@ -7889,13 +8311,13 @@
         </p:nvSpPr>
         <p:spPr>
           <a:xfrm>
-            <a:off x="533400" y="1219200"/>
-            <a:ext cx="8382000" cy="5334000"/>
+            <a:off x="685800" y="1150938"/>
+            <a:ext cx="8153400" cy="1820862"/>
           </a:xfrm>
         </p:spPr>
         <p:txBody>
           <a:bodyPr>
-            <a:normAutofit fontScale="85000" lnSpcReduction="20000"/>
+            <a:normAutofit fontScale="92500"/>
           </a:bodyPr>
           <a:lstStyle/>
           <a:p>
@@ -7904,16 +8326,19 @@
             </a:pPr>
             <a:r>
               <a:rPr lang="en-GB" dirty="0" smtClean="0"/>
-              <a:t>Do not use exceptions for normal control flow!</a:t>
-            </a:r>
-          </a:p>
-          <a:p>
-            <a:pPr lvl="1">
-              <a:defRPr/>
-            </a:pPr>
-            <a:r>
-              <a:rPr lang="en-GB" dirty="0" smtClean="0"/>
-              <a:t>Slows down the program</a:t>
+              <a:t>Constructors </a:t>
+            </a:r>
+            <a:r>
+              <a:rPr lang="en-GB" dirty="0" smtClean="0">
+                <a:solidFill>
+                  <a:srgbClr val="FF0000"/>
+                </a:solidFill>
+              </a:rPr>
+              <a:t>can</a:t>
+            </a:r>
+            <a:r>
+              <a:rPr lang="en-GB" dirty="0" smtClean="0"/>
+              <a:t> throw exceptions</a:t>
             </a:r>
           </a:p>
           <a:p>
@@ -7922,66 +8347,78 @@
             </a:pPr>
             <a:r>
               <a:rPr lang="en-GB" dirty="0" smtClean="0"/>
-              <a:t>Do use exceptions to indicate abnormal conditions!</a:t>
-            </a:r>
-          </a:p>
-          <a:p>
-            <a:pPr>
-              <a:defRPr/>
-            </a:pPr>
-            <a:r>
-              <a:rPr lang="en-GB" dirty="0" smtClean="0"/>
-              <a:t>Handle the error (fully or partially) if you have enough information in the current context. Otherwise, propagate!</a:t>
-            </a:r>
-          </a:p>
-          <a:p>
-            <a:pPr>
-              <a:defRPr/>
-            </a:pPr>
-            <a:r>
-              <a:rPr lang="en-GB" dirty="0" smtClean="0"/>
-              <a:t>Handle group of statements</a:t>
-            </a:r>
-          </a:p>
-          <a:p>
-            <a:pPr lvl="1">
-              <a:defRPr/>
-            </a:pPr>
-            <a:r>
-              <a:rPr lang="en-GB" dirty="0" smtClean="0"/>
-              <a:t>Do not encompass every single statement in a try block</a:t>
-            </a:r>
-          </a:p>
-          <a:p>
-            <a:pPr>
-              <a:defRPr/>
-            </a:pPr>
-            <a:r>
-              <a:rPr lang="en-GB" dirty="0" smtClean="0"/>
-              <a:t>Use exceptions in constructors!</a:t>
-            </a:r>
-          </a:p>
-          <a:p>
-            <a:pPr>
-              <a:defRPr/>
-            </a:pPr>
-            <a:r>
-              <a:rPr lang="en-GB" dirty="0" smtClean="0"/>
-              <a:t>Do something with the exceptions your code catches!</a:t>
-            </a:r>
-          </a:p>
-          <a:p>
-            <a:pPr>
-              <a:defRPr/>
-            </a:pPr>
-            <a:r>
-              <a:rPr lang="en-GB" dirty="0" smtClean="0"/>
-              <a:t>Clean up using finally</a:t>
+              <a:t>Subclass constructor </a:t>
+            </a:r>
+            <a:r>
+              <a:rPr lang="en-GB" dirty="0" smtClean="0">
+                <a:solidFill>
+                  <a:srgbClr val="FF0000"/>
+                </a:solidFill>
+              </a:rPr>
+              <a:t>cannot</a:t>
+            </a:r>
+            <a:r>
+              <a:rPr lang="en-GB" dirty="0" smtClean="0"/>
+              <a:t> catch exception thrown by a base class constructor</a:t>
             </a:r>
             <a:endParaRPr lang="en-GB" dirty="0"/>
           </a:p>
         </p:txBody>
       </p:sp>
+      <p:pic>
+        <p:nvPicPr>
+          <p:cNvPr id="45060" name="Picture 4"/>
+          <p:cNvPicPr>
+            <a:picLocks noChangeAspect="1"/>
+          </p:cNvPicPr>
+          <p:nvPr/>
+        </p:nvPicPr>
+        <p:blipFill>
+          <a:blip r:embed="rId2">
+            <a:extLst>
+              <a:ext uri="{28A0092B-C50C-407E-A947-70E740481C1C}">
+                <a14:useLocalDpi xmlns="" xmlns:a14="http://schemas.microsoft.com/office/drawing/2010/main" val="0"/>
+              </a:ext>
+            </a:extLst>
+          </a:blip>
+          <a:srcRect/>
+          <a:stretch>
+            <a:fillRect/>
+          </a:stretch>
+        </p:blipFill>
+        <p:spPr bwMode="auto">
+          <a:xfrm>
+            <a:off x="1219200" y="2997200"/>
+            <a:ext cx="7048500" cy="3497263"/>
+          </a:xfrm>
+          <a:prstGeom prst="rect">
+            <a:avLst/>
+          </a:prstGeom>
+          <a:noFill/>
+          <a:ln>
+            <a:noFill/>
+          </a:ln>
+          <a:extLst>
+            <a:ext uri="{909E8E84-426E-40DD-AFC4-6F175D3DCCD1}">
+              <a14:hiddenFill xmlns="" xmlns:a14="http://schemas.microsoft.com/office/drawing/2010/main">
+                <a:solidFill>
+                  <a:srgbClr val="FFFFFF"/>
+                </a:solidFill>
+              </a14:hiddenFill>
+            </a:ext>
+            <a:ext uri="{91240B29-F687-4F45-9708-019B960494DF}">
+              <a14:hiddenLine xmlns="" xmlns:a14="http://schemas.microsoft.com/office/drawing/2010/main" w="9525">
+                <a:solidFill>
+                  <a:srgbClr val="000000"/>
+                </a:solidFill>
+                <a:miter lim="800000"/>
+                <a:headEnd/>
+                <a:tailEnd/>
+              </a14:hiddenLine>
+            </a:ext>
+          </a:extLst>
+        </p:spPr>
+      </p:pic>
     </p:spTree>
   </p:cSld>
   <p:clrMapOvr>
@@ -8009,7 +8446,7 @@
       </p:grpSpPr>
       <p:sp>
         <p:nvSpPr>
-          <p:cNvPr id="47106" name="Title 1"/>
+          <p:cNvPr id="46082" name="Title 1"/>
           <p:cNvSpPr>
             <a:spLocks noGrp="1"/>
           </p:cNvSpPr>
@@ -8019,7 +8456,7 @@
         </p:nvSpPr>
         <p:spPr>
           <a:xfrm>
-            <a:off x="533400" y="76200"/>
+            <a:off x="304800" y="76200"/>
             <a:ext cx="7772400" cy="1143000"/>
           </a:xfrm>
         </p:spPr>
@@ -8029,7 +8466,7 @@
           <a:p>
             <a:r>
               <a:rPr lang="en-GB" altLang="en-US" smtClean="0"/>
-              <a:t>Review</a:t>
+              <a:t>Guidelines</a:t>
             </a:r>
           </a:p>
         </p:txBody>
@@ -8046,13 +8483,13 @@
         </p:nvSpPr>
         <p:spPr>
           <a:xfrm>
-            <a:off x="685800" y="1371600"/>
-            <a:ext cx="8153400" cy="5181600"/>
+            <a:off x="533400" y="1219200"/>
+            <a:ext cx="8382000" cy="5334000"/>
           </a:xfrm>
         </p:spPr>
         <p:txBody>
           <a:bodyPr>
-            <a:normAutofit lnSpcReduction="10000"/>
+            <a:normAutofit fontScale="85000" lnSpcReduction="20000"/>
           </a:bodyPr>
           <a:lstStyle/>
           <a:p>
@@ -8061,7 +8498,40 @@
             </a:pPr>
             <a:r>
               <a:rPr lang="en-GB" dirty="0" smtClean="0"/>
-              <a:t>The manner in which an exception is processed is an important design consideration</a:t>
+              <a:t>Do </a:t>
+            </a:r>
+            <a:r>
+              <a:rPr lang="en-GB" b="1" dirty="0" smtClean="0">
+                <a:solidFill>
+                  <a:srgbClr val="FF0000"/>
+                </a:solidFill>
+              </a:rPr>
+              <a:t>not</a:t>
+            </a:r>
+            <a:r>
+              <a:rPr lang="en-GB" dirty="0" smtClean="0"/>
+              <a:t> use exceptions for </a:t>
+            </a:r>
+            <a:r>
+              <a:rPr lang="en-GB" b="1" dirty="0" smtClean="0">
+                <a:solidFill>
+                  <a:srgbClr val="FF0000"/>
+                </a:solidFill>
+              </a:rPr>
+              <a:t>normal control flow</a:t>
+            </a:r>
+            <a:r>
+              <a:rPr lang="en-GB" dirty="0" smtClean="0"/>
+              <a:t>!</a:t>
+            </a:r>
+          </a:p>
+          <a:p>
+            <a:pPr lvl="1">
+              <a:defRPr/>
+            </a:pPr>
+            <a:r>
+              <a:rPr lang="en-GB" dirty="0" smtClean="0"/>
+              <a:t>Slows down the program</a:t>
             </a:r>
           </a:p>
           <a:p>
@@ -8070,7 +8540,29 @@
             </a:pPr>
             <a:r>
               <a:rPr lang="en-GB" dirty="0" smtClean="0"/>
-              <a:t>Advantages of Exceptions</a:t>
+              <a:t>Do use exceptions to indicate abnormal conditions!</a:t>
+            </a:r>
+          </a:p>
+          <a:p>
+            <a:pPr>
+              <a:defRPr/>
+            </a:pPr>
+            <a:r>
+              <a:rPr lang="en-GB" dirty="0" smtClean="0"/>
+              <a:t>Handle the error (fully or partially) if you have enough information in the current context. Otherwise, propagate!</a:t>
+            </a:r>
+          </a:p>
+          <a:p>
+            <a:pPr>
+              <a:defRPr/>
+            </a:pPr>
+            <a:r>
+              <a:rPr lang="en-GB" b="1" dirty="0" smtClean="0">
+                <a:solidFill>
+                  <a:srgbClr val="FF0000"/>
+                </a:solidFill>
+              </a:rPr>
+              <a:t>Handle group of statements</a:t>
             </a:r>
           </a:p>
           <a:p>
@@ -8079,52 +8571,46 @@
             </a:pPr>
             <a:r>
               <a:rPr lang="en-GB" dirty="0" smtClean="0"/>
-              <a:t>Separates error handling from “regular” code.</a:t>
-            </a:r>
-          </a:p>
-          <a:p>
-            <a:pPr lvl="1">
-              <a:defRPr/>
-            </a:pPr>
-            <a:r>
-              <a:rPr lang="en-GB" dirty="0" smtClean="0"/>
-              <a:t>Propagation of errors up the call stack.</a:t>
-            </a:r>
-          </a:p>
-          <a:p>
-            <a:pPr lvl="2">
-              <a:defRPr/>
-            </a:pPr>
-            <a:r>
-              <a:rPr lang="en-GB" dirty="0" smtClean="0"/>
-              <a:t>Handle error in a context</a:t>
-            </a:r>
-          </a:p>
-          <a:p>
-            <a:pPr lvl="1">
-              <a:defRPr/>
-            </a:pPr>
-            <a:r>
-              <a:rPr lang="en-GB" dirty="0" smtClean="0"/>
-              <a:t>Grouping of error type and differentiation of errors.</a:t>
-            </a:r>
-          </a:p>
-          <a:p>
-            <a:pPr lvl="2">
-              <a:defRPr/>
-            </a:pPr>
-            <a:r>
-              <a:rPr lang="en-GB" dirty="0" smtClean="0"/>
-              <a:t>Overview</a:t>
-            </a:r>
-          </a:p>
-          <a:p>
-            <a:pPr lvl="2">
-              <a:defRPr/>
-            </a:pPr>
-            <a:r>
-              <a:rPr lang="en-GB" dirty="0" smtClean="0"/>
-              <a:t>Reuse of error handling code</a:t>
+              <a:t>Do not encompass every single statement in a try block</a:t>
+            </a:r>
+          </a:p>
+          <a:p>
+            <a:pPr>
+              <a:defRPr/>
+            </a:pPr>
+            <a:r>
+              <a:rPr lang="en-GB" dirty="0" smtClean="0"/>
+              <a:t>Use exceptions in </a:t>
+            </a:r>
+            <a:r>
+              <a:rPr lang="en-GB" b="1" dirty="0" smtClean="0">
+                <a:solidFill>
+                  <a:srgbClr val="FF0000"/>
+                </a:solidFill>
+              </a:rPr>
+              <a:t>constructors</a:t>
+            </a:r>
+            <a:r>
+              <a:rPr lang="en-GB" dirty="0" smtClean="0"/>
+              <a:t>!</a:t>
+            </a:r>
+          </a:p>
+          <a:p>
+            <a:pPr>
+              <a:defRPr/>
+            </a:pPr>
+            <a:r>
+              <a:rPr lang="en-GB" dirty="0" smtClean="0"/>
+              <a:t>Do something with the exceptions your code catches!</a:t>
+            </a:r>
+          </a:p>
+          <a:p>
+            <a:pPr>
+              <a:defRPr/>
+            </a:pPr>
+            <a:r>
+              <a:rPr lang="en-GB" dirty="0" smtClean="0"/>
+              <a:t>Clean up using finally</a:t>
             </a:r>
             <a:endParaRPr lang="en-GB" dirty="0"/>
           </a:p>
@@ -8157,7 +8643,7 @@
       </p:grpSpPr>
       <p:sp>
         <p:nvSpPr>
-          <p:cNvPr id="48130" name="Title 1"/>
+          <p:cNvPr id="47106" name="Title 1"/>
           <p:cNvSpPr>
             <a:spLocks noGrp="1"/>
           </p:cNvSpPr>
@@ -8165,21 +8651,26 @@
             <p:ph type="title"/>
           </p:nvPr>
         </p:nvSpPr>
-        <p:spPr/>
+        <p:spPr>
+          <a:xfrm>
+            <a:off x="533400" y="76200"/>
+            <a:ext cx="7772400" cy="1143000"/>
+          </a:xfrm>
+        </p:spPr>
         <p:txBody>
           <a:bodyPr/>
           <a:lstStyle/>
           <a:p>
             <a:r>
               <a:rPr lang="en-GB" altLang="en-US" smtClean="0"/>
-              <a:t>This Week</a:t>
-            </a:r>
-          </a:p>
-        </p:txBody>
-      </p:sp>
-      <p:sp>
-        <p:nvSpPr>
-          <p:cNvPr id="48131" name="Content Placeholder 2"/>
+              <a:t>Review</a:t>
+            </a:r>
+          </a:p>
+        </p:txBody>
+      </p:sp>
+      <p:sp>
+        <p:nvSpPr>
+          <p:cNvPr id="3" name="Content Placeholder 2"/>
           <p:cNvSpPr>
             <a:spLocks noGrp="1"/>
           </p:cNvSpPr>
@@ -8187,33 +8678,89 @@
             <p:ph idx="1"/>
           </p:nvPr>
         </p:nvSpPr>
-        <p:spPr/>
-        <p:txBody>
-          <a:bodyPr/>
+        <p:spPr>
+          <a:xfrm>
+            <a:off x="685800" y="1371600"/>
+            <a:ext cx="8153400" cy="5181600"/>
+          </a:xfrm>
+        </p:spPr>
+        <p:txBody>
+          <a:bodyPr>
+            <a:normAutofit lnSpcReduction="10000"/>
+          </a:bodyPr>
           <a:lstStyle/>
           <a:p>
-            <a:r>
-              <a:rPr lang="en-GB" altLang="en-US" smtClean="0"/>
-              <a:t>Read Associated Chapters</a:t>
-            </a:r>
-          </a:p>
-          <a:p>
-            <a:r>
-              <a:rPr lang="en-GB" altLang="en-US" smtClean="0"/>
-              <a:t>Review Slides</a:t>
-            </a:r>
-          </a:p>
-          <a:p>
-            <a:r>
-              <a:rPr lang="en-GB" altLang="en-US" smtClean="0"/>
-              <a:t>Java Exercises</a:t>
-            </a:r>
-          </a:p>
-          <a:p>
-            <a:r>
-              <a:rPr lang="en-GB" altLang="en-US" smtClean="0"/>
-              <a:t>Online Quizzes</a:t>
-            </a:r>
+            <a:pPr>
+              <a:defRPr/>
+            </a:pPr>
+            <a:r>
+              <a:rPr lang="en-GB" dirty="0" smtClean="0"/>
+              <a:t>The manner in which an exception is processed is an important design consideration</a:t>
+            </a:r>
+          </a:p>
+          <a:p>
+            <a:pPr>
+              <a:defRPr/>
+            </a:pPr>
+            <a:r>
+              <a:rPr lang="en-GB" dirty="0" smtClean="0"/>
+              <a:t>Advantages of Exceptions</a:t>
+            </a:r>
+          </a:p>
+          <a:p>
+            <a:pPr lvl="1">
+              <a:defRPr/>
+            </a:pPr>
+            <a:r>
+              <a:rPr lang="en-GB" dirty="0" smtClean="0"/>
+              <a:t>Separates error handling from “regular” code.</a:t>
+            </a:r>
+          </a:p>
+          <a:p>
+            <a:pPr lvl="1">
+              <a:defRPr/>
+            </a:pPr>
+            <a:r>
+              <a:rPr lang="en-GB" dirty="0" smtClean="0"/>
+              <a:t>Propagation of errors up the call stack.</a:t>
+            </a:r>
+          </a:p>
+          <a:p>
+            <a:pPr lvl="2">
+              <a:defRPr/>
+            </a:pPr>
+            <a:r>
+              <a:rPr lang="en-GB" dirty="0" smtClean="0"/>
+              <a:t>Handle error in a context</a:t>
+            </a:r>
+          </a:p>
+          <a:p>
+            <a:pPr lvl="1">
+              <a:defRPr/>
+            </a:pPr>
+            <a:r>
+              <a:rPr lang="en-GB" dirty="0" smtClean="0"/>
+              <a:t>Grouping of error type and differentiation of errors.</a:t>
+            </a:r>
+          </a:p>
+          <a:p>
+            <a:pPr lvl="2">
+              <a:defRPr/>
+            </a:pPr>
+            <a:r>
+              <a:rPr lang="en-GB" dirty="0" smtClean="0"/>
+              <a:t>Overview</a:t>
+            </a:r>
+          </a:p>
+          <a:p>
+            <a:pPr lvl="2">
+              <a:defRPr/>
+            </a:pPr>
+            <a:r>
+              <a:rPr lang="en-GB" dirty="0" smtClean="0"/>
+              <a:t>Reuse of error handling code</a:t>
+            </a:r>
+            <a:endParaRPr lang="en-GB" dirty="0"/>
           </a:p>
         </p:txBody>
       </p:sp>
@@ -8291,6 +8838,13 @@
   <p:clrMapOvr>
     <a:masterClrMapping/>
   </p:clrMapOvr>
+  <p:timing>
+    <p:tnLst>
+      <p:par>
+        <p:cTn id="1" dur="indefinite" restart="never" nodeType="tmRoot"/>
+      </p:par>
+    </p:tnLst>
+  </p:timing>
 </p:sld>
 </file>
 
@@ -8313,7 +8867,7 @@
       </p:grpSpPr>
       <p:sp>
         <p:nvSpPr>
-          <p:cNvPr id="49154" name="Title 1"/>
+          <p:cNvPr id="48130" name="Title 1"/>
           <p:cNvSpPr>
             <a:spLocks noGrp="1"/>
           </p:cNvSpPr>
@@ -8328,14 +8882,14 @@
           <a:p>
             <a:r>
               <a:rPr lang="en-GB" altLang="en-US" smtClean="0"/>
-              <a:t>Summary</a:t>
-            </a:r>
-          </a:p>
-        </p:txBody>
-      </p:sp>
-      <p:sp>
-        <p:nvSpPr>
-          <p:cNvPr id="49155" name="Content Placeholder 2"/>
+              <a:t>This Week</a:t>
+            </a:r>
+          </a:p>
+        </p:txBody>
+      </p:sp>
+      <p:sp>
+        <p:nvSpPr>
+          <p:cNvPr id="48131" name="Content Placeholder 2"/>
           <p:cNvSpPr>
             <a:spLocks noGrp="1"/>
           </p:cNvSpPr>
@@ -8350,19 +8904,25 @@
           <a:p>
             <a:r>
               <a:rPr lang="en-GB" altLang="en-US" smtClean="0"/>
-              <a:t>Overview Java Exceptions and Internal Classes</a:t>
+              <a:t>Read Associated Chapters</a:t>
             </a:r>
           </a:p>
           <a:p>
             <a:r>
               <a:rPr lang="en-GB" altLang="en-US" smtClean="0"/>
-              <a:t>Hands-On/Practical</a:t>
+              <a:t>Review Slides</a:t>
             </a:r>
           </a:p>
           <a:p>
             <a:r>
               <a:rPr lang="en-GB" altLang="en-US" smtClean="0"/>
-              <a:t>Today is about becoming comfortable/familiar with Exceptions</a:t>
+              <a:t>Java Exercises</a:t>
+            </a:r>
+          </a:p>
+          <a:p>
+            <a:r>
+              <a:rPr lang="en-GB" altLang="en-US" smtClean="0"/>
+              <a:t>Online Quizzes</a:t>
             </a:r>
           </a:p>
         </p:txBody>
@@ -8372,13 +8932,6 @@
   <p:clrMapOvr>
     <a:masterClrMapping/>
   </p:clrMapOvr>
-  <p:timing>
-    <p:tnLst>
-      <p:par>
-        <p:cTn id="1" dur="indefinite" restart="never" nodeType="tmRoot"/>
-      </p:par>
-    </p:tnLst>
-  </p:timing>
 </p:sld>
 </file>
 
@@ -8401,7 +8954,7 @@
       </p:grpSpPr>
       <p:sp>
         <p:nvSpPr>
-          <p:cNvPr id="50178" name="Title 1"/>
+          <p:cNvPr id="49154" name="Title 1"/>
           <p:cNvSpPr>
             <a:spLocks noGrp="1"/>
           </p:cNvSpPr>
@@ -8409,26 +8962,21 @@
             <p:ph type="title"/>
           </p:nvPr>
         </p:nvSpPr>
-        <p:spPr>
-          <a:xfrm>
-            <a:off x="685800" y="76200"/>
-            <a:ext cx="7772400" cy="1143000"/>
-          </a:xfrm>
-        </p:spPr>
+        <p:spPr/>
         <p:txBody>
           <a:bodyPr/>
           <a:lstStyle/>
           <a:p>
             <a:r>
               <a:rPr lang="en-GB" altLang="en-US" smtClean="0"/>
-              <a:t>Today’s Practical</a:t>
-            </a:r>
-          </a:p>
-        </p:txBody>
-      </p:sp>
-      <p:sp>
-        <p:nvSpPr>
-          <p:cNvPr id="3" name="Content Placeholder 2"/>
+              <a:t>Summary</a:t>
+            </a:r>
+          </a:p>
+        </p:txBody>
+      </p:sp>
+      <p:sp>
+        <p:nvSpPr>
+          <p:cNvPr id="49155" name="Content Placeholder 2"/>
           <p:cNvSpPr>
             <a:spLocks noGrp="1"/>
           </p:cNvSpPr>
@@ -8436,143 +8984,27 @@
             <p:ph idx="1"/>
           </p:nvPr>
         </p:nvSpPr>
-        <p:spPr>
-          <a:xfrm>
-            <a:off x="685800" y="1447800"/>
-            <a:ext cx="7772400" cy="5181600"/>
-          </a:xfrm>
-        </p:spPr>
-        <p:txBody>
-          <a:bodyPr>
-            <a:normAutofit fontScale="70000" lnSpcReduction="20000"/>
-          </a:bodyPr>
+        <p:spPr/>
+        <p:txBody>
+          <a:bodyPr/>
           <a:lstStyle/>
           <a:p>
-            <a:pPr>
-              <a:defRPr/>
-            </a:pPr>
-            <a:r>
-              <a:rPr lang="en-GB" b="1" dirty="0"/>
-              <a:t>Programming Exercises (Book): </a:t>
-            </a:r>
-          </a:p>
-          <a:p>
-            <a:pPr lvl="1">
-              <a:defRPr/>
-            </a:pPr>
-            <a:r>
-              <a:rPr lang="en-GB" b="1" dirty="0" smtClean="0"/>
-              <a:t>Chapter 12.1-12.7</a:t>
-            </a:r>
-          </a:p>
-          <a:p>
-            <a:pPr lvl="1">
-              <a:defRPr/>
-            </a:pPr>
-            <a:r>
-              <a:rPr lang="en-GB" b="1" dirty="0" smtClean="0"/>
-              <a:t>(</a:t>
-            </a:r>
-            <a:r>
-              <a:rPr lang="en-GB" b="1" dirty="0"/>
-              <a:t>Only code not UML)</a:t>
-            </a:r>
-          </a:p>
-          <a:p>
-            <a:pPr>
-              <a:defRPr/>
-            </a:pPr>
-            <a:endParaRPr lang="en-GB" dirty="0"/>
-          </a:p>
-          <a:p>
-            <a:pPr>
-              <a:defRPr/>
-            </a:pPr>
-            <a:r>
-              <a:rPr lang="en-GB" dirty="0"/>
-              <a:t>Upload single .zip file containing all your java files (only java files).</a:t>
-            </a:r>
-          </a:p>
-          <a:p>
-            <a:pPr lvl="1">
-              <a:defRPr/>
-            </a:pPr>
-            <a:r>
-              <a:rPr lang="en-GB" dirty="0">
-                <a:hlinkClick r:id="rId2"/>
-              </a:rPr>
-              <a:t>www.zjnu.xyz</a:t>
-            </a:r>
-            <a:endParaRPr lang="en-GB" dirty="0"/>
-          </a:p>
-          <a:p>
-            <a:pPr lvl="1">
-              <a:defRPr/>
-            </a:pPr>
-            <a:r>
-              <a:rPr lang="en-GB" dirty="0"/>
-              <a:t>zip file name should be your student number, e.g., 29392929.zip</a:t>
-            </a:r>
-          </a:p>
-          <a:p>
-            <a:pPr>
-              <a:defRPr/>
-            </a:pPr>
-            <a:endParaRPr lang="en-GB" dirty="0"/>
-          </a:p>
-          <a:p>
-            <a:pPr>
-              <a:defRPr/>
-            </a:pPr>
-            <a:r>
-              <a:rPr lang="en-GB" dirty="0"/>
-              <a:t>Remember to comment your code, name/student number at the top of files.</a:t>
-            </a:r>
-          </a:p>
-          <a:p>
-            <a:pPr>
-              <a:defRPr/>
-            </a:pPr>
-            <a:endParaRPr lang="en-GB" dirty="0"/>
-          </a:p>
-          <a:p>
-            <a:pPr>
-              <a:defRPr/>
-            </a:pPr>
-            <a:r>
-              <a:rPr lang="en-GB" dirty="0" smtClean="0"/>
-              <a:t>Organise your files so it’s clear to identify each exercise (e.g., file names/folders)</a:t>
-            </a:r>
-            <a:endParaRPr lang="en-GB" dirty="0"/>
-          </a:p>
-          <a:p>
-            <a:pPr lvl="1">
-              <a:defRPr/>
-            </a:pPr>
-            <a:r>
-              <a:rPr lang="en-GB" dirty="0" smtClean="0"/>
-              <a:t>ch12_1.java</a:t>
-            </a:r>
-            <a:r>
-              <a:rPr lang="en-GB" dirty="0"/>
-              <a:t>, </a:t>
-            </a:r>
-            <a:r>
-              <a:rPr lang="en-GB" dirty="0" smtClean="0"/>
-              <a:t>ch12_2.java</a:t>
-            </a:r>
-            <a:r>
-              <a:rPr lang="en-GB" dirty="0"/>
-              <a:t>, …</a:t>
-            </a:r>
-          </a:p>
-          <a:p>
-            <a:pPr marL="0" indent="0">
-              <a:buFontTx/>
-              <a:buNone/>
-              <a:defRPr/>
-            </a:pPr>
-            <a:endParaRPr lang="en-GB" dirty="0"/>
+            <a:r>
+              <a:rPr lang="en-GB" altLang="en-US" smtClean="0"/>
+              <a:t>Overview Java Exceptions and Internal Classes</a:t>
+            </a:r>
+          </a:p>
+          <a:p>
+            <a:r>
+              <a:rPr lang="en-GB" altLang="en-US" smtClean="0"/>
+              <a:t>Hands-On/Practical</a:t>
+            </a:r>
+          </a:p>
+          <a:p>
+            <a:r>
+              <a:rPr lang="en-GB" altLang="en-US" smtClean="0"/>
+              <a:t>Today is about becoming comfortable/familiar with Exceptions</a:t>
+            </a:r>
           </a:p>
         </p:txBody>
       </p:sp>
@@ -8581,6 +9013,13 @@
   <p:clrMapOvr>
     <a:masterClrMapping/>
   </p:clrMapOvr>
+  <p:timing>
+    <p:tnLst>
+      <p:par>
+        <p:cTn id="1" dur="indefinite" restart="never" nodeType="tmRoot"/>
+      </p:par>
+    </p:tnLst>
+  </p:timing>
 </p:sld>
 </file>
 
@@ -8603,6 +9042,220 @@
       </p:grpSpPr>
       <p:sp>
         <p:nvSpPr>
+          <p:cNvPr id="50178" name="Title 1"/>
+          <p:cNvSpPr>
+            <a:spLocks noGrp="1"/>
+          </p:cNvSpPr>
+          <p:nvPr>
+            <p:ph type="title"/>
+          </p:nvPr>
+        </p:nvSpPr>
+        <p:spPr>
+          <a:xfrm>
+            <a:off x="685800" y="76200"/>
+            <a:ext cx="7772400" cy="1143000"/>
+          </a:xfrm>
+        </p:spPr>
+        <p:txBody>
+          <a:bodyPr/>
+          <a:lstStyle/>
+          <a:p>
+            <a:r>
+              <a:rPr lang="en-GB" altLang="en-US" smtClean="0"/>
+              <a:t>Today’s Practical</a:t>
+            </a:r>
+          </a:p>
+        </p:txBody>
+      </p:sp>
+      <p:sp>
+        <p:nvSpPr>
+          <p:cNvPr id="3" name="Content Placeholder 2"/>
+          <p:cNvSpPr>
+            <a:spLocks noGrp="1"/>
+          </p:cNvSpPr>
+          <p:nvPr>
+            <p:ph idx="1"/>
+          </p:nvPr>
+        </p:nvSpPr>
+        <p:spPr>
+          <a:xfrm>
+            <a:off x="685800" y="1447800"/>
+            <a:ext cx="7772400" cy="5181600"/>
+          </a:xfrm>
+        </p:spPr>
+        <p:txBody>
+          <a:bodyPr>
+            <a:normAutofit fontScale="70000" lnSpcReduction="20000"/>
+          </a:bodyPr>
+          <a:lstStyle/>
+          <a:p>
+            <a:pPr>
+              <a:defRPr/>
+            </a:pPr>
+            <a:r>
+              <a:rPr lang="en-GB" b="1" dirty="0"/>
+              <a:t>Programming Exercises (Book): </a:t>
+            </a:r>
+          </a:p>
+          <a:p>
+            <a:pPr lvl="1">
+              <a:defRPr/>
+            </a:pPr>
+            <a:r>
+              <a:rPr lang="en-GB" b="1" dirty="0" smtClean="0"/>
+              <a:t>Chapter 13.1-13.5</a:t>
+            </a:r>
+          </a:p>
+          <a:p>
+            <a:pPr lvl="1">
+              <a:defRPr/>
+            </a:pPr>
+            <a:r>
+              <a:rPr lang="en-GB" b="1" dirty="0" smtClean="0"/>
+              <a:t>(</a:t>
+            </a:r>
+            <a:r>
+              <a:rPr lang="en-GB" b="1" dirty="0"/>
+              <a:t>Only code not UML)</a:t>
+            </a:r>
+          </a:p>
+          <a:p>
+            <a:pPr>
+              <a:defRPr/>
+            </a:pPr>
+            <a:endParaRPr lang="en-GB" dirty="0"/>
+          </a:p>
+          <a:p>
+            <a:pPr>
+              <a:defRPr/>
+            </a:pPr>
+            <a:r>
+              <a:rPr lang="en-GB" dirty="0"/>
+              <a:t>Upload single .zip file containing all your java files (only java files).</a:t>
+            </a:r>
+          </a:p>
+          <a:p>
+            <a:pPr lvl="1">
+              <a:defRPr/>
+            </a:pPr>
+            <a:r>
+              <a:rPr lang="en-GB" dirty="0">
+                <a:hlinkClick r:id="rId2"/>
+              </a:rPr>
+              <a:t>www.zjnu.xyz</a:t>
+            </a:r>
+            <a:endParaRPr lang="en-GB" dirty="0"/>
+          </a:p>
+          <a:p>
+            <a:pPr lvl="1">
+              <a:defRPr/>
+            </a:pPr>
+            <a:r>
+              <a:rPr lang="en-GB" dirty="0"/>
+              <a:t>zip file name should be your student number, e.g., 29392929.zip</a:t>
+            </a:r>
+          </a:p>
+          <a:p>
+            <a:pPr>
+              <a:defRPr/>
+            </a:pPr>
+            <a:endParaRPr lang="en-GB" dirty="0"/>
+          </a:p>
+          <a:p>
+            <a:pPr>
+              <a:defRPr/>
+            </a:pPr>
+            <a:r>
+              <a:rPr lang="en-GB" dirty="0"/>
+              <a:t>Remember to </a:t>
+            </a:r>
+            <a:r>
+              <a:rPr lang="en-GB" dirty="0">
+                <a:solidFill>
+                  <a:srgbClr val="FF0000"/>
+                </a:solidFill>
+              </a:rPr>
+              <a:t>comment your code</a:t>
+            </a:r>
+            <a:r>
+              <a:rPr lang="en-GB" dirty="0"/>
+              <a:t>, name/student number at the top of files.</a:t>
+            </a:r>
+          </a:p>
+          <a:p>
+            <a:pPr>
+              <a:defRPr/>
+            </a:pPr>
+            <a:endParaRPr lang="en-GB" dirty="0"/>
+          </a:p>
+          <a:p>
+            <a:pPr>
+              <a:defRPr/>
+            </a:pPr>
+            <a:r>
+              <a:rPr lang="en-GB" dirty="0" smtClean="0"/>
+              <a:t>Organise your files so it’s clear to identify each exercise (e.g., file names/folders)</a:t>
+            </a:r>
+            <a:endParaRPr lang="en-GB" dirty="0"/>
+          </a:p>
+          <a:p>
+            <a:pPr lvl="1">
+              <a:defRPr/>
+            </a:pPr>
+            <a:r>
+              <a:rPr lang="en-GB" dirty="0" smtClean="0"/>
+              <a:t>ch13_1.java</a:t>
+            </a:r>
+            <a:r>
+              <a:rPr lang="en-GB" dirty="0"/>
+              <a:t>, </a:t>
+            </a:r>
+            <a:r>
+              <a:rPr lang="en-GB" dirty="0" smtClean="0"/>
+              <a:t>ch13_2.java</a:t>
+            </a:r>
+            <a:r>
+              <a:rPr lang="en-GB" dirty="0"/>
+              <a:t>, …</a:t>
+            </a:r>
+          </a:p>
+          <a:p>
+            <a:pPr marL="0" indent="0">
+              <a:buFontTx/>
+              <a:buNone/>
+              <a:defRPr/>
+            </a:pPr>
+            <a:endParaRPr lang="en-GB" dirty="0"/>
+          </a:p>
+        </p:txBody>
+      </p:sp>
+    </p:spTree>
+  </p:cSld>
+  <p:clrMapOvr>
+    <a:masterClrMapping/>
+  </p:clrMapOvr>
+</p:sld>
+</file>
+
+<file path=ppt/slides/slide43.xml><?xml version="1.0" encoding="utf-8"?>
+<p:sld xmlns:a="http://schemas.openxmlformats.org/drawingml/2006/main" xmlns:r="http://schemas.openxmlformats.org/officeDocument/2006/relationships" xmlns:p="http://schemas.openxmlformats.org/presentationml/2006/main">
+  <p:cSld>
+    <p:spTree>
+      <p:nvGrpSpPr>
+        <p:cNvPr id="1" name=""/>
+        <p:cNvGrpSpPr/>
+        <p:nvPr/>
+      </p:nvGrpSpPr>
+      <p:grpSpPr>
+        <a:xfrm>
+          <a:off x="0" y="0"/>
+          <a:ext cx="0" cy="0"/>
+          <a:chOff x="0" y="0"/>
+          <a:chExt cx="0" cy="0"/>
+        </a:xfrm>
+      </p:grpSpPr>
+      <p:sp>
+        <p:nvSpPr>
           <p:cNvPr id="51202" name="Title 1"/>
           <p:cNvSpPr>
             <a:spLocks noGrp="1"/>
@@ -8662,6 +9315,20 @@
 <file path=ppt/slides/slide5.xml><?xml version="1.0" encoding="utf-8"?>
 <p:sld xmlns:a="http://schemas.openxmlformats.org/drawingml/2006/main" xmlns:r="http://schemas.openxmlformats.org/officeDocument/2006/relationships" xmlns:p="http://schemas.openxmlformats.org/presentationml/2006/main">
   <p:cSld>
+    <p:bg>
+      <p:bgPr>
+        <a:blipFill dpi="0" rotWithShape="1">
+          <a:blip r:embed="rId2">
+            <a:lum/>
+          </a:blip>
+          <a:srcRect/>
+          <a:stretch>
+            <a:fillRect t="-25000" b="-25000"/>
+          </a:stretch>
+        </a:blipFill>
+        <a:effectLst/>
+      </p:bgPr>
+    </p:bg>
     <p:spTree>
       <p:nvGrpSpPr>
         <p:cNvPr id="1" name=""/>
@@ -8678,47 +9345,107 @@
       </p:grpSpPr>
       <p:sp>
         <p:nvSpPr>
-          <p:cNvPr id="13314" name="Title 1"/>
-          <p:cNvSpPr>
-            <a:spLocks noGrp="1"/>
-          </p:cNvSpPr>
-          <p:nvPr>
-            <p:ph type="title"/>
-          </p:nvPr>
-        </p:nvSpPr>
-        <p:spPr/>
-        <p:txBody>
-          <a:bodyPr/>
+          <p:cNvPr id="4" name="Rectangle 3"/>
+          <p:cNvSpPr/>
+          <p:nvPr/>
+        </p:nvSpPr>
+        <p:spPr>
+          <a:xfrm>
+            <a:off x="838200" y="2514600"/>
+            <a:ext cx="7391400" cy="2123658"/>
+          </a:xfrm>
+          <a:prstGeom prst="rect">
+            <a:avLst/>
+          </a:prstGeom>
+          <a:noFill/>
+        </p:spPr>
+        <p:txBody>
+          <a:bodyPr wrap="square" lIns="91440" tIns="45720" rIns="91440" bIns="45720">
+            <a:spAutoFit/>
+          </a:bodyPr>
           <a:lstStyle/>
           <a:p>
-            <a:endParaRPr lang="en-GB" altLang="en-US" smtClean="0"/>
-          </a:p>
-        </p:txBody>
-      </p:sp>
-      <p:sp>
-        <p:nvSpPr>
-          <p:cNvPr id="13315" name="Content Placeholder 2"/>
-          <p:cNvSpPr>
-            <a:spLocks noGrp="1"/>
-          </p:cNvSpPr>
-          <p:nvPr>
-            <p:ph idx="1"/>
-          </p:nvPr>
-        </p:nvSpPr>
-        <p:spPr/>
-        <p:txBody>
-          <a:bodyPr/>
-          <a:lstStyle/>
-          <a:p>
-            <a:r>
-              <a:rPr lang="en-GB" altLang="en-US" smtClean="0"/>
-              <a:t>Why did it crash?</a:t>
-            </a:r>
-          </a:p>
-          <a:p>
-            <a:r>
-              <a:rPr lang="en-GB" altLang="en-US" smtClean="0"/>
-              <a:t>How could you have prevented it crashing?</a:t>
+            <a:pPr algn="ctr"/>
+            <a:r>
+              <a:rPr lang="en-US" sz="6600" dirty="0" smtClean="0">
+                <a:ln w="18415" cmpd="sng">
+                  <a:solidFill>
+                    <a:srgbClr val="FFFFFF"/>
+                  </a:solidFill>
+                  <a:prstDash val="solid"/>
+                </a:ln>
+                <a:solidFill>
+                  <a:srgbClr val="FFFFFF"/>
+                </a:solidFill>
+                <a:effectLst>
+                  <a:glow rad="101600">
+                    <a:schemeClr val="tx1">
+                      <a:lumMod val="65000"/>
+                      <a:alpha val="60000"/>
+                    </a:schemeClr>
+                  </a:glow>
+                  <a:outerShdw blurRad="50800" dist="38100" dir="2700000" algn="tl" rotWithShape="0">
+                    <a:prstClr val="black">
+                      <a:alpha val="40000"/>
+                    </a:prstClr>
+                  </a:outerShdw>
+                </a:effectLst>
+              </a:rPr>
+              <a:t>What happens when Software </a:t>
+            </a:r>
+            <a:r>
+              <a:rPr lang="en-US" sz="6600" dirty="0" smtClean="0">
+                <a:ln w="18415" cmpd="sng">
+                  <a:solidFill>
+                    <a:srgbClr val="FFFFFF"/>
+                  </a:solidFill>
+                  <a:prstDash val="solid"/>
+                </a:ln>
+                <a:solidFill>
+                  <a:srgbClr val="FFFFFF"/>
+                </a:solidFill>
+                <a:effectLst>
+                  <a:glow rad="101600">
+                    <a:schemeClr val="tx1">
+                      <a:lumMod val="65000"/>
+                      <a:alpha val="60000"/>
+                    </a:schemeClr>
+                  </a:glow>
+                  <a:outerShdw blurRad="50800" dist="38100" dir="2700000" algn="tl" rotWithShape="0">
+                    <a:prstClr val="black">
+                      <a:alpha val="40000"/>
+                    </a:prstClr>
+                  </a:outerShdw>
+                </a:effectLst>
+              </a:rPr>
+              <a:t>C</a:t>
+            </a:r>
+            <a:r>
+              <a:rPr lang="en-US" sz="6600" dirty="0" smtClean="0">
+                <a:ln w="18415" cmpd="sng">
+                  <a:solidFill>
+                    <a:srgbClr val="FFFFFF"/>
+                  </a:solidFill>
+                  <a:prstDash val="solid"/>
+                </a:ln>
+                <a:solidFill>
+                  <a:srgbClr val="FFFFFF"/>
+                </a:solidFill>
+                <a:effectLst>
+                  <a:glow rad="101600">
+                    <a:schemeClr val="tx1">
+                      <a:lumMod val="65000"/>
+                      <a:alpha val="60000"/>
+                    </a:schemeClr>
+                  </a:glow>
+                  <a:outerShdw blurRad="50800" dist="38100" dir="2700000" algn="tl" rotWithShape="0">
+                    <a:prstClr val="black">
+                      <a:alpha val="40000"/>
+                    </a:prstClr>
+                  </a:outerShdw>
+                </a:effectLst>
+              </a:rPr>
+              <a:t>rashes?</a:t>
             </a:r>
           </a:p>
         </p:txBody>
@@ -8728,6 +9455,13 @@
   <p:clrMapOvr>
     <a:masterClrMapping/>
   </p:clrMapOvr>
+  <p:timing>
+    <p:tnLst>
+      <p:par>
+        <p:cTn id="1" dur="indefinite" restart="never" nodeType="tmRoot"/>
+      </p:par>
+    </p:tnLst>
+  </p:timing>
 </p:sld>
 </file>
 
@@ -8750,7 +9484,7 @@
       </p:grpSpPr>
       <p:sp>
         <p:nvSpPr>
-          <p:cNvPr id="14338" name="Title 1"/>
+          <p:cNvPr id="13314" name="Title 1"/>
           <p:cNvSpPr>
             <a:spLocks noGrp="1"/>
           </p:cNvSpPr>
@@ -8764,15 +9498,15 @@
           <a:lstStyle/>
           <a:p>
             <a:r>
-              <a:rPr lang="en-GB" altLang="en-US" smtClean="0"/>
-              <a:t>Exception Handling</a:t>
-            </a:r>
-          </a:p>
-        </p:txBody>
-      </p:sp>
-      <p:sp>
-        <p:nvSpPr>
-          <p:cNvPr id="3" name="Content Placeholder 2"/>
+              <a:rPr lang="en-GB" altLang="en-US" dirty="0" smtClean="0"/>
+              <a:t>Software Reliability</a:t>
+            </a:r>
+          </a:p>
+        </p:txBody>
+      </p:sp>
+      <p:sp>
+        <p:nvSpPr>
+          <p:cNvPr id="13315" name="Content Placeholder 2"/>
           <p:cNvSpPr>
             <a:spLocks noGrp="1"/>
           </p:cNvSpPr>
@@ -8780,98 +9514,68 @@
             <p:ph idx="1"/>
           </p:nvPr>
         </p:nvSpPr>
-        <p:spPr>
-          <a:xfrm>
-            <a:off x="685800" y="1981200"/>
-            <a:ext cx="7772400" cy="4343400"/>
-          </a:xfrm>
-        </p:spPr>
-        <p:txBody>
-          <a:bodyPr>
-            <a:normAutofit fontScale="92500" lnSpcReduction="10000"/>
-          </a:bodyPr>
+        <p:spPr/>
+        <p:txBody>
+          <a:bodyPr/>
           <a:lstStyle/>
           <a:p>
-            <a:pPr>
-              <a:defRPr/>
-            </a:pPr>
-            <a:r>
-              <a:rPr lang="en-GB" dirty="0" smtClean="0"/>
-              <a:t>Error handling in general</a:t>
-            </a:r>
-          </a:p>
-          <a:p>
-            <a:pPr>
-              <a:defRPr/>
-            </a:pPr>
-            <a:r>
-              <a:rPr lang="en-GB" dirty="0" smtClean="0"/>
-              <a:t>Java's exception handling mechanism</a:t>
-            </a:r>
-          </a:p>
-          <a:p>
-            <a:pPr>
-              <a:defRPr/>
-            </a:pPr>
-            <a:r>
-              <a:rPr lang="en-GB" dirty="0" smtClean="0"/>
-              <a:t>The catch-or-specify principle</a:t>
-            </a:r>
-          </a:p>
-          <a:p>
-            <a:pPr>
-              <a:defRPr/>
-            </a:pPr>
-            <a:r>
-              <a:rPr lang="en-GB" dirty="0" smtClean="0"/>
-              <a:t>Checked and unchecked exceptions</a:t>
-            </a:r>
-          </a:p>
-          <a:p>
-            <a:pPr>
-              <a:defRPr/>
-            </a:pPr>
-            <a:r>
-              <a:rPr lang="en-GB" dirty="0" smtClean="0"/>
-              <a:t>Exceptions impact/usage</a:t>
-            </a:r>
-          </a:p>
-          <a:p>
-            <a:pPr lvl="1">
-              <a:defRPr/>
-            </a:pPr>
-            <a:r>
-              <a:rPr lang="en-GB" dirty="0" smtClean="0"/>
-              <a:t>Overloaded methods</a:t>
-            </a:r>
-          </a:p>
-          <a:p>
-            <a:pPr lvl="1">
-              <a:defRPr/>
-            </a:pPr>
-            <a:r>
-              <a:rPr lang="en-GB" dirty="0" smtClean="0"/>
-              <a:t>Interfaces</a:t>
-            </a:r>
-          </a:p>
-          <a:p>
-            <a:pPr lvl="1">
-              <a:defRPr/>
-            </a:pPr>
-            <a:r>
-              <a:rPr lang="en-GB" dirty="0" smtClean="0"/>
-              <a:t>Inheritance hierarchies</a:t>
-            </a:r>
-          </a:p>
-          <a:p>
-            <a:pPr lvl="1">
-              <a:defRPr/>
-            </a:pPr>
-            <a:r>
-              <a:rPr lang="en-GB" dirty="0" smtClean="0"/>
-              <a:t>Constructors</a:t>
-            </a:r>
-            <a:endParaRPr lang="en-GB" dirty="0"/>
+            <a:r>
+              <a:rPr lang="en-GB" altLang="en-US" dirty="0" smtClean="0"/>
+              <a:t>Why did it </a:t>
+            </a:r>
+            <a:r>
+              <a:rPr lang="en-GB" altLang="en-US" b="1" dirty="0" smtClean="0">
+                <a:solidFill>
+                  <a:srgbClr val="FF0000"/>
+                </a:solidFill>
+              </a:rPr>
+              <a:t>crash</a:t>
+            </a:r>
+            <a:r>
+              <a:rPr lang="en-GB" altLang="en-US" dirty="0" smtClean="0"/>
+              <a:t>?</a:t>
+            </a:r>
+          </a:p>
+          <a:p>
+            <a:r>
+              <a:rPr lang="en-GB" altLang="en-US" dirty="0" smtClean="0"/>
+              <a:t>How could you have </a:t>
+            </a:r>
+            <a:r>
+              <a:rPr lang="en-GB" altLang="en-US" b="1" dirty="0" smtClean="0">
+                <a:solidFill>
+                  <a:srgbClr val="FF0000"/>
+                </a:solidFill>
+              </a:rPr>
+              <a:t>prevented</a:t>
+            </a:r>
+            <a:r>
+              <a:rPr lang="en-GB" altLang="en-US" dirty="0" smtClean="0"/>
+              <a:t> </a:t>
+            </a:r>
+            <a:r>
+              <a:rPr lang="en-GB" altLang="en-US" dirty="0" smtClean="0"/>
+              <a:t>the program from</a:t>
+            </a:r>
+            <a:r>
+              <a:rPr lang="en-GB" altLang="en-US" dirty="0" smtClean="0"/>
+              <a:t> </a:t>
+            </a:r>
+            <a:r>
+              <a:rPr lang="en-GB" altLang="en-US" dirty="0" smtClean="0"/>
+              <a:t>crashing</a:t>
+            </a:r>
+            <a:r>
+              <a:rPr lang="en-GB" altLang="en-US" dirty="0" smtClean="0"/>
+              <a:t>?</a:t>
+            </a:r>
+          </a:p>
+          <a:p>
+            <a:r>
+              <a:rPr lang="en-GB" altLang="en-US" dirty="0" smtClean="0"/>
+              <a:t>Who’s fault was it?</a:t>
+            </a:r>
+            <a:endParaRPr lang="en-GB" altLang="en-US" dirty="0" smtClean="0"/>
           </a:p>
         </p:txBody>
       </p:sp>
@@ -8880,6 +9584,13 @@
   <p:clrMapOvr>
     <a:masterClrMapping/>
   </p:clrMapOvr>
+  <p:timing>
+    <p:tnLst>
+      <p:par>
+        <p:cTn id="1" dur="indefinite" restart="never" nodeType="tmRoot"/>
+      </p:par>
+    </p:tnLst>
+  </p:timing>
 </p:sld>
 </file>
 
@@ -8902,7 +9613,7 @@
       </p:grpSpPr>
       <p:sp>
         <p:nvSpPr>
-          <p:cNvPr id="15362" name="Title 1"/>
+          <p:cNvPr id="14338" name="Title 1"/>
           <p:cNvSpPr>
             <a:spLocks noGrp="1"/>
           </p:cNvSpPr>
@@ -8917,14 +9628,14 @@
           <a:p>
             <a:r>
               <a:rPr lang="en-GB" altLang="en-US" smtClean="0"/>
-              <a:t>Error Handling</a:t>
-            </a:r>
-          </a:p>
-        </p:txBody>
-      </p:sp>
-      <p:sp>
-        <p:nvSpPr>
-          <p:cNvPr id="11267" name="Content Placeholder 2"/>
+              <a:t>Exception Handling</a:t>
+            </a:r>
+          </a:p>
+        </p:txBody>
+      </p:sp>
+      <p:sp>
+        <p:nvSpPr>
+          <p:cNvPr id="3" name="Content Placeholder 2"/>
           <p:cNvSpPr>
             <a:spLocks noGrp="1"/>
           </p:cNvSpPr>
@@ -8935,12 +9646,12 @@
         <p:spPr>
           <a:xfrm>
             <a:off x="685800" y="1981200"/>
-            <a:ext cx="7772400" cy="4191000"/>
+            <a:ext cx="7772400" cy="4343400"/>
           </a:xfrm>
         </p:spPr>
         <p:txBody>
           <a:bodyPr>
-            <a:normAutofit fontScale="85000" lnSpcReduction="20000"/>
+            <a:normAutofit fontScale="92500" lnSpcReduction="10000"/>
           </a:bodyPr>
           <a:lstStyle/>
           <a:p>
@@ -8948,8 +9659,8 @@
               <a:defRPr/>
             </a:pPr>
             <a:r>
-              <a:rPr lang="en-GB" altLang="en-US" dirty="0" smtClean="0"/>
-              <a:t>Not all errors can be caught at compile time!</a:t>
+              <a:rPr lang="en-GB" dirty="0" smtClean="0"/>
+              <a:t>Error handling in general</a:t>
             </a:r>
           </a:p>
           <a:p>
@@ -8957,8 +9668,8 @@
               <a:defRPr/>
             </a:pPr>
             <a:r>
-              <a:rPr lang="en-GB" altLang="en-US" dirty="0" smtClean="0"/>
-              <a:t>Help -- run-time error! What next …?</a:t>
+              <a:rPr lang="en-GB" dirty="0" smtClean="0"/>
+              <a:t>Java's exception handling mechanism</a:t>
             </a:r>
           </a:p>
           <a:p>
@@ -8966,8 +9677,26 @@
               <a:defRPr/>
             </a:pPr>
             <a:r>
-              <a:rPr lang="en-GB" altLang="en-US" dirty="0" smtClean="0"/>
-              <a:t>First ideas:</a:t>
+              <a:rPr lang="en-GB" dirty="0" smtClean="0"/>
+              <a:t>The catch-or-specify principle</a:t>
+            </a:r>
+          </a:p>
+          <a:p>
+            <a:pPr>
+              <a:defRPr/>
+            </a:pPr>
+            <a:r>
+              <a:rPr lang="en-GB" dirty="0" smtClean="0"/>
+              <a:t>Checked and unchecked exceptions</a:t>
+            </a:r>
+          </a:p>
+          <a:p>
+            <a:pPr>
+              <a:defRPr/>
+            </a:pPr>
+            <a:r>
+              <a:rPr lang="en-GB" dirty="0" smtClean="0"/>
+              <a:t>Exceptions impact/usage</a:t>
             </a:r>
           </a:p>
           <a:p>
@@ -8975,12 +9704,8 @@
               <a:defRPr/>
             </a:pPr>
             <a:r>
-              <a:rPr lang="en-GB" altLang="en-US" dirty="0" err="1" smtClean="0"/>
-              <a:t>System.out.println</a:t>
-            </a:r>
-            <a:r>
-              <a:rPr lang="en-GB" altLang="en-US" dirty="0" smtClean="0"/>
-              <a:t>()</a:t>
+              <a:rPr lang="en-GB" dirty="0" smtClean="0"/>
+              <a:t>Overloaded methods</a:t>
             </a:r>
           </a:p>
           <a:p>
@@ -8988,40 +9713,28 @@
               <a:defRPr/>
             </a:pPr>
             <a:r>
-              <a:rPr lang="en-GB" altLang="en-US" dirty="0" err="1" smtClean="0"/>
-              <a:t>System.err.println</a:t>
-            </a:r>
-            <a:r>
-              <a:rPr lang="en-GB" altLang="en-US" dirty="0" smtClean="0"/>
-              <a:t>() (much better than the previous)</a:t>
-            </a:r>
-          </a:p>
-          <a:p>
-            <a:pPr>
-              <a:defRPr/>
-            </a:pPr>
-            <a:r>
-              <a:rPr lang="en-GB" altLang="en-US" dirty="0" smtClean="0"/>
-              <a:t>Good guess but some errors call for corrective action, not just warning</a:t>
-            </a:r>
-          </a:p>
-          <a:p>
-            <a:pPr>
-              <a:defRPr/>
-            </a:pPr>
-            <a:r>
-              <a:rPr lang="en-GB" altLang="en-US" dirty="0" smtClean="0"/>
-              <a:t>In general, printing is a bad idea!</a:t>
-            </a:r>
-          </a:p>
-          <a:p>
-            <a:pPr>
-              <a:defRPr/>
-            </a:pPr>
-            <a:r>
-              <a:rPr lang="en-GB" altLang="en-US" dirty="0" smtClean="0"/>
-              <a:t>Better: tell someone (not necessarily the user)!</a:t>
-            </a:r>
+              <a:rPr lang="en-GB" dirty="0" smtClean="0"/>
+              <a:t>Interfaces</a:t>
+            </a:r>
+          </a:p>
+          <a:p>
+            <a:pPr lvl="1">
+              <a:defRPr/>
+            </a:pPr>
+            <a:r>
+              <a:rPr lang="en-GB" dirty="0" smtClean="0"/>
+              <a:t>Inheritance hierarchies</a:t>
+            </a:r>
+          </a:p>
+          <a:p>
+            <a:pPr lvl="1">
+              <a:defRPr/>
+            </a:pPr>
+            <a:r>
+              <a:rPr lang="en-GB" dirty="0" smtClean="0"/>
+              <a:t>Constructors</a:t>
+            </a:r>
+            <a:endParaRPr lang="en-GB" dirty="0"/>
           </a:p>
         </p:txBody>
       </p:sp>
@@ -9030,6 +9743,13 @@
   <p:clrMapOvr>
     <a:masterClrMapping/>
   </p:clrMapOvr>
+  <p:timing>
+    <p:tnLst>
+      <p:par>
+        <p:cTn id="1" dur="indefinite" restart="never" nodeType="tmRoot"/>
+      </p:par>
+    </p:tnLst>
+  </p:timing>
 </p:sld>
 </file>
 
@@ -9052,7 +9772,7 @@
       </p:grpSpPr>
       <p:sp>
         <p:nvSpPr>
-          <p:cNvPr id="16386" name="Title 1"/>
+          <p:cNvPr id="15362" name="Title 1"/>
           <p:cNvSpPr>
             <a:spLocks noGrp="1"/>
           </p:cNvSpPr>
@@ -9067,14 +9787,14 @@
           <a:p>
             <a:r>
               <a:rPr lang="en-GB" altLang="en-US" smtClean="0"/>
-              <a:t>Error Handling, cont.</a:t>
-            </a:r>
-          </a:p>
-        </p:txBody>
-      </p:sp>
-      <p:sp>
-        <p:nvSpPr>
-          <p:cNvPr id="3" name="Content Placeholder 2"/>
+              <a:t>Error Handling</a:t>
+            </a:r>
+          </a:p>
+        </p:txBody>
+      </p:sp>
+      <p:sp>
+        <p:nvSpPr>
+          <p:cNvPr id="11267" name="Content Placeholder 2"/>
           <p:cNvSpPr>
             <a:spLocks noGrp="1"/>
           </p:cNvSpPr>
@@ -9090,7 +9810,7 @@
         </p:spPr>
         <p:txBody>
           <a:bodyPr>
-            <a:normAutofit fontScale="92500" lnSpcReduction="20000"/>
+            <a:normAutofit fontScale="85000" lnSpcReduction="20000"/>
           </a:bodyPr>
           <a:lstStyle/>
           <a:p>
@@ -9098,8 +9818,30 @@
               <a:defRPr/>
             </a:pPr>
             <a:r>
-              <a:rPr lang="en-GB" dirty="0" smtClean="0"/>
-              <a:t>Establish return code convention</a:t>
+              <a:rPr lang="en-GB" altLang="en-US" dirty="0" smtClean="0"/>
+              <a:t>Not all errors can be caught at compile time!</a:t>
+            </a:r>
+          </a:p>
+          <a:p>
+            <a:pPr>
+              <a:defRPr/>
+            </a:pPr>
+            <a:r>
+              <a:rPr lang="en-GB" altLang="en-US" dirty="0" smtClean="0"/>
+              <a:t>Help -- run-time error! What next …?</a:t>
+            </a:r>
+          </a:p>
+          <a:p>
+            <a:pPr>
+              <a:defRPr/>
+            </a:pPr>
+            <a:r>
+              <a:rPr lang="en-GB" altLang="en-US" b="1" dirty="0" smtClean="0">
+                <a:solidFill>
+                  <a:srgbClr val="FF0000"/>
+                </a:solidFill>
+              </a:rPr>
+              <a:t>First ideas:</a:t>
             </a:r>
           </a:p>
           <a:p>
@@ -9107,8 +9849,12 @@
               <a:defRPr/>
             </a:pPr>
             <a:r>
-              <a:rPr lang="en-GB" dirty="0" smtClean="0"/>
-              <a:t>0 vs. !0 in C/C++</a:t>
+              <a:rPr lang="en-GB" altLang="en-US" dirty="0" err="1" smtClean="0"/>
+              <a:t>System.out.println</a:t>
+            </a:r>
+            <a:r>
+              <a:rPr lang="en-GB" altLang="en-US" dirty="0" smtClean="0"/>
+              <a:t>()</a:t>
             </a:r>
           </a:p>
           <a:p>
@@ -9116,12 +9862,12 @@
               <a:defRPr/>
             </a:pPr>
             <a:r>
-              <a:rPr lang="en-GB" dirty="0" err="1" smtClean="0"/>
-              <a:t>boolean</a:t>
-            </a:r>
-            <a:r>
-              <a:rPr lang="en-GB" dirty="0" smtClean="0"/>
-              <a:t> in Java</a:t>
+              <a:rPr lang="en-GB" altLang="en-US" dirty="0" err="1" smtClean="0"/>
+              <a:t>System.err.println</a:t>
+            </a:r>
+            <a:r>
+              <a:rPr lang="en-GB" altLang="en-US" dirty="0" smtClean="0"/>
+              <a:t>() (much better than the previous)</a:t>
             </a:r>
           </a:p>
           <a:p>
@@ -9129,26 +9875,8 @@
               <a:defRPr/>
             </a:pPr>
             <a:r>
-              <a:rPr lang="en-GB" dirty="0" smtClean="0"/>
-              <a:t>Set value of a global variable</a:t>
-            </a:r>
-          </a:p>
-          <a:p>
-            <a:pPr lvl="1">
-              <a:defRPr/>
-            </a:pPr>
-            <a:r>
-              <a:rPr lang="en-GB" dirty="0" smtClean="0"/>
-              <a:t>Done in many shells.</a:t>
-            </a:r>
-          </a:p>
-          <a:p>
-            <a:pPr lvl="1">
-              <a:defRPr/>
-            </a:pPr>
-            <a:r>
-              <a:rPr lang="en-GB" dirty="0" smtClean="0"/>
-              <a:t>In Java use a public static field in a class.</a:t>
+              <a:rPr lang="en-GB" altLang="en-US" dirty="0" smtClean="0"/>
+              <a:t>Good guess but some errors call for corrective action, not just warning</a:t>
             </a:r>
           </a:p>
           <a:p>
@@ -9156,28 +9884,18 @@
               <a:defRPr/>
             </a:pPr>
             <a:r>
-              <a:rPr lang="en-GB" dirty="0" smtClean="0"/>
-              <a:t>Raise an exception, catch it, and act</a:t>
-            </a:r>
-          </a:p>
-          <a:p>
-            <a:pPr lvl="1">
-              <a:defRPr/>
-            </a:pPr>
-            <a:r>
-              <a:rPr lang="en-GB" dirty="0" smtClean="0"/>
-              <a:t>The idea comes from hardware.</a:t>
-            </a:r>
-          </a:p>
-          <a:p>
-            <a:pPr lvl="1">
-              <a:defRPr/>
-            </a:pPr>
-            <a:r>
-              <a:rPr lang="en-GB" dirty="0" smtClean="0"/>
-              <a:t>Modern language support (Java, Python, Lisp, Ada, C++, C#)</a:t>
-            </a:r>
-            <a:endParaRPr lang="en-GB" dirty="0"/>
+              <a:rPr lang="en-GB" altLang="en-US" dirty="0" smtClean="0"/>
+              <a:t>In general, printing is a bad idea!</a:t>
+            </a:r>
+          </a:p>
+          <a:p>
+            <a:pPr>
+              <a:defRPr/>
+            </a:pPr>
+            <a:r>
+              <a:rPr lang="en-GB" altLang="en-US" dirty="0" smtClean="0"/>
+              <a:t>Better: tell someone (not necessarily the user)!</a:t>
+            </a:r>
           </a:p>
         </p:txBody>
       </p:sp>
@@ -9208,7 +9926,7 @@
       </p:grpSpPr>
       <p:sp>
         <p:nvSpPr>
-          <p:cNvPr id="17410" name="Title 1"/>
+          <p:cNvPr id="16386" name="Title 1"/>
           <p:cNvSpPr>
             <a:spLocks noGrp="1"/>
           </p:cNvSpPr>
@@ -9216,19 +9934,14 @@
             <p:ph type="title"/>
           </p:nvPr>
         </p:nvSpPr>
-        <p:spPr>
-          <a:xfrm>
-            <a:off x="685800" y="76200"/>
-            <a:ext cx="7772400" cy="1143000"/>
-          </a:xfrm>
-        </p:spPr>
+        <p:spPr/>
         <p:txBody>
           <a:bodyPr/>
           <a:lstStyle/>
           <a:p>
             <a:r>
               <a:rPr lang="en-GB" altLang="en-US" smtClean="0"/>
-              <a:t>General Errors and Error Handling</a:t>
+              <a:t>Error Handling, cont.</a:t>
             </a:r>
           </a:p>
         </p:txBody>
@@ -9245,13 +9958,13 @@
         </p:nvSpPr>
         <p:spPr>
           <a:xfrm>
-            <a:off x="685800" y="1524000"/>
-            <a:ext cx="7924800" cy="5105400"/>
+            <a:off x="685800" y="1981200"/>
+            <a:ext cx="7772400" cy="4191000"/>
           </a:xfrm>
         </p:spPr>
         <p:txBody>
           <a:bodyPr>
-            <a:normAutofit fontScale="85000" lnSpcReduction="20000"/>
+            <a:normAutofit fontScale="92500" lnSpcReduction="20000"/>
           </a:bodyPr>
           <a:lstStyle/>
           <a:p>
@@ -9259,14 +9972,17 @@
               <a:defRPr/>
             </a:pPr>
             <a:r>
-              <a:rPr lang="en-GB" dirty="0"/>
-              <a:t>Error must be handled where the </a:t>
-            </a:r>
-            <a:r>
-              <a:rPr lang="en-GB" dirty="0" smtClean="0"/>
-              <a:t>occur</a:t>
-            </a:r>
-            <a:endParaRPr lang="en-GB" dirty="0"/>
+              <a:rPr lang="en-GB" dirty="0" smtClean="0"/>
+              <a:t>Establish </a:t>
+            </a:r>
+            <a:r>
+              <a:rPr lang="en-GB" b="1" dirty="0" smtClean="0">
+                <a:solidFill>
+                  <a:srgbClr val="FF0000"/>
+                </a:solidFill>
+              </a:rPr>
+              <a:t>return code convention</a:t>
+            </a:r>
           </a:p>
           <a:p>
             <a:pPr lvl="1">
@@ -9274,59 +9990,21 @@
             </a:pPr>
             <a:r>
               <a:rPr lang="en-GB" dirty="0" smtClean="0"/>
-              <a:t>One </a:t>
-            </a:r>
-            <a:r>
-              <a:rPr lang="en-GB" dirty="0"/>
-              <a:t>error in a method can be handled very differently </a:t>
-            </a:r>
-            <a:r>
-              <a:rPr lang="en-GB" dirty="0" smtClean="0"/>
-              <a:t>in the </a:t>
-            </a:r>
-            <a:r>
-              <a:rPr lang="en-GB" dirty="0"/>
-              <a:t>clients, </a:t>
-            </a:r>
-            <a:r>
-              <a:rPr lang="en-GB" dirty="0" smtClean="0"/>
-              <a:t>this is </a:t>
-            </a:r>
-            <a:r>
-              <a:rPr lang="en-GB" dirty="0"/>
-              <a:t>not a </a:t>
-            </a:r>
-            <a:r>
-              <a:rPr lang="en-GB" dirty="0" smtClean="0"/>
-              <a:t>good approach</a:t>
-            </a:r>
-            <a:r>
-              <a:rPr lang="en-GB" dirty="0"/>
-              <a:t>. Repeating handling of the same </a:t>
-            </a:r>
-            <a:r>
-              <a:rPr lang="en-GB" dirty="0" smtClean="0"/>
-              <a:t>error</a:t>
-            </a:r>
-            <a:endParaRPr lang="en-GB" dirty="0"/>
+              <a:t>0 vs. !0 in C/C++</a:t>
+            </a:r>
           </a:p>
           <a:p>
             <a:pPr lvl="1">
               <a:defRPr/>
             </a:pPr>
             <a:r>
-              <a:rPr lang="en-GB" dirty="0" smtClean="0"/>
-              <a:t>Can </a:t>
-            </a:r>
-            <a:r>
-              <a:rPr lang="en-GB" dirty="0"/>
-              <a:t>be extremely hard to </a:t>
-            </a:r>
-            <a:r>
-              <a:rPr lang="en-GB" dirty="0" smtClean="0"/>
-              <a:t>debug</a:t>
-            </a:r>
-            <a:endParaRPr lang="en-GB" dirty="0"/>
+              <a:rPr lang="en-GB" dirty="0" err="1" smtClean="0"/>
+              <a:t>boolean</a:t>
+            </a:r>
+            <a:r>
+              <a:rPr lang="en-GB" dirty="0" smtClean="0"/>
+              <a:t> in Java</a:t>
+            </a:r>
           </a:p>
           <a:p>
             <a:pPr>
@@ -9334,25 +10012,8 @@
             </a:pPr>
             <a:r>
               <a:rPr lang="en-GB" dirty="0" smtClean="0"/>
-              <a:t>To </a:t>
-            </a:r>
-            <a:r>
-              <a:rPr lang="en-GB" dirty="0"/>
-              <a:t>handle an error detailed information on the error must </a:t>
-            </a:r>
-            <a:r>
-              <a:rPr lang="en-GB" dirty="0" smtClean="0"/>
-              <a:t>be</a:t>
-            </a:r>
-            <a:r>
-              <a:rPr lang="en-GB" dirty="0"/>
-              <a:t> </a:t>
-            </a:r>
-            <a:r>
-              <a:rPr lang="en-GB" dirty="0" smtClean="0"/>
-              <a:t>provided</a:t>
-            </a:r>
-            <a:endParaRPr lang="en-GB" dirty="0"/>
+              <a:t>Set value of a global variable</a:t>
+            </a:r>
           </a:p>
           <a:p>
             <a:pPr lvl="1">
@@ -9360,17 +10021,8 @@
             </a:pPr>
             <a:r>
               <a:rPr lang="en-GB" dirty="0" smtClean="0"/>
-              <a:t>Where </a:t>
-            </a:r>
-            <a:r>
-              <a:rPr lang="en-GB" dirty="0"/>
-              <a:t>did the error occur (class, method, line </a:t>
-            </a:r>
-            <a:r>
-              <a:rPr lang="en-GB" dirty="0" smtClean="0"/>
-              <a:t>number)</a:t>
-            </a:r>
-            <a:endParaRPr lang="en-GB" dirty="0"/>
+              <a:t>Done in many shells.</a:t>
+            </a:r>
           </a:p>
           <a:p>
             <a:pPr lvl="1">
@@ -9378,17 +10030,17 @@
             </a:pPr>
             <a:r>
               <a:rPr lang="en-GB" dirty="0" smtClean="0"/>
-              <a:t>What </a:t>
-            </a:r>
-            <a:r>
-              <a:rPr lang="en-GB" dirty="0"/>
-              <a:t>type of </a:t>
-            </a:r>
-            <a:r>
-              <a:rPr lang="en-GB" dirty="0" smtClean="0"/>
-              <a:t>error</a:t>
-            </a:r>
-            <a:endParaRPr lang="en-GB" dirty="0"/>
+              <a:t>In Java use a public static field in a class</a:t>
+            </a:r>
+          </a:p>
+          <a:p>
+            <a:pPr>
+              <a:defRPr/>
+            </a:pPr>
+            <a:r>
+              <a:rPr lang="en-GB" dirty="0" smtClean="0"/>
+              <a:t>Raise an exception, catch it, and act</a:t>
+            </a:r>
           </a:p>
           <a:p>
             <a:pPr lvl="1">
@@ -9396,17 +10048,8 @@
             </a:pPr>
             <a:r>
               <a:rPr lang="en-GB" dirty="0" smtClean="0"/>
-              <a:t>A </a:t>
-            </a:r>
-            <a:r>
-              <a:rPr lang="en-GB" dirty="0"/>
-              <a:t>good error </a:t>
-            </a:r>
-            <a:r>
-              <a:rPr lang="en-GB" dirty="0" smtClean="0"/>
-              <a:t>message</a:t>
-            </a:r>
-            <a:endParaRPr lang="en-GB" dirty="0"/>
+              <a:t>The idea comes from hardware</a:t>
+            </a:r>
           </a:p>
           <a:p>
             <a:pPr lvl="1">
@@ -9414,33 +10057,7 @@
             </a:pPr>
             <a:r>
               <a:rPr lang="en-GB" dirty="0" smtClean="0"/>
-              <a:t>Dump </a:t>
-            </a:r>
-            <a:r>
-              <a:rPr lang="en-GB" dirty="0"/>
-              <a:t>of runtime stack? (too much information</a:t>
-            </a:r>
-            <a:r>
-              <a:rPr lang="en-GB" dirty="0" smtClean="0"/>
-              <a:t>?)</a:t>
-            </a:r>
-            <a:endParaRPr lang="en-GB" dirty="0"/>
-          </a:p>
-          <a:p>
-            <a:pPr>
-              <a:defRPr/>
-            </a:pPr>
-            <a:r>
-              <a:rPr lang="en-GB" dirty="0" smtClean="0"/>
-              <a:t>In </a:t>
-            </a:r>
-            <a:r>
-              <a:rPr lang="en-GB" dirty="0"/>
-              <a:t>object-oriented languages errors are represented by </a:t>
-            </a:r>
-            <a:r>
-              <a:rPr lang="en-GB" dirty="0" smtClean="0"/>
-              <a:t>objects</a:t>
+              <a:t>Modern language support (Java, Python, Lisp, Ada, C++, C#)</a:t>
             </a:r>
             <a:endParaRPr lang="en-GB" dirty="0"/>
           </a:p>
@@ -9937,7 +10554,7 @@
   </a:extraClrSchemeLst>
   <a:extLst>
     <a:ext uri="{05A4C25C-085E-4340-85A3-A5531E510DB2}">
-      <thm15:themeFamily xmlns:thm15="http://schemas.microsoft.com/office/thememl/2012/main" name="Office Theme" id="{62F939B6-93AF-4DB8-9C6B-D6C7DFDC589F}" vid="{4A3C46E8-61CC-4603-A589-7422A47A8E4A}"/>
+      <thm15:themeFamily xmlns="" xmlns:thm15="http://schemas.microsoft.com/office/thememl/2012/main" name="Office Theme" id="{62F939B6-93AF-4DB8-9C6B-D6C7DFDC589F}" vid="{4A3C46E8-61CC-4603-A589-7422A47A8E4A}"/>
     </a:ext>
   </a:extLst>
 </a:theme>
@@ -9986,7 +10603,7 @@
     </a:clrScheme>
     <a:fontScheme name="Office">
       <a:majorFont>
-        <a:latin typeface="Calibri Light" panose="020F0302020204030204"/>
+        <a:latin typeface="Calibri Light"/>
         <a:ea typeface=""/>
         <a:cs typeface=""/>
         <a:font script="Jpan" typeface="ＭＳ Ｐゴシック"/>
@@ -10021,7 +10638,7 @@
         <a:font script="Geor" typeface="Sylfaen"/>
       </a:majorFont>
       <a:minorFont>
-        <a:latin typeface="Calibri" panose="020F0502020204030204"/>
+        <a:latin typeface="Calibri"/>
         <a:ea typeface=""/>
         <a:cs typeface=""/>
         <a:font script="Jpan" typeface="ＭＳ Ｐゴシック"/>
@@ -10198,7 +10815,7 @@
   <a:extraClrSchemeLst/>
   <a:extLst>
     <a:ext uri="{05A4C25C-085E-4340-85A3-A5531E510DB2}">
-      <thm15:themeFamily xmlns:thm15="http://schemas.microsoft.com/office/thememl/2012/main" name="Office Theme" id="{62F939B6-93AF-4DB8-9C6B-D6C7DFDC589F}" vid="{4A3C46E8-61CC-4603-A589-7422A47A8E4A}"/>
+      <thm15:themeFamily xmlns="" xmlns:thm15="http://schemas.microsoft.com/office/thememl/2012/main" name="Office Theme" id="{62F939B6-93AF-4DB8-9C6B-D6C7DFDC589F}" vid="{4A3C46E8-61CC-4603-A589-7422A47A8E4A}"/>
     </a:ext>
   </a:extLst>
 </a:theme>

--- a/OOP/lectures/060--Internal.Classes.and.Exceptions.pptx
+++ b/OOP/lectures/060--Internal.Classes.and.Exceptions.pptx
@@ -181,7 +181,7 @@
   </p:defaultTextStyle>
   <p:extLst>
     <p:ext uri="{EFAFB233-063F-42B5-8137-9DF3F51BA10A}">
-      <p15:sldGuideLst xmlns="" xmlns:p15="http://schemas.microsoft.com/office/powerpoint/2012/main">
+      <p15:sldGuideLst xmlns:p15="http://schemas.microsoft.com/office/powerpoint/2012/main">
         <p15:guide id="1" orient="horz" pos="2160">
           <p15:clr>
             <a:srgbClr val="A4A3A4"/>
@@ -248,14 +248,14 @@
           <a:effectLst/>
           <a:extLst>
             <a:ext uri="{909E8E84-426E-40DD-AFC4-6F175D3DCCD1}">
-              <a14:hiddenFill xmlns="" xmlns:a14="http://schemas.microsoft.com/office/drawing/2010/main">
+              <a14:hiddenFill xmlns:a14="http://schemas.microsoft.com/office/drawing/2010/main">
                 <a:solidFill>
                   <a:schemeClr val="accent1"/>
                 </a:solidFill>
               </a14:hiddenFill>
             </a:ext>
             <a:ext uri="{91240B29-F687-4F45-9708-019B960494DF}">
-              <a14:hiddenLine xmlns="" xmlns:a14="http://schemas.microsoft.com/office/drawing/2010/main" w="9525">
+              <a14:hiddenLine xmlns:a14="http://schemas.microsoft.com/office/drawing/2010/main" w="9525">
                 <a:solidFill>
                   <a:schemeClr val="tx1"/>
                 </a:solidFill>
@@ -265,7 +265,7 @@
               </a14:hiddenLine>
             </a:ext>
             <a:ext uri="{AF507438-7753-43E0-B8FC-AC1667EBCBE1}">
-              <a14:hiddenEffects xmlns="" xmlns:a14="http://schemas.microsoft.com/office/drawing/2010/main">
+              <a14:hiddenEffects xmlns:a14="http://schemas.microsoft.com/office/drawing/2010/main">
                 <a:effectLst>
                   <a:outerShdw dist="35921" dir="2700000" algn="ctr" rotWithShape="0">
                     <a:schemeClr val="bg2"/>
@@ -319,14 +319,14 @@
           <a:effectLst/>
           <a:extLst>
             <a:ext uri="{909E8E84-426E-40DD-AFC4-6F175D3DCCD1}">
-              <a14:hiddenFill xmlns="" xmlns:a14="http://schemas.microsoft.com/office/drawing/2010/main">
+              <a14:hiddenFill xmlns:a14="http://schemas.microsoft.com/office/drawing/2010/main">
                 <a:solidFill>
                   <a:schemeClr val="accent1"/>
                 </a:solidFill>
               </a14:hiddenFill>
             </a:ext>
             <a:ext uri="{91240B29-F687-4F45-9708-019B960494DF}">
-              <a14:hiddenLine xmlns="" xmlns:a14="http://schemas.microsoft.com/office/drawing/2010/main" w="9525">
+              <a14:hiddenLine xmlns:a14="http://schemas.microsoft.com/office/drawing/2010/main" w="9525">
                 <a:solidFill>
                   <a:schemeClr val="tx1"/>
                 </a:solidFill>
@@ -336,7 +336,7 @@
               </a14:hiddenLine>
             </a:ext>
             <a:ext uri="{AF507438-7753-43E0-B8FC-AC1667EBCBE1}">
-              <a14:hiddenEffects xmlns="" xmlns:a14="http://schemas.microsoft.com/office/drawing/2010/main">
+              <a14:hiddenEffects xmlns:a14="http://schemas.microsoft.com/office/drawing/2010/main">
                 <a:effectLst>
                   <a:outerShdw dist="35921" dir="2700000" algn="ctr" rotWithShape="0">
                     <a:schemeClr val="bg2"/>
@@ -395,14 +395,14 @@
           <a:effectLst/>
           <a:extLst>
             <a:ext uri="{909E8E84-426E-40DD-AFC4-6F175D3DCCD1}">
-              <a14:hiddenFill xmlns="" xmlns:a14="http://schemas.microsoft.com/office/drawing/2010/main">
+              <a14:hiddenFill xmlns:a14="http://schemas.microsoft.com/office/drawing/2010/main">
                 <a:solidFill>
                   <a:srgbClr val="FFFFFF"/>
                 </a:solidFill>
               </a14:hiddenFill>
             </a:ext>
             <a:ext uri="{AF507438-7753-43E0-B8FC-AC1667EBCBE1}">
-              <a14:hiddenEffects xmlns="" xmlns:a14="http://schemas.microsoft.com/office/drawing/2010/main">
+              <a14:hiddenEffects xmlns:a14="http://schemas.microsoft.com/office/drawing/2010/main">
                 <a:effectLst>
                   <a:outerShdw dist="35921" dir="2700000" algn="ctr" rotWithShape="0">
                     <a:srgbClr val="808080"/>
@@ -411,7 +411,7 @@
               </a14:hiddenEffects>
             </a:ext>
             <a:ext uri="{53640926-AAD7-44D8-BBD7-CCE9431645EC}">
-              <a14:shadowObscured xmlns="" xmlns:a14="http://schemas.microsoft.com/office/drawing/2010/main" val="1"/>
+              <a14:shadowObscured xmlns:a14="http://schemas.microsoft.com/office/drawing/2010/main" val="1"/>
             </a:ext>
           </a:extLst>
         </p:spPr>
@@ -441,14 +441,14 @@
           <a:effectLst/>
           <a:extLst>
             <a:ext uri="{909E8E84-426E-40DD-AFC4-6F175D3DCCD1}">
-              <a14:hiddenFill xmlns="" xmlns:a14="http://schemas.microsoft.com/office/drawing/2010/main">
+              <a14:hiddenFill xmlns:a14="http://schemas.microsoft.com/office/drawing/2010/main">
                 <a:solidFill>
                   <a:schemeClr val="accent1"/>
                 </a:solidFill>
               </a14:hiddenFill>
             </a:ext>
             <a:ext uri="{91240B29-F687-4F45-9708-019B960494DF}">
-              <a14:hiddenLine xmlns="" xmlns:a14="http://schemas.microsoft.com/office/drawing/2010/main" w="9525">
+              <a14:hiddenLine xmlns:a14="http://schemas.microsoft.com/office/drawing/2010/main" w="9525">
                 <a:solidFill>
                   <a:schemeClr val="tx1"/>
                 </a:solidFill>
@@ -458,7 +458,7 @@
               </a14:hiddenLine>
             </a:ext>
             <a:ext uri="{AF507438-7753-43E0-B8FC-AC1667EBCBE1}">
-              <a14:hiddenEffects xmlns="" xmlns:a14="http://schemas.microsoft.com/office/drawing/2010/main">
+              <a14:hiddenEffects xmlns:a14="http://schemas.microsoft.com/office/drawing/2010/main">
                 <a:effectLst>
                   <a:outerShdw dist="35921" dir="2700000" algn="ctr" rotWithShape="0">
                     <a:schemeClr val="bg2"/>
@@ -537,14 +537,14 @@
           <a:effectLst/>
           <a:extLst>
             <a:ext uri="{909E8E84-426E-40DD-AFC4-6F175D3DCCD1}">
-              <a14:hiddenFill xmlns="" xmlns:a14="http://schemas.microsoft.com/office/drawing/2010/main">
+              <a14:hiddenFill xmlns:a14="http://schemas.microsoft.com/office/drawing/2010/main">
                 <a:solidFill>
                   <a:schemeClr val="accent1"/>
                 </a:solidFill>
               </a14:hiddenFill>
             </a:ext>
             <a:ext uri="{91240B29-F687-4F45-9708-019B960494DF}">
-              <a14:hiddenLine xmlns="" xmlns:a14="http://schemas.microsoft.com/office/drawing/2010/main" w="9525">
+              <a14:hiddenLine xmlns:a14="http://schemas.microsoft.com/office/drawing/2010/main" w="9525">
                 <a:solidFill>
                   <a:schemeClr val="tx1"/>
                 </a:solidFill>
@@ -554,7 +554,7 @@
               </a14:hiddenLine>
             </a:ext>
             <a:ext uri="{AF507438-7753-43E0-B8FC-AC1667EBCBE1}">
-              <a14:hiddenEffects xmlns="" xmlns:a14="http://schemas.microsoft.com/office/drawing/2010/main">
+              <a14:hiddenEffects xmlns:a14="http://schemas.microsoft.com/office/drawing/2010/main">
                 <a:effectLst>
                   <a:outerShdw dist="35921" dir="2700000" algn="ctr" rotWithShape="0">
                     <a:schemeClr val="bg2"/>
@@ -608,14 +608,14 @@
           <a:effectLst/>
           <a:extLst>
             <a:ext uri="{909E8E84-426E-40DD-AFC4-6F175D3DCCD1}">
-              <a14:hiddenFill xmlns="" xmlns:a14="http://schemas.microsoft.com/office/drawing/2010/main">
+              <a14:hiddenFill xmlns:a14="http://schemas.microsoft.com/office/drawing/2010/main">
                 <a:solidFill>
                   <a:schemeClr val="accent1"/>
                 </a:solidFill>
               </a14:hiddenFill>
             </a:ext>
             <a:ext uri="{91240B29-F687-4F45-9708-019B960494DF}">
-              <a14:hiddenLine xmlns="" xmlns:a14="http://schemas.microsoft.com/office/drawing/2010/main" w="9525">
+              <a14:hiddenLine xmlns:a14="http://schemas.microsoft.com/office/drawing/2010/main" w="9525">
                 <a:solidFill>
                   <a:schemeClr val="tx1"/>
                 </a:solidFill>
@@ -625,7 +625,7 @@
               </a14:hiddenLine>
             </a:ext>
             <a:ext uri="{AF507438-7753-43E0-B8FC-AC1667EBCBE1}">
-              <a14:hiddenEffects xmlns="" xmlns:a14="http://schemas.microsoft.com/office/drawing/2010/main">
+              <a14:hiddenEffects xmlns:a14="http://schemas.microsoft.com/office/drawing/2010/main">
                 <a:effectLst>
                   <a:outerShdw dist="35921" dir="2700000" algn="ctr" rotWithShape="0">
                     <a:schemeClr val="bg2"/>
@@ -664,7 +664,7 @@
     </p:spTree>
     <p:extLst>
       <p:ext uri="{BB962C8B-B14F-4D97-AF65-F5344CB8AC3E}">
-        <p14:creationId xmlns="" xmlns:p14="http://schemas.microsoft.com/office/powerpoint/2010/main" val="1924106793"/>
+        <p14:creationId xmlns:p14="http://schemas.microsoft.com/office/powerpoint/2010/main" val="1924106793"/>
       </p:ext>
     </p:extLst>
   </p:cSld>
@@ -911,7 +911,7 @@
     </p:spTree>
     <p:extLst>
       <p:ext uri="{BB962C8B-B14F-4D97-AF65-F5344CB8AC3E}">
-        <p14:creationId xmlns="" xmlns:p14="http://schemas.microsoft.com/office/powerpoint/2010/main" val="350759741"/>
+        <p14:creationId xmlns:p14="http://schemas.microsoft.com/office/powerpoint/2010/main" val="350759741"/>
       </p:ext>
     </p:extLst>
   </p:cSld>
@@ -1048,7 +1048,7 @@
               <a:pPr>
                 <a:defRPr/>
               </a:pPr>
-              <a:t>10/29/2017</a:t>
+              <a:t>10/30/2017</a:t>
             </a:fld>
             <a:endParaRPr lang="en-US" altLang="en-US"/>
           </a:p>
@@ -1135,7 +1135,7 @@
     </p:spTree>
     <p:extLst>
       <p:ext uri="{BB962C8B-B14F-4D97-AF65-F5344CB8AC3E}">
-        <p14:creationId xmlns="" xmlns:p14="http://schemas.microsoft.com/office/powerpoint/2010/main" val="2015330207"/>
+        <p14:creationId xmlns:p14="http://schemas.microsoft.com/office/powerpoint/2010/main" val="2015330207"/>
       </p:ext>
     </p:extLst>
   </p:cSld>
@@ -1282,7 +1282,7 @@
               <a:pPr>
                 <a:defRPr/>
               </a:pPr>
-              <a:t>10/29/2017</a:t>
+              <a:t>10/30/2017</a:t>
             </a:fld>
             <a:endParaRPr lang="en-US" altLang="en-US"/>
           </a:p>
@@ -1369,7 +1369,7 @@
     </p:spTree>
     <p:extLst>
       <p:ext uri="{BB962C8B-B14F-4D97-AF65-F5344CB8AC3E}">
-        <p14:creationId xmlns="" xmlns:p14="http://schemas.microsoft.com/office/powerpoint/2010/main" val="2557014265"/>
+        <p14:creationId xmlns:p14="http://schemas.microsoft.com/office/powerpoint/2010/main" val="2557014265"/>
       </p:ext>
     </p:extLst>
   </p:cSld>
@@ -1474,7 +1474,7 @@
     </p:spTree>
     <p:extLst>
       <p:ext uri="{BB962C8B-B14F-4D97-AF65-F5344CB8AC3E}">
-        <p14:creationId xmlns="" xmlns:p14="http://schemas.microsoft.com/office/powerpoint/2010/main" val="2484415183"/>
+        <p14:creationId xmlns:p14="http://schemas.microsoft.com/office/powerpoint/2010/main" val="2484415183"/>
       </p:ext>
     </p:extLst>
   </p:cSld>
@@ -1601,7 +1601,7 @@
     </p:spTree>
     <p:extLst>
       <p:ext uri="{BB962C8B-B14F-4D97-AF65-F5344CB8AC3E}">
-        <p14:creationId xmlns="" xmlns:p14="http://schemas.microsoft.com/office/powerpoint/2010/main" val="2455874510"/>
+        <p14:creationId xmlns:p14="http://schemas.microsoft.com/office/powerpoint/2010/main" val="2455874510"/>
       </p:ext>
     </p:extLst>
   </p:cSld>
@@ -1768,7 +1768,7 @@
     </p:spTree>
     <p:extLst>
       <p:ext uri="{BB962C8B-B14F-4D97-AF65-F5344CB8AC3E}">
-        <p14:creationId xmlns="" xmlns:p14="http://schemas.microsoft.com/office/powerpoint/2010/main" val="3982590330"/>
+        <p14:creationId xmlns:p14="http://schemas.microsoft.com/office/powerpoint/2010/main" val="3982590330"/>
       </p:ext>
     </p:extLst>
   </p:cSld>
@@ -2070,7 +2070,7 @@
     </p:spTree>
     <p:extLst>
       <p:ext uri="{BB962C8B-B14F-4D97-AF65-F5344CB8AC3E}">
-        <p14:creationId xmlns="" xmlns:p14="http://schemas.microsoft.com/office/powerpoint/2010/main" val="2271288460"/>
+        <p14:creationId xmlns:p14="http://schemas.microsoft.com/office/powerpoint/2010/main" val="2271288460"/>
       </p:ext>
     </p:extLst>
   </p:cSld>
@@ -2155,7 +2155,7 @@
               <a:pPr>
                 <a:defRPr/>
               </a:pPr>
-              <a:t>10/29/2017</a:t>
+              <a:t>10/30/2017</a:t>
             </a:fld>
             <a:endParaRPr lang="en-US" altLang="en-US"/>
           </a:p>
@@ -2242,7 +2242,7 @@
     </p:spTree>
     <p:extLst>
       <p:ext uri="{BB962C8B-B14F-4D97-AF65-F5344CB8AC3E}">
-        <p14:creationId xmlns="" xmlns:p14="http://schemas.microsoft.com/office/powerpoint/2010/main" val="239605567"/>
+        <p14:creationId xmlns:p14="http://schemas.microsoft.com/office/powerpoint/2010/main" val="239605567"/>
       </p:ext>
     </p:extLst>
   </p:cSld>
@@ -2304,7 +2304,7 @@
               <a:pPr>
                 <a:defRPr/>
               </a:pPr>
-              <a:t>10/29/2017</a:t>
+              <a:t>10/30/2017</a:t>
             </a:fld>
             <a:endParaRPr lang="en-US" altLang="en-US"/>
           </a:p>
@@ -2391,7 +2391,7 @@
     </p:spTree>
     <p:extLst>
       <p:ext uri="{BB962C8B-B14F-4D97-AF65-F5344CB8AC3E}">
-        <p14:creationId xmlns="" xmlns:p14="http://schemas.microsoft.com/office/powerpoint/2010/main" val="605089720"/>
+        <p14:creationId xmlns:p14="http://schemas.microsoft.com/office/powerpoint/2010/main" val="605089720"/>
       </p:ext>
     </p:extLst>
   </p:cSld>
@@ -2635,7 +2635,7 @@
               <a:pPr>
                 <a:defRPr/>
               </a:pPr>
-              <a:t>10/29/2017</a:t>
+              <a:t>10/30/2017</a:t>
             </a:fld>
             <a:endParaRPr lang="en-US" altLang="en-US"/>
           </a:p>
@@ -2722,7 +2722,7 @@
     </p:spTree>
     <p:extLst>
       <p:ext uri="{BB962C8B-B14F-4D97-AF65-F5344CB8AC3E}">
-        <p14:creationId xmlns="" xmlns:p14="http://schemas.microsoft.com/office/powerpoint/2010/main" val="3789717012"/>
+        <p14:creationId xmlns:p14="http://schemas.microsoft.com/office/powerpoint/2010/main" val="3789717012"/>
       </p:ext>
     </p:extLst>
   </p:cSld>
@@ -2943,7 +2943,7 @@
               <a:pPr>
                 <a:defRPr/>
               </a:pPr>
-              <a:t>10/29/2017</a:t>
+              <a:t>10/30/2017</a:t>
             </a:fld>
             <a:endParaRPr lang="en-US" altLang="en-US"/>
           </a:p>
@@ -3030,7 +3030,7 @@
     </p:spTree>
     <p:extLst>
       <p:ext uri="{BB962C8B-B14F-4D97-AF65-F5344CB8AC3E}">
-        <p14:creationId xmlns="" xmlns:p14="http://schemas.microsoft.com/office/powerpoint/2010/main" val="371544548"/>
+        <p14:creationId xmlns:p14="http://schemas.microsoft.com/office/powerpoint/2010/main" val="371544548"/>
       </p:ext>
     </p:extLst>
   </p:cSld>
@@ -3090,14 +3090,14 @@
           <a:effectLst/>
           <a:extLst>
             <a:ext uri="{909E8E84-426E-40DD-AFC4-6F175D3DCCD1}">
-              <a14:hiddenFill xmlns="" xmlns:a14="http://schemas.microsoft.com/office/drawing/2010/main">
+              <a14:hiddenFill xmlns:a14="http://schemas.microsoft.com/office/drawing/2010/main">
                 <a:solidFill>
                   <a:schemeClr val="accent1"/>
                 </a:solidFill>
               </a14:hiddenFill>
             </a:ext>
             <a:ext uri="{91240B29-F687-4F45-9708-019B960494DF}">
-              <a14:hiddenLine xmlns="" xmlns:a14="http://schemas.microsoft.com/office/drawing/2010/main" w="9525">
+              <a14:hiddenLine xmlns:a14="http://schemas.microsoft.com/office/drawing/2010/main" w="9525">
                 <a:solidFill>
                   <a:schemeClr val="tx1"/>
                 </a:solidFill>
@@ -3107,7 +3107,7 @@
               </a14:hiddenLine>
             </a:ext>
             <a:ext uri="{AF507438-7753-43E0-B8FC-AC1667EBCBE1}">
-              <a14:hiddenEffects xmlns="" xmlns:a14="http://schemas.microsoft.com/office/drawing/2010/main">
+              <a14:hiddenEffects xmlns:a14="http://schemas.microsoft.com/office/drawing/2010/main">
                 <a:effectLst>
                   <a:outerShdw dist="35921" dir="2700000" algn="ctr" rotWithShape="0">
                     <a:schemeClr val="bg2"/>
@@ -3158,14 +3158,14 @@
           <a:effectLst/>
           <a:extLst>
             <a:ext uri="{909E8E84-426E-40DD-AFC4-6F175D3DCCD1}">
-              <a14:hiddenFill xmlns="" xmlns:a14="http://schemas.microsoft.com/office/drawing/2010/main">
+              <a14:hiddenFill xmlns:a14="http://schemas.microsoft.com/office/drawing/2010/main">
                 <a:solidFill>
                   <a:schemeClr val="accent1"/>
                 </a:solidFill>
               </a14:hiddenFill>
             </a:ext>
             <a:ext uri="{91240B29-F687-4F45-9708-019B960494DF}">
-              <a14:hiddenLine xmlns="" xmlns:a14="http://schemas.microsoft.com/office/drawing/2010/main" w="9525">
+              <a14:hiddenLine xmlns:a14="http://schemas.microsoft.com/office/drawing/2010/main" w="9525">
                 <a:solidFill>
                   <a:schemeClr val="tx1"/>
                 </a:solidFill>
@@ -3175,7 +3175,7 @@
               </a14:hiddenLine>
             </a:ext>
             <a:ext uri="{AF507438-7753-43E0-B8FC-AC1667EBCBE1}">
-              <a14:hiddenEffects xmlns="" xmlns:a14="http://schemas.microsoft.com/office/drawing/2010/main">
+              <a14:hiddenEffects xmlns:a14="http://schemas.microsoft.com/office/drawing/2010/main">
                 <a:effectLst>
                   <a:outerShdw dist="35921" dir="2700000" algn="ctr" rotWithShape="0">
                     <a:schemeClr val="bg2"/>
@@ -3723,14 +3723,14 @@
           </a:ln>
           <a:extLst>
             <a:ext uri="{909E8E84-426E-40DD-AFC4-6F175D3DCCD1}">
-              <a14:hiddenFill xmlns="" xmlns:a14="http://schemas.microsoft.com/office/drawing/2010/main">
+              <a14:hiddenFill xmlns:a14="http://schemas.microsoft.com/office/drawing/2010/main">
                 <a:solidFill>
                   <a:srgbClr val="FFFFFF"/>
                 </a:solidFill>
               </a14:hiddenFill>
             </a:ext>
             <a:ext uri="{91240B29-F687-4F45-9708-019B960494DF}">
-              <a14:hiddenLine xmlns="" xmlns:a14="http://schemas.microsoft.com/office/drawing/2010/main" w="9525">
+              <a14:hiddenLine xmlns:a14="http://schemas.microsoft.com/office/drawing/2010/main" w="9525">
                 <a:solidFill>
                   <a:srgbClr val="000000"/>
                 </a:solidFill>
@@ -3979,20 +3979,12 @@
               <a:t>Error must be </a:t>
             </a:r>
             <a:r>
-              <a:rPr lang="en-GB" b="1" dirty="0">
+              <a:rPr lang="en-GB" b="1" dirty="0" smtClean="0">
                 <a:solidFill>
                   <a:srgbClr val="FF0000"/>
                 </a:solidFill>
               </a:rPr>
-              <a:t>handled where the </a:t>
-            </a:r>
-            <a:r>
-              <a:rPr lang="en-GB" b="1" dirty="0" smtClean="0">
-                <a:solidFill>
-                  <a:srgbClr val="FF0000"/>
-                </a:solidFill>
-              </a:rPr>
-              <a:t>occur</a:t>
+              <a:t>handled</a:t>
             </a:r>
             <a:endParaRPr lang="en-GB" b="1" dirty="0">
               <a:solidFill>
@@ -4030,15 +4022,11 @@
             </a:r>
             <a:r>
               <a:rPr lang="en-GB" dirty="0" smtClean="0"/>
-              <a:t>good approach</a:t>
-            </a:r>
-            <a:r>
-              <a:rPr lang="en-GB" dirty="0"/>
-              <a:t>. Repeating handling of the same </a:t>
-            </a:r>
-            <a:r>
-              <a:rPr lang="en-GB" dirty="0" smtClean="0"/>
-              <a:t>error</a:t>
+              <a:t>good </a:t>
+            </a:r>
+            <a:r>
+              <a:rPr lang="en-GB" dirty="0" smtClean="0"/>
+              <a:t>approach</a:t>
             </a:r>
             <a:endParaRPr lang="en-GB" dirty="0"/>
           </a:p>
@@ -4070,7 +4058,19 @@
             </a:r>
             <a:r>
               <a:rPr lang="en-GB" dirty="0"/>
-              <a:t>handle an error detailed information on the error must </a:t>
+              <a:t>handle an error </a:t>
+            </a:r>
+            <a:r>
+              <a:rPr lang="en-GB" dirty="0">
+                <a:solidFill>
+                  <a:srgbClr val="FF0000"/>
+                </a:solidFill>
+              </a:rPr>
+              <a:t>detailed information </a:t>
+            </a:r>
+            <a:r>
+              <a:rPr lang="en-GB" dirty="0"/>
+              <a:t>on the error must </a:t>
             </a:r>
             <a:r>
               <a:rPr lang="en-GB" dirty="0" smtClean="0"/>
@@ -4782,7 +4782,7 @@
           <a:blip r:embed="rId2">
             <a:extLst>
               <a:ext uri="{28A0092B-C50C-407E-A947-70E740481C1C}">
-                <a14:useLocalDpi xmlns="" xmlns:a14="http://schemas.microsoft.com/office/drawing/2010/main" val="0"/>
+                <a14:useLocalDpi xmlns:a14="http://schemas.microsoft.com/office/drawing/2010/main" val="0"/>
               </a:ext>
             </a:extLst>
           </a:blip>
@@ -4805,14 +4805,14 @@
           </a:ln>
           <a:extLst>
             <a:ext uri="{909E8E84-426E-40DD-AFC4-6F175D3DCCD1}">
-              <a14:hiddenFill xmlns="" xmlns:a14="http://schemas.microsoft.com/office/drawing/2010/main">
+              <a14:hiddenFill xmlns:a14="http://schemas.microsoft.com/office/drawing/2010/main">
                 <a:solidFill>
                   <a:srgbClr val="FFFFFF"/>
                 </a:solidFill>
               </a14:hiddenFill>
             </a:ext>
             <a:ext uri="{91240B29-F687-4F45-9708-019B960494DF}">
-              <a14:hiddenLine xmlns="" xmlns:a14="http://schemas.microsoft.com/office/drawing/2010/main" w="9525">
+              <a14:hiddenLine xmlns:a14="http://schemas.microsoft.com/office/drawing/2010/main" w="9525">
                 <a:solidFill>
                   <a:srgbClr val="000000"/>
                 </a:solidFill>
@@ -4902,8 +4902,16 @@
               <a:defRPr/>
             </a:pPr>
             <a:r>
-              <a:rPr lang="en-GB" dirty="0" smtClean="0"/>
-              <a:t>Code where you anticipate a problem:</a:t>
+              <a:rPr lang="en-GB" b="1" dirty="0" smtClean="0">
+                <a:solidFill>
+                  <a:srgbClr val="FF0000"/>
+                </a:solidFill>
+              </a:rPr>
+              <a:t>Code</a:t>
+            </a:r>
+            <a:r>
+              <a:rPr lang="en-GB" dirty="0" smtClean="0"/>
+              <a:t> where you anticipate a problem:</a:t>
             </a:r>
           </a:p>
           <a:p>
@@ -4921,7 +4929,19 @@
             </a:pPr>
             <a:r>
               <a:rPr lang="en-GB" dirty="0" smtClean="0"/>
-              <a:t>Alternatively let JVM detect error, create, and throw an exception</a:t>
+              <a:t>Alternatively let </a:t>
+            </a:r>
+            <a:r>
+              <a:rPr lang="en-GB" b="1" dirty="0" smtClean="0">
+                <a:solidFill>
+                  <a:srgbClr val="FF0000"/>
+                </a:solidFill>
+              </a:rPr>
+              <a:t>JVM</a:t>
+            </a:r>
+            <a:r>
+              <a:rPr lang="en-GB" dirty="0" smtClean="0"/>
+              <a:t> detect error, create, and throw an exception</a:t>
             </a:r>
           </a:p>
           <a:p>
@@ -4929,8 +4949,16 @@
               <a:defRPr/>
             </a:pPr>
             <a:r>
-              <a:rPr lang="en-GB" dirty="0" smtClean="0"/>
-              <a:t>Code in client (somewhere in message invocation stack)</a:t>
+              <a:rPr lang="en-GB" b="1" dirty="0" smtClean="0">
+                <a:solidFill>
+                  <a:srgbClr val="FF0000"/>
+                </a:solidFill>
+              </a:rPr>
+              <a:t>Code</a:t>
+            </a:r>
+            <a:r>
+              <a:rPr lang="en-GB" dirty="0" smtClean="0"/>
+              <a:t> in client (somewhere in message invocation stack)</a:t>
             </a:r>
           </a:p>
           <a:p>
@@ -4966,7 +4994,7 @@
           <a:blip r:embed="rId2">
             <a:extLst>
               <a:ext uri="{28A0092B-C50C-407E-A947-70E740481C1C}">
-                <a14:useLocalDpi xmlns="" xmlns:a14="http://schemas.microsoft.com/office/drawing/2010/main" val="0"/>
+                <a14:useLocalDpi xmlns:a14="http://schemas.microsoft.com/office/drawing/2010/main" val="0"/>
               </a:ext>
             </a:extLst>
           </a:blip>
@@ -4989,14 +5017,14 @@
           </a:ln>
           <a:extLst>
             <a:ext uri="{909E8E84-426E-40DD-AFC4-6F175D3DCCD1}">
-              <a14:hiddenFill xmlns="" xmlns:a14="http://schemas.microsoft.com/office/drawing/2010/main">
+              <a14:hiddenFill xmlns:a14="http://schemas.microsoft.com/office/drawing/2010/main">
                 <a:solidFill>
                   <a:srgbClr val="FFFFFF"/>
                 </a:solidFill>
               </a14:hiddenFill>
             </a:ext>
             <a:ext uri="{91240B29-F687-4F45-9708-019B960494DF}">
-              <a14:hiddenLine xmlns="" xmlns:a14="http://schemas.microsoft.com/office/drawing/2010/main" w="9525">
+              <a14:hiddenLine xmlns:a14="http://schemas.microsoft.com/office/drawing/2010/main" w="9525">
                 <a:solidFill>
                   <a:srgbClr val="000000"/>
                 </a:solidFill>
@@ -5054,7 +5082,7 @@
           <a:lstStyle/>
           <a:p>
             <a:r>
-              <a:rPr lang="en-GB" altLang="en-US" smtClean="0"/>
+              <a:rPr lang="en-GB" altLang="en-US" dirty="0" smtClean="0"/>
               <a:t>Simple Example</a:t>
             </a:r>
           </a:p>
@@ -5072,7 +5100,7 @@
           <a:blip r:embed="rId2">
             <a:extLst>
               <a:ext uri="{28A0092B-C50C-407E-A947-70E740481C1C}">
-                <a14:useLocalDpi xmlns="" xmlns:a14="http://schemas.microsoft.com/office/drawing/2010/main" val="0"/>
+                <a14:useLocalDpi xmlns:a14="http://schemas.microsoft.com/office/drawing/2010/main" val="0"/>
               </a:ext>
             </a:extLst>
           </a:blip>
@@ -5095,14 +5123,14 @@
           </a:ln>
           <a:extLst>
             <a:ext uri="{909E8E84-426E-40DD-AFC4-6F175D3DCCD1}">
-              <a14:hiddenFill xmlns="" xmlns:a14="http://schemas.microsoft.com/office/drawing/2010/main">
+              <a14:hiddenFill xmlns:a14="http://schemas.microsoft.com/office/drawing/2010/main">
                 <a:solidFill>
                   <a:srgbClr val="FFFFFF"/>
                 </a:solidFill>
               </a14:hiddenFill>
             </a:ext>
             <a:ext uri="{91240B29-F687-4F45-9708-019B960494DF}">
-              <a14:hiddenLine xmlns="" xmlns:a14="http://schemas.microsoft.com/office/drawing/2010/main" w="9525">
+              <a14:hiddenLine xmlns:a14="http://schemas.microsoft.com/office/drawing/2010/main" w="9525">
                 <a:solidFill>
                   <a:srgbClr val="000000"/>
                 </a:solidFill>
@@ -5151,7 +5179,7 @@
         </p:nvSpPr>
         <p:spPr>
           <a:xfrm>
-            <a:off x="685800" y="304800"/>
+            <a:off x="685800" y="381000"/>
             <a:ext cx="7772400" cy="1143000"/>
           </a:xfrm>
         </p:spPr>
@@ -5331,7 +5359,27 @@
             </a:pPr>
             <a:r>
               <a:rPr lang="en-GB" dirty="0" smtClean="0"/>
-              <a:t> An exception is either checked or unchecked</a:t>
+              <a:t> An exception is either </a:t>
+            </a:r>
+            <a:r>
+              <a:rPr lang="en-GB" b="1" dirty="0" smtClean="0">
+                <a:solidFill>
+                  <a:srgbClr val="FF0000"/>
+                </a:solidFill>
+              </a:rPr>
+              <a:t>checked</a:t>
+            </a:r>
+            <a:r>
+              <a:rPr lang="en-GB" dirty="0" smtClean="0"/>
+              <a:t> or </a:t>
+            </a:r>
+            <a:r>
+              <a:rPr lang="en-GB" b="1" dirty="0" smtClean="0">
+                <a:solidFill>
+                  <a:srgbClr val="FF0000"/>
+                </a:solidFill>
+              </a:rPr>
+              <a:t>unchecked</a:t>
             </a:r>
           </a:p>
           <a:p>
@@ -5446,7 +5494,7 @@
           <a:blip r:embed="rId2">
             <a:extLst>
               <a:ext uri="{28A0092B-C50C-407E-A947-70E740481C1C}">
-                <a14:useLocalDpi xmlns="" xmlns:a14="http://schemas.microsoft.com/office/drawing/2010/main" val="0"/>
+                <a14:useLocalDpi xmlns:a14="http://schemas.microsoft.com/office/drawing/2010/main" val="0"/>
               </a:ext>
             </a:extLst>
           </a:blip>
@@ -5469,14 +5517,14 @@
           </a:ln>
           <a:extLst>
             <a:ext uri="{909E8E84-426E-40DD-AFC4-6F175D3DCCD1}">
-              <a14:hiddenFill xmlns="" xmlns:a14="http://schemas.microsoft.com/office/drawing/2010/main">
+              <a14:hiddenFill xmlns:a14="http://schemas.microsoft.com/office/drawing/2010/main">
                 <a:solidFill>
                   <a:srgbClr val="FFFFFF"/>
                 </a:solidFill>
               </a14:hiddenFill>
             </a:ext>
             <a:ext uri="{91240B29-F687-4F45-9708-019B960494DF}">
-              <a14:hiddenLine xmlns="" xmlns:a14="http://schemas.microsoft.com/office/drawing/2010/main" w="9525">
+              <a14:hiddenLine xmlns:a14="http://schemas.microsoft.com/office/drawing/2010/main" w="9525">
                 <a:solidFill>
                   <a:srgbClr val="000000"/>
                 </a:solidFill>
@@ -5563,7 +5611,7 @@
           <a:blip r:embed="rId2">
             <a:extLst>
               <a:ext uri="{28A0092B-C50C-407E-A947-70E740481C1C}">
-                <a14:useLocalDpi xmlns="" xmlns:a14="http://schemas.microsoft.com/office/drawing/2010/main" val="0"/>
+                <a14:useLocalDpi xmlns:a14="http://schemas.microsoft.com/office/drawing/2010/main" val="0"/>
               </a:ext>
             </a:extLst>
           </a:blip>
@@ -5586,14 +5634,14 @@
           </a:ln>
           <a:extLst>
             <a:ext uri="{909E8E84-426E-40DD-AFC4-6F175D3DCCD1}">
-              <a14:hiddenFill xmlns="" xmlns:a14="http://schemas.microsoft.com/office/drawing/2010/main">
+              <a14:hiddenFill xmlns:a14="http://schemas.microsoft.com/office/drawing/2010/main">
                 <a:solidFill>
                   <a:srgbClr val="FFFFFF"/>
                 </a:solidFill>
               </a14:hiddenFill>
             </a:ext>
             <a:ext uri="{91240B29-F687-4F45-9708-019B960494DF}">
-              <a14:hiddenLine xmlns="" xmlns:a14="http://schemas.microsoft.com/office/drawing/2010/main" w="9525">
+              <a14:hiddenLine xmlns:a14="http://schemas.microsoft.com/office/drawing/2010/main" w="9525">
                 <a:solidFill>
                   <a:srgbClr val="000000"/>
                 </a:solidFill>
@@ -5690,10 +5738,18 @@
               <a:defRPr/>
             </a:pPr>
             <a:r>
-              <a:rPr lang="en-GB" dirty="0" err="1" smtClean="0"/>
+              <a:rPr lang="en-GB" b="1" dirty="0" err="1" smtClean="0">
+                <a:solidFill>
+                  <a:srgbClr val="FF0000"/>
+                </a:solidFill>
+              </a:rPr>
               <a:t>Throwable</a:t>
             </a:r>
-            <a:endParaRPr lang="en-GB" dirty="0" smtClean="0"/>
+            <a:endParaRPr lang="en-GB" b="1" dirty="0" smtClean="0">
+              <a:solidFill>
+                <a:srgbClr val="FF0000"/>
+              </a:solidFill>
+            </a:endParaRPr>
           </a:p>
           <a:p>
             <a:pPr lvl="1">
@@ -5701,7 +5757,15 @@
             </a:pPr>
             <a:r>
               <a:rPr lang="en-GB" dirty="0" smtClean="0"/>
-              <a:t>Superclass for all exceptions</a:t>
+              <a:t>Superclass for all </a:t>
+            </a:r>
+            <a:r>
+              <a:rPr lang="en-GB" dirty="0" smtClean="0">
+                <a:solidFill>
+                  <a:srgbClr val="FF0000"/>
+                </a:solidFill>
+              </a:rPr>
+              <a:t>exceptions</a:t>
             </a:r>
           </a:p>
           <a:p>
@@ -6119,7 +6183,7 @@
           <a:blip r:embed="rId2">
             <a:extLst>
               <a:ext uri="{28A0092B-C50C-407E-A947-70E740481C1C}">
-                <a14:useLocalDpi xmlns="" xmlns:a14="http://schemas.microsoft.com/office/drawing/2010/main" val="0"/>
+                <a14:useLocalDpi xmlns:a14="http://schemas.microsoft.com/office/drawing/2010/main" val="0"/>
               </a:ext>
             </a:extLst>
           </a:blip>
@@ -6142,14 +6206,14 @@
           </a:ln>
           <a:extLst>
             <a:ext uri="{909E8E84-426E-40DD-AFC4-6F175D3DCCD1}">
-              <a14:hiddenFill xmlns="" xmlns:a14="http://schemas.microsoft.com/office/drawing/2010/main">
+              <a14:hiddenFill xmlns:a14="http://schemas.microsoft.com/office/drawing/2010/main">
                 <a:solidFill>
                   <a:srgbClr val="FFFFFF"/>
                 </a:solidFill>
               </a14:hiddenFill>
             </a:ext>
             <a:ext uri="{91240B29-F687-4F45-9708-019B960494DF}">
-              <a14:hiddenLine xmlns="" xmlns:a14="http://schemas.microsoft.com/office/drawing/2010/main" w="9525">
+              <a14:hiddenLine xmlns:a14="http://schemas.microsoft.com/office/drawing/2010/main" w="9525">
                 <a:solidFill>
                   <a:srgbClr val="000000"/>
                 </a:solidFill>
@@ -6324,7 +6388,7 @@
           <a:blip r:embed="rId2">
             <a:extLst>
               <a:ext uri="{28A0092B-C50C-407E-A947-70E740481C1C}">
-                <a14:useLocalDpi xmlns="" xmlns:a14="http://schemas.microsoft.com/office/drawing/2010/main" val="0"/>
+                <a14:useLocalDpi xmlns:a14="http://schemas.microsoft.com/office/drawing/2010/main" val="0"/>
               </a:ext>
             </a:extLst>
           </a:blip>
@@ -6347,14 +6411,14 @@
           </a:ln>
           <a:extLst>
             <a:ext uri="{909E8E84-426E-40DD-AFC4-6F175D3DCCD1}">
-              <a14:hiddenFill xmlns="" xmlns:a14="http://schemas.microsoft.com/office/drawing/2010/main">
+              <a14:hiddenFill xmlns:a14="http://schemas.microsoft.com/office/drawing/2010/main">
                 <a:solidFill>
                   <a:srgbClr val="FFFFFF"/>
                 </a:solidFill>
               </a14:hiddenFill>
             </a:ext>
             <a:ext uri="{91240B29-F687-4F45-9708-019B960494DF}">
-              <a14:hiddenLine xmlns="" xmlns:a14="http://schemas.microsoft.com/office/drawing/2010/main" w="9525">
+              <a14:hiddenLine xmlns:a14="http://schemas.microsoft.com/office/drawing/2010/main" w="9525">
                 <a:solidFill>
                   <a:srgbClr val="000000"/>
                 </a:solidFill>
@@ -6445,7 +6509,19 @@
             </a:pPr>
             <a:r>
               <a:rPr lang="en-GB" dirty="0" smtClean="0"/>
-              <a:t>When an exception occurs, processing continues at the first catch clause that matches the exception type</a:t>
+              <a:t>When an exception occurs, processing continues at the </a:t>
+            </a:r>
+            <a:r>
+              <a:rPr lang="en-GB" b="1" dirty="0" smtClean="0">
+                <a:solidFill>
+                  <a:srgbClr val="FF0000"/>
+                </a:solidFill>
+              </a:rPr>
+              <a:t>first catch clause </a:t>
+            </a:r>
+            <a:r>
+              <a:rPr lang="en-GB" dirty="0" smtClean="0"/>
+              <a:t>that matches the exception type</a:t>
             </a:r>
           </a:p>
           <a:p>
@@ -6472,7 +6548,7 @@
           <a:blip r:embed="rId2">
             <a:extLst>
               <a:ext uri="{28A0092B-C50C-407E-A947-70E740481C1C}">
-                <a14:useLocalDpi xmlns="" xmlns:a14="http://schemas.microsoft.com/office/drawing/2010/main" val="0"/>
+                <a14:useLocalDpi xmlns:a14="http://schemas.microsoft.com/office/drawing/2010/main" val="0"/>
               </a:ext>
             </a:extLst>
           </a:blip>
@@ -6495,14 +6571,14 @@
           </a:ln>
           <a:extLst>
             <a:ext uri="{909E8E84-426E-40DD-AFC4-6F175D3DCCD1}">
-              <a14:hiddenFill xmlns="" xmlns:a14="http://schemas.microsoft.com/office/drawing/2010/main">
+              <a14:hiddenFill xmlns:a14="http://schemas.microsoft.com/office/drawing/2010/main">
                 <a:solidFill>
                   <a:srgbClr val="FFFFFF"/>
                 </a:solidFill>
               </a14:hiddenFill>
             </a:ext>
             <a:ext uri="{91240B29-F687-4F45-9708-019B960494DF}">
-              <a14:hiddenLine xmlns="" xmlns:a14="http://schemas.microsoft.com/office/drawing/2010/main" w="9525">
+              <a14:hiddenLine xmlns:a14="http://schemas.microsoft.com/office/drawing/2010/main" w="9525">
                 <a:solidFill>
                   <a:srgbClr val="000000"/>
                 </a:solidFill>
@@ -6665,7 +6741,7 @@
           <a:blip r:embed="rId2">
             <a:extLst>
               <a:ext uri="{28A0092B-C50C-407E-A947-70E740481C1C}">
-                <a14:useLocalDpi xmlns="" xmlns:a14="http://schemas.microsoft.com/office/drawing/2010/main" val="0"/>
+                <a14:useLocalDpi xmlns:a14="http://schemas.microsoft.com/office/drawing/2010/main" val="0"/>
               </a:ext>
             </a:extLst>
           </a:blip>
@@ -6688,14 +6764,14 @@
           </a:ln>
           <a:extLst>
             <a:ext uri="{909E8E84-426E-40DD-AFC4-6F175D3DCCD1}">
-              <a14:hiddenFill xmlns="" xmlns:a14="http://schemas.microsoft.com/office/drawing/2010/main">
+              <a14:hiddenFill xmlns:a14="http://schemas.microsoft.com/office/drawing/2010/main">
                 <a:solidFill>
                   <a:srgbClr val="FFFFFF"/>
                 </a:solidFill>
               </a14:hiddenFill>
             </a:ext>
             <a:ext uri="{91240B29-F687-4F45-9708-019B960494DF}">
-              <a14:hiddenLine xmlns="" xmlns:a14="http://schemas.microsoft.com/office/drawing/2010/main" w="9525">
+              <a14:hiddenLine xmlns:a14="http://schemas.microsoft.com/office/drawing/2010/main" w="9525">
                 <a:solidFill>
                   <a:srgbClr val="000000"/>
                 </a:solidFill>
@@ -6771,7 +6847,7 @@
           <a:blip r:embed="rId2">
             <a:extLst>
               <a:ext uri="{28A0092B-C50C-407E-A947-70E740481C1C}">
-                <a14:useLocalDpi xmlns="" xmlns:a14="http://schemas.microsoft.com/office/drawing/2010/main" val="0"/>
+                <a14:useLocalDpi xmlns:a14="http://schemas.microsoft.com/office/drawing/2010/main" val="0"/>
               </a:ext>
             </a:extLst>
           </a:blip>
@@ -6794,14 +6870,14 @@
           </a:ln>
           <a:extLst>
             <a:ext uri="{909E8E84-426E-40DD-AFC4-6F175D3DCCD1}">
-              <a14:hiddenFill xmlns="" xmlns:a14="http://schemas.microsoft.com/office/drawing/2010/main">
+              <a14:hiddenFill xmlns:a14="http://schemas.microsoft.com/office/drawing/2010/main">
                 <a:solidFill>
                   <a:srgbClr val="FFFFFF"/>
                 </a:solidFill>
               </a14:hiddenFill>
             </a:ext>
             <a:ext uri="{91240B29-F687-4F45-9708-019B960494DF}">
-              <a14:hiddenLine xmlns="" xmlns:a14="http://schemas.microsoft.com/office/drawing/2010/main" w="9525">
+              <a14:hiddenLine xmlns:a14="http://schemas.microsoft.com/office/drawing/2010/main" w="9525">
                 <a:solidFill>
                   <a:srgbClr val="000000"/>
                 </a:solidFill>
@@ -6872,7 +6948,7 @@
           <a:blip r:embed="rId2">
             <a:extLst>
               <a:ext uri="{28A0092B-C50C-407E-A947-70E740481C1C}">
-                <a14:useLocalDpi xmlns="" xmlns:a14="http://schemas.microsoft.com/office/drawing/2010/main" val="0"/>
+                <a14:useLocalDpi xmlns:a14="http://schemas.microsoft.com/office/drawing/2010/main" val="0"/>
               </a:ext>
             </a:extLst>
           </a:blip>
@@ -6895,14 +6971,14 @@
           </a:ln>
           <a:extLst>
             <a:ext uri="{909E8E84-426E-40DD-AFC4-6F175D3DCCD1}">
-              <a14:hiddenFill xmlns="" xmlns:a14="http://schemas.microsoft.com/office/drawing/2010/main">
+              <a14:hiddenFill xmlns:a14="http://schemas.microsoft.com/office/drawing/2010/main">
                 <a:solidFill>
                   <a:srgbClr val="FFFFFF"/>
                 </a:solidFill>
               </a14:hiddenFill>
             </a:ext>
             <a:ext uri="{91240B29-F687-4F45-9708-019B960494DF}">
-              <a14:hiddenLine xmlns="" xmlns:a14="http://schemas.microsoft.com/office/drawing/2010/main" w="9525">
+              <a14:hiddenLine xmlns:a14="http://schemas.microsoft.com/office/drawing/2010/main" w="9525">
                 <a:solidFill>
                   <a:srgbClr val="000000"/>
                 </a:solidFill>
@@ -6989,20 +7065,40 @@
           <a:lstStyle/>
           <a:p>
             <a:r>
-              <a:rPr lang="en-GB" altLang="en-US" smtClean="0"/>
-              <a:t>All methods use the throw statement to throw an exception</a:t>
+              <a:rPr lang="en-GB" altLang="en-US" dirty="0" smtClean="0"/>
+              <a:t>All methods use the </a:t>
+            </a:r>
+            <a:r>
+              <a:rPr lang="en-GB" altLang="en-US" dirty="0" smtClean="0">
+                <a:solidFill>
+                  <a:srgbClr val="FF0000"/>
+                </a:solidFill>
+              </a:rPr>
+              <a:t>throw </a:t>
+            </a:r>
+            <a:r>
+              <a:rPr lang="en-GB" altLang="en-US" dirty="0" smtClean="0">
+                <a:solidFill>
+                  <a:srgbClr val="FF0000"/>
+                </a:solidFill>
+              </a:rPr>
+              <a:t>an exception</a:t>
+            </a:r>
+            <a:r>
+              <a:rPr lang="en-GB" altLang="en-US" dirty="0" smtClean="0"/>
+              <a:t/>
             </a:r>
             <a:br>
-              <a:rPr lang="en-GB" altLang="en-US" smtClean="0"/>
+              <a:rPr lang="en-GB" altLang="en-US" dirty="0" smtClean="0"/>
             </a:br>
             <a:r>
-              <a:rPr lang="en-GB" altLang="en-US" smtClean="0"/>
+              <a:rPr lang="en-GB" altLang="en-US" dirty="0" smtClean="0"/>
               <a:t/>
             </a:r>
             <a:br>
-              <a:rPr lang="en-GB" altLang="en-US" smtClean="0"/>
+              <a:rPr lang="en-GB" altLang="en-US" dirty="0" smtClean="0"/>
             </a:br>
-            <a:endParaRPr lang="en-GB" altLang="en-US" smtClean="0"/>
+            <a:endParaRPr lang="en-GB" altLang="en-US" dirty="0" smtClean="0"/>
           </a:p>
         </p:txBody>
       </p:sp>
@@ -7018,7 +7114,7 @@
           <a:blip r:embed="rId2">
             <a:extLst>
               <a:ext uri="{28A0092B-C50C-407E-A947-70E740481C1C}">
-                <a14:useLocalDpi xmlns="" xmlns:a14="http://schemas.microsoft.com/office/drawing/2010/main" val="0"/>
+                <a14:useLocalDpi xmlns:a14="http://schemas.microsoft.com/office/drawing/2010/main" val="0"/>
               </a:ext>
             </a:extLst>
           </a:blip>
@@ -7029,7 +7125,7 @@
         </p:blipFill>
         <p:spPr bwMode="auto">
           <a:xfrm>
-            <a:off x="914400" y="3200400"/>
+            <a:off x="873918" y="2888192"/>
             <a:ext cx="7396163" cy="3241675"/>
           </a:xfrm>
           <a:prstGeom prst="rect">
@@ -7041,14 +7137,14 @@
           </a:ln>
           <a:extLst>
             <a:ext uri="{909E8E84-426E-40DD-AFC4-6F175D3DCCD1}">
-              <a14:hiddenFill xmlns="" xmlns:a14="http://schemas.microsoft.com/office/drawing/2010/main">
+              <a14:hiddenFill xmlns:a14="http://schemas.microsoft.com/office/drawing/2010/main">
                 <a:solidFill>
                   <a:srgbClr val="FFFFFF"/>
                 </a:solidFill>
               </a14:hiddenFill>
             </a:ext>
             <a:ext uri="{91240B29-F687-4F45-9708-019B960494DF}">
-              <a14:hiddenLine xmlns="" xmlns:a14="http://schemas.microsoft.com/office/drawing/2010/main" w="9525">
+              <a14:hiddenLine xmlns:a14="http://schemas.microsoft.com/office/drawing/2010/main" w="9525">
                 <a:solidFill>
                   <a:srgbClr val="000000"/>
                 </a:solidFill>
@@ -7265,8 +7361,20 @@
             <a:pPr eaLnBrk="1" hangingPunct="1"/>
             <a:r>
               <a:rPr lang="en-US" altLang="en-US" dirty="0" smtClean="0"/>
-              <a:t>Exceptions and Internal Classes</a:t>
-            </a:r>
+              <a:t>Exceptions and Internal </a:t>
+            </a:r>
+            <a:r>
+              <a:rPr lang="en-US" altLang="en-US" dirty="0" smtClean="0"/>
+              <a:t>Classes</a:t>
+            </a:r>
+          </a:p>
+          <a:p>
+            <a:pPr eaLnBrk="1" hangingPunct="1"/>
+            <a:r>
+              <a:rPr lang="en-US" altLang="en-US" dirty="0" smtClean="0"/>
+              <a:t>Why exception handling makes your code more manageable and reliable</a:t>
+            </a:r>
+            <a:endParaRPr lang="en-US" altLang="en-US" dirty="0" smtClean="0"/>
           </a:p>
           <a:p>
             <a:pPr eaLnBrk="1" hangingPunct="1"/>
@@ -7355,7 +7463,7 @@
           <a:blip r:embed="rId2">
             <a:extLst>
               <a:ext uri="{28A0092B-C50C-407E-A947-70E740481C1C}">
-                <a14:useLocalDpi xmlns="" xmlns:a14="http://schemas.microsoft.com/office/drawing/2010/main" val="0"/>
+                <a14:useLocalDpi xmlns:a14="http://schemas.microsoft.com/office/drawing/2010/main" val="0"/>
               </a:ext>
             </a:extLst>
           </a:blip>
@@ -7378,14 +7486,14 @@
           </a:ln>
           <a:extLst>
             <a:ext uri="{909E8E84-426E-40DD-AFC4-6F175D3DCCD1}">
-              <a14:hiddenFill xmlns="" xmlns:a14="http://schemas.microsoft.com/office/drawing/2010/main">
+              <a14:hiddenFill xmlns:a14="http://schemas.microsoft.com/office/drawing/2010/main">
                 <a:solidFill>
                   <a:srgbClr val="FFFFFF"/>
                 </a:solidFill>
               </a14:hiddenFill>
             </a:ext>
             <a:ext uri="{91240B29-F687-4F45-9708-019B960494DF}">
-              <a14:hiddenLine xmlns="" xmlns:a14="http://schemas.microsoft.com/office/drawing/2010/main" w="9525">
+              <a14:hiddenLine xmlns:a14="http://schemas.microsoft.com/office/drawing/2010/main" w="9525">
                 <a:solidFill>
                   <a:srgbClr val="000000"/>
                 </a:solidFill>
@@ -7469,7 +7577,7 @@
           <a:blip r:embed="rId2">
             <a:extLst>
               <a:ext uri="{28A0092B-C50C-407E-A947-70E740481C1C}">
-                <a14:useLocalDpi xmlns="" xmlns:a14="http://schemas.microsoft.com/office/drawing/2010/main" val="0"/>
+                <a14:useLocalDpi xmlns:a14="http://schemas.microsoft.com/office/drawing/2010/main" val="0"/>
               </a:ext>
             </a:extLst>
           </a:blip>
@@ -7492,14 +7600,14 @@
           </a:ln>
           <a:extLst>
             <a:ext uri="{909E8E84-426E-40DD-AFC4-6F175D3DCCD1}">
-              <a14:hiddenFill xmlns="" xmlns:a14="http://schemas.microsoft.com/office/drawing/2010/main">
+              <a14:hiddenFill xmlns:a14="http://schemas.microsoft.com/office/drawing/2010/main">
                 <a:solidFill>
                   <a:srgbClr val="FFFFFF"/>
                 </a:solidFill>
               </a14:hiddenFill>
             </a:ext>
             <a:ext uri="{91240B29-F687-4F45-9708-019B960494DF}">
-              <a14:hiddenLine xmlns="" xmlns:a14="http://schemas.microsoft.com/office/drawing/2010/main" w="9525">
+              <a14:hiddenLine xmlns:a14="http://schemas.microsoft.com/office/drawing/2010/main" w="9525">
                 <a:solidFill>
                   <a:srgbClr val="000000"/>
                 </a:solidFill>
@@ -7557,8 +7665,20 @@
           <a:lstStyle/>
           <a:p>
             <a:r>
-              <a:rPr lang="en-GB" altLang="en-US" smtClean="0"/>
-              <a:t>Creating New Exceptions</a:t>
+              <a:rPr lang="en-GB" altLang="en-US" dirty="0" smtClean="0"/>
+              <a:t>Creating </a:t>
+            </a:r>
+            <a:r>
+              <a:rPr lang="en-GB" altLang="en-US" b="1" dirty="0" smtClean="0">
+                <a:solidFill>
+                  <a:srgbClr val="FF0000"/>
+                </a:solidFill>
+              </a:rPr>
+              <a:t>New</a:t>
+            </a:r>
+            <a:r>
+              <a:rPr lang="en-GB" altLang="en-US" dirty="0" smtClean="0"/>
+              <a:t> Exceptions</a:t>
             </a:r>
           </a:p>
         </p:txBody>
@@ -7602,36 +7722,57 @@
               <a:t>Choose the correct </a:t>
             </a:r>
             <a:r>
-              <a:rPr lang="en-GB" dirty="0" err="1" smtClean="0"/>
+              <a:rPr lang="en-GB" b="1" dirty="0" err="1" smtClean="0">
+                <a:solidFill>
+                  <a:srgbClr val="FF0000"/>
+                </a:solidFill>
+              </a:rPr>
               <a:t>superclass</a:t>
             </a:r>
+            <a:endParaRPr lang="en-GB" b="1" dirty="0" smtClean="0">
+              <a:solidFill>
+                <a:srgbClr val="FF0000"/>
+              </a:solidFill>
+            </a:endParaRPr>
+          </a:p>
+          <a:p>
+            <a:pPr>
+              <a:defRPr/>
+            </a:pPr>
+            <a:r>
+              <a:rPr lang="en-GB" dirty="0" smtClean="0"/>
+              <a:t>Choosing the name</a:t>
+            </a:r>
+          </a:p>
+          <a:p>
+            <a:pPr lvl="1">
+              <a:defRPr/>
+            </a:pPr>
+            <a:r>
+              <a:rPr lang="en-GB" dirty="0" smtClean="0"/>
+              <a:t>The most important thing for new </a:t>
+            </a:r>
+            <a:r>
+              <a:rPr lang="en-GB" dirty="0" smtClean="0"/>
+              <a:t>exceptions</a:t>
+            </a:r>
             <a:endParaRPr lang="en-GB" dirty="0" smtClean="0"/>
           </a:p>
           <a:p>
-            <a:pPr>
-              <a:defRPr/>
-            </a:pPr>
-            <a:r>
-              <a:rPr lang="en-GB" dirty="0" smtClean="0"/>
-              <a:t>Choosing the name</a:t>
-            </a:r>
-          </a:p>
-          <a:p>
             <a:pPr lvl="1">
               <a:defRPr/>
             </a:pPr>
             <a:r>
               <a:rPr lang="en-GB" dirty="0" smtClean="0"/>
-              <a:t>The most important thing for new exceptions.</a:t>
-            </a:r>
-          </a:p>
-          <a:p>
-            <a:pPr lvl="1">
-              <a:defRPr/>
-            </a:pPr>
-            <a:r>
-              <a:rPr lang="en-GB" dirty="0" smtClean="0"/>
-              <a:t>Tends to be long an descriptive (</a:t>
+              <a:t>Tends to be long </a:t>
+            </a:r>
+            <a:r>
+              <a:rPr lang="en-GB" dirty="0" smtClean="0"/>
+              <a:t>and </a:t>
+            </a:r>
+            <a:r>
+              <a:rPr lang="en-GB" dirty="0" smtClean="0"/>
+              <a:t>descriptive (</a:t>
             </a:r>
             <a:r>
               <a:rPr lang="en-GB" dirty="0" err="1" smtClean="0"/>
@@ -7761,7 +7902,7 @@
           <a:blip r:embed="rId2">
             <a:extLst>
               <a:ext uri="{28A0092B-C50C-407E-A947-70E740481C1C}">
-                <a14:useLocalDpi xmlns="" xmlns:a14="http://schemas.microsoft.com/office/drawing/2010/main" val="0"/>
+                <a14:useLocalDpi xmlns:a14="http://schemas.microsoft.com/office/drawing/2010/main" val="0"/>
               </a:ext>
             </a:extLst>
           </a:blip>
@@ -7784,14 +7925,14 @@
           </a:ln>
           <a:extLst>
             <a:ext uri="{909E8E84-426E-40DD-AFC4-6F175D3DCCD1}">
-              <a14:hiddenFill xmlns="" xmlns:a14="http://schemas.microsoft.com/office/drawing/2010/main">
+              <a14:hiddenFill xmlns:a14="http://schemas.microsoft.com/office/drawing/2010/main">
                 <a:solidFill>
                   <a:srgbClr val="FFFFFF"/>
                 </a:solidFill>
               </a14:hiddenFill>
             </a:ext>
             <a:ext uri="{91240B29-F687-4F45-9708-019B960494DF}">
-              <a14:hiddenLine xmlns="" xmlns:a14="http://schemas.microsoft.com/office/drawing/2010/main" w="9525">
+              <a14:hiddenLine xmlns:a14="http://schemas.microsoft.com/office/drawing/2010/main" w="9525">
                 <a:solidFill>
                   <a:srgbClr val="000000"/>
                 </a:solidFill>
@@ -7917,7 +8058,7 @@
           <a:blip r:embed="rId2">
             <a:extLst>
               <a:ext uri="{28A0092B-C50C-407E-A947-70E740481C1C}">
-                <a14:useLocalDpi xmlns="" xmlns:a14="http://schemas.microsoft.com/office/drawing/2010/main" val="0"/>
+                <a14:useLocalDpi xmlns:a14="http://schemas.microsoft.com/office/drawing/2010/main" val="0"/>
               </a:ext>
             </a:extLst>
           </a:blip>
@@ -7940,14 +8081,14 @@
           </a:ln>
           <a:extLst>
             <a:ext uri="{909E8E84-426E-40DD-AFC4-6F175D3DCCD1}">
-              <a14:hiddenFill xmlns="" xmlns:a14="http://schemas.microsoft.com/office/drawing/2010/main">
+              <a14:hiddenFill xmlns:a14="http://schemas.microsoft.com/office/drawing/2010/main">
                 <a:solidFill>
                   <a:srgbClr val="FFFFFF"/>
                 </a:solidFill>
               </a14:hiddenFill>
             </a:ext>
             <a:ext uri="{91240B29-F687-4F45-9708-019B960494DF}">
-              <a14:hiddenLine xmlns="" xmlns:a14="http://schemas.microsoft.com/office/drawing/2010/main" w="9525">
+              <a14:hiddenLine xmlns:a14="http://schemas.microsoft.com/office/drawing/2010/main" w="9525">
                 <a:solidFill>
                   <a:srgbClr val="000000"/>
                 </a:solidFill>
@@ -8022,8 +8163,16 @@
           <a:lstStyle/>
           <a:p>
             <a:r>
-              <a:rPr lang="en-GB" altLang="en-US" smtClean="0"/>
-              <a:t>Exceptions can naturally be specified for methods in interfaces</a:t>
+              <a:rPr lang="en-GB" altLang="en-US" dirty="0" smtClean="0"/>
+              <a:t>Exceptions can naturally be specified for methods in </a:t>
+            </a:r>
+            <a:r>
+              <a:rPr lang="en-GB" altLang="en-US" b="1" dirty="0" smtClean="0">
+                <a:solidFill>
+                  <a:srgbClr val="FF0000"/>
+                </a:solidFill>
+              </a:rPr>
+              <a:t>interfaces</a:t>
             </a:r>
           </a:p>
         </p:txBody>
@@ -8040,7 +8189,7 @@
           <a:blip r:embed="rId2">
             <a:extLst>
               <a:ext uri="{28A0092B-C50C-407E-A947-70E740481C1C}">
-                <a14:useLocalDpi xmlns="" xmlns:a14="http://schemas.microsoft.com/office/drawing/2010/main" val="0"/>
+                <a14:useLocalDpi xmlns:a14="http://schemas.microsoft.com/office/drawing/2010/main" val="0"/>
               </a:ext>
             </a:extLst>
           </a:blip>
@@ -8063,14 +8212,14 @@
           </a:ln>
           <a:extLst>
             <a:ext uri="{909E8E84-426E-40DD-AFC4-6F175D3DCCD1}">
-              <a14:hiddenFill xmlns="" xmlns:a14="http://schemas.microsoft.com/office/drawing/2010/main">
+              <a14:hiddenFill xmlns:a14="http://schemas.microsoft.com/office/drawing/2010/main">
                 <a:solidFill>
                   <a:srgbClr val="FFFFFF"/>
                 </a:solidFill>
               </a14:hiddenFill>
             </a:ext>
             <a:ext uri="{91240B29-F687-4F45-9708-019B960494DF}">
-              <a14:hiddenLine xmlns="" xmlns:a14="http://schemas.microsoft.com/office/drawing/2010/main" w="9525">
+              <a14:hiddenLine xmlns:a14="http://schemas.microsoft.com/office/drawing/2010/main" w="9525">
                 <a:solidFill>
                   <a:srgbClr val="000000"/>
                 </a:solidFill>
@@ -8161,7 +8310,19 @@
             </a:pPr>
             <a:r>
               <a:rPr lang="en-GB" dirty="0" smtClean="0"/>
-              <a:t>If base-class method throws an exception, derived-class method may throw that exception or one derived from it</a:t>
+              <a:t>If base-class method throws an exception, </a:t>
+            </a:r>
+            <a:r>
+              <a:rPr lang="en-GB" b="1" dirty="0" smtClean="0">
+                <a:solidFill>
+                  <a:srgbClr val="FF0000"/>
+                </a:solidFill>
+              </a:rPr>
+              <a:t>derived-class method may throw that exception </a:t>
+            </a:r>
+            <a:r>
+              <a:rPr lang="en-GB" dirty="0" smtClean="0"/>
+              <a:t>or one derived from it</a:t>
             </a:r>
           </a:p>
           <a:p>
@@ -8205,7 +8366,7 @@
           <a:blip r:embed="rId2">
             <a:extLst>
               <a:ext uri="{28A0092B-C50C-407E-A947-70E740481C1C}">
-                <a14:useLocalDpi xmlns="" xmlns:a14="http://schemas.microsoft.com/office/drawing/2010/main" val="0"/>
+                <a14:useLocalDpi xmlns:a14="http://schemas.microsoft.com/office/drawing/2010/main" val="0"/>
               </a:ext>
             </a:extLst>
           </a:blip>
@@ -8228,14 +8389,14 @@
           </a:ln>
           <a:extLst>
             <a:ext uri="{909E8E84-426E-40DD-AFC4-6F175D3DCCD1}">
-              <a14:hiddenFill xmlns="" xmlns:a14="http://schemas.microsoft.com/office/drawing/2010/main">
+              <a14:hiddenFill xmlns:a14="http://schemas.microsoft.com/office/drawing/2010/main">
                 <a:solidFill>
                   <a:srgbClr val="FFFFFF"/>
                 </a:solidFill>
               </a14:hiddenFill>
             </a:ext>
             <a:ext uri="{91240B29-F687-4F45-9708-019B960494DF}">
-              <a14:hiddenLine xmlns="" xmlns:a14="http://schemas.microsoft.com/office/drawing/2010/main" w="9525">
+              <a14:hiddenLine xmlns:a14="http://schemas.microsoft.com/office/drawing/2010/main" w="9525">
                 <a:solidFill>
                   <a:srgbClr val="000000"/>
                 </a:solidFill>
@@ -8377,7 +8538,7 @@
           <a:blip r:embed="rId2">
             <a:extLst>
               <a:ext uri="{28A0092B-C50C-407E-A947-70E740481C1C}">
-                <a14:useLocalDpi xmlns="" xmlns:a14="http://schemas.microsoft.com/office/drawing/2010/main" val="0"/>
+                <a14:useLocalDpi xmlns:a14="http://schemas.microsoft.com/office/drawing/2010/main" val="0"/>
               </a:ext>
             </a:extLst>
           </a:blip>
@@ -8400,14 +8561,14 @@
           </a:ln>
           <a:extLst>
             <a:ext uri="{909E8E84-426E-40DD-AFC4-6F175D3DCCD1}">
-              <a14:hiddenFill xmlns="" xmlns:a14="http://schemas.microsoft.com/office/drawing/2010/main">
+              <a14:hiddenFill xmlns:a14="http://schemas.microsoft.com/office/drawing/2010/main">
                 <a:solidFill>
                   <a:srgbClr val="FFFFFF"/>
                 </a:solidFill>
               </a14:hiddenFill>
             </a:ext>
             <a:ext uri="{91240B29-F687-4F45-9708-019B960494DF}">
-              <a14:hiddenLine xmlns="" xmlns:a14="http://schemas.microsoft.com/office/drawing/2010/main" w="9525">
+              <a14:hiddenLine xmlns:a14="http://schemas.microsoft.com/office/drawing/2010/main" w="9525">
                 <a:solidFill>
                   <a:srgbClr val="000000"/>
                 </a:solidFill>
@@ -8827,9 +8988,14 @@
           <a:lstStyle/>
           <a:p>
             <a:r>
-              <a:rPr lang="en-GB" altLang="en-US" smtClean="0"/>
-              <a:t>Have you ever had a program crash the system?</a:t>
-            </a:r>
+              <a:rPr lang="en-GB" altLang="en-US" dirty="0" smtClean="0"/>
+              <a:t>Have you ever had a program </a:t>
+            </a:r>
+            <a:r>
+              <a:rPr lang="en-GB" altLang="en-US" dirty="0" smtClean="0"/>
+              <a:t>crash?</a:t>
+            </a:r>
+            <a:endParaRPr lang="en-GB" altLang="en-US" dirty="0" smtClean="0"/>
           </a:p>
         </p:txBody>
       </p:sp>
@@ -9391,7 +9557,7 @@
                   </a:outerShdw>
                 </a:effectLst>
               </a:rPr>
-              <a:t>What happens when Software </a:t>
+              <a:t>What happens when </a:t>
             </a:r>
             <a:r>
               <a:rPr lang="en-US" sz="6600" dirty="0" smtClean="0">
@@ -9418,7 +9584,7 @@
                   </a:outerShdw>
                 </a:effectLst>
               </a:rPr>
-              <a:t>C</a:t>
+              <a:t>Program Crashes</a:t>
             </a:r>
             <a:r>
               <a:rPr lang="en-US" sz="6600" dirty="0" smtClean="0">
@@ -9445,7 +9611,7 @@
                   </a:outerShdw>
                 </a:effectLst>
               </a:rPr>
-              <a:t>rashes?</a:t>
+              <a:t>?</a:t>
             </a:r>
           </a:p>
         </p:txBody>
@@ -9521,7 +9687,15 @@
           <a:p>
             <a:r>
               <a:rPr lang="en-GB" altLang="en-US" dirty="0" smtClean="0"/>
-              <a:t>Why did it </a:t>
+              <a:t>Why did </a:t>
+            </a:r>
+            <a:r>
+              <a:rPr lang="en-GB" altLang="en-US" dirty="0" smtClean="0"/>
+              <a:t>the program</a:t>
+            </a:r>
+            <a:r>
+              <a:rPr lang="en-GB" altLang="en-US" dirty="0" smtClean="0"/>
+              <a:t> </a:t>
             </a:r>
             <a:r>
               <a:rPr lang="en-GB" altLang="en-US" b="1" dirty="0" smtClean="0">
@@ -9551,23 +9725,7 @@
             </a:r>
             <a:r>
               <a:rPr lang="en-GB" altLang="en-US" dirty="0" smtClean="0"/>
-              <a:t> </a:t>
-            </a:r>
-            <a:r>
-              <a:rPr lang="en-GB" altLang="en-US" dirty="0" smtClean="0"/>
-              <a:t>the program from</a:t>
-            </a:r>
-            <a:r>
-              <a:rPr lang="en-GB" altLang="en-US" dirty="0" smtClean="0"/>
-              <a:t> </a:t>
-            </a:r>
-            <a:r>
-              <a:rPr lang="en-GB" altLang="en-US" dirty="0" smtClean="0"/>
-              <a:t>crashing</a:t>
-            </a:r>
-            <a:r>
-              <a:rPr lang="en-GB" altLang="en-US" dirty="0" smtClean="0"/>
-              <a:t>?</a:t>
+              <a:t> the program from crashing?</a:t>
             </a:r>
           </a:p>
           <a:p>
@@ -9575,7 +9733,6 @@
               <a:rPr lang="en-GB" altLang="en-US" dirty="0" smtClean="0"/>
               <a:t>Who’s fault was it?</a:t>
             </a:r>
-            <a:endParaRPr lang="en-GB" altLang="en-US" dirty="0" smtClean="0"/>
           </a:p>
         </p:txBody>
       </p:sp>
@@ -9646,12 +9803,12 @@
         <p:spPr>
           <a:xfrm>
             <a:off x="685800" y="1981200"/>
-            <a:ext cx="7772400" cy="4343400"/>
+            <a:ext cx="5334000" cy="4343400"/>
           </a:xfrm>
         </p:spPr>
         <p:txBody>
           <a:bodyPr>
-            <a:normAutofit fontScale="92500" lnSpcReduction="10000"/>
+            <a:normAutofit fontScale="85000" lnSpcReduction="20000"/>
           </a:bodyPr>
           <a:lstStyle/>
           <a:p>
@@ -9668,7 +9825,11 @@
               <a:defRPr/>
             </a:pPr>
             <a:r>
-              <a:rPr lang="en-GB" dirty="0" smtClean="0"/>
+              <a:rPr lang="en-GB" dirty="0" smtClean="0">
+                <a:solidFill>
+                  <a:srgbClr val="FF0000"/>
+                </a:solidFill>
+              </a:rPr>
               <a:t>Java's exception handling mechanism</a:t>
             </a:r>
           </a:p>
@@ -9738,6 +9899,30 @@
           </a:p>
         </p:txBody>
       </p:sp>
+      <p:pic>
+        <p:nvPicPr>
+          <p:cNvPr id="4" name="Picture 3"/>
+          <p:cNvPicPr>
+            <a:picLocks noChangeAspect="1"/>
+          </p:cNvPicPr>
+          <p:nvPr/>
+        </p:nvPicPr>
+        <p:blipFill>
+          <a:blip r:embed="rId2"/>
+          <a:stretch>
+            <a:fillRect/>
+          </a:stretch>
+        </p:blipFill>
+        <p:spPr>
+          <a:xfrm>
+            <a:off x="5943600" y="1905000"/>
+            <a:ext cx="2895600" cy="2895600"/>
+          </a:xfrm>
+          <a:prstGeom prst="rect">
+            <a:avLst/>
+          </a:prstGeom>
+        </p:spPr>
+      </p:pic>
     </p:spTree>
   </p:cSld>
   <p:clrMapOvr>
@@ -9904,6 +10089,13 @@
   <p:clrMapOvr>
     <a:masterClrMapping/>
   </p:clrMapOvr>
+  <p:timing>
+    <p:tnLst>
+      <p:par>
+        <p:cTn id="1" dur="indefinite" restart="never" nodeType="tmRoot"/>
+      </p:par>
+    </p:tnLst>
+  </p:timing>
 </p:sld>
 </file>
 
@@ -10038,7 +10230,11 @@
               <a:defRPr/>
             </a:pPr>
             <a:r>
-              <a:rPr lang="en-GB" dirty="0" smtClean="0"/>
+              <a:rPr lang="en-GB" b="1" dirty="0" smtClean="0">
+                <a:solidFill>
+                  <a:srgbClr val="FF0000"/>
+                </a:solidFill>
+              </a:rPr>
               <a:t>Raise an exception, catch it, and act</a:t>
             </a:r>
           </a:p>
@@ -10048,7 +10244,15 @@
             </a:pPr>
             <a:r>
               <a:rPr lang="en-GB" dirty="0" smtClean="0"/>
-              <a:t>The idea comes from hardware</a:t>
+              <a:t>The idea comes from </a:t>
+            </a:r>
+            <a:r>
+              <a:rPr lang="en-GB" b="1" dirty="0" smtClean="0">
+                <a:solidFill>
+                  <a:srgbClr val="FF0000"/>
+                </a:solidFill>
+              </a:rPr>
+              <a:t>hardware</a:t>
             </a:r>
           </a:p>
           <a:p>
@@ -10068,6 +10272,13 @@
   <p:clrMapOvr>
     <a:masterClrMapping/>
   </p:clrMapOvr>
+  <p:timing>
+    <p:tnLst>
+      <p:par>
+        <p:cTn id="1" dur="indefinite" restart="never" nodeType="tmRoot"/>
+      </p:par>
+    </p:tnLst>
+  </p:timing>
 </p:sld>
 </file>
 
@@ -10554,7 +10765,7 @@
   </a:extraClrSchemeLst>
   <a:extLst>
     <a:ext uri="{05A4C25C-085E-4340-85A3-A5531E510DB2}">
-      <thm15:themeFamily xmlns="" xmlns:thm15="http://schemas.microsoft.com/office/thememl/2012/main" name="Office Theme" id="{62F939B6-93AF-4DB8-9C6B-D6C7DFDC589F}" vid="{4A3C46E8-61CC-4603-A589-7422A47A8E4A}"/>
+      <thm15:themeFamily xmlns:thm15="http://schemas.microsoft.com/office/thememl/2012/main" name="Office Theme" id="{62F939B6-93AF-4DB8-9C6B-D6C7DFDC589F}" vid="{4A3C46E8-61CC-4603-A589-7422A47A8E4A}"/>
     </a:ext>
   </a:extLst>
 </a:theme>
@@ -10815,7 +11026,7 @@
   <a:extraClrSchemeLst/>
   <a:extLst>
     <a:ext uri="{05A4C25C-085E-4340-85A3-A5531E510DB2}">
-      <thm15:themeFamily xmlns="" xmlns:thm15="http://schemas.microsoft.com/office/thememl/2012/main" name="Office Theme" id="{62F939B6-93AF-4DB8-9C6B-D6C7DFDC589F}" vid="{4A3C46E8-61CC-4603-A589-7422A47A8E4A}"/>
+      <thm15:themeFamily xmlns:thm15="http://schemas.microsoft.com/office/thememl/2012/main" name="Office Theme" id="{62F939B6-93AF-4DB8-9C6B-D6C7DFDC589F}" vid="{4A3C46E8-61CC-4603-A589-7422A47A8E4A}"/>
     </a:ext>
   </a:extLst>
 </a:theme>

--- a/OOP/lectures/060--Internal.Classes.and.Exceptions.pptx
+++ b/OOP/lectures/060--Internal.Classes.and.Exceptions.pptx
@@ -47,8 +47,8 @@
     <p:sldId id="308" r:id="rId38"/>
     <p:sldId id="309" r:id="rId39"/>
     <p:sldId id="279" r:id="rId40"/>
-    <p:sldId id="275" r:id="rId41"/>
-    <p:sldId id="272" r:id="rId42"/>
+    <p:sldId id="272" r:id="rId41"/>
+    <p:sldId id="275" r:id="rId42"/>
     <p:sldId id="276" r:id="rId43"/>
     <p:sldId id="268" r:id="rId44"/>
   </p:sldIdLst>
@@ -4022,11 +4022,7 @@
             </a:r>
             <a:r>
               <a:rPr lang="en-GB" dirty="0" smtClean="0"/>
-              <a:t>good </a:t>
-            </a:r>
-            <a:r>
-              <a:rPr lang="en-GB" dirty="0" smtClean="0"/>
-              <a:t>approach</a:t>
+              <a:t>good approach</a:t>
             </a:r>
             <a:endParaRPr lang="en-GB" dirty="0"/>
           </a:p>
@@ -7074,15 +7070,7 @@
                   <a:srgbClr val="FF0000"/>
                 </a:solidFill>
               </a:rPr>
-              <a:t>throw </a:t>
-            </a:r>
-            <a:r>
-              <a:rPr lang="en-GB" altLang="en-US" dirty="0" smtClean="0">
-                <a:solidFill>
-                  <a:srgbClr val="FF0000"/>
-                </a:solidFill>
-              </a:rPr>
-              <a:t>an exception</a:t>
+              <a:t>throw an exception</a:t>
             </a:r>
             <a:r>
               <a:rPr lang="en-GB" altLang="en-US" dirty="0" smtClean="0"/>
@@ -7361,11 +7349,7 @@
             <a:pPr eaLnBrk="1" hangingPunct="1"/>
             <a:r>
               <a:rPr lang="en-US" altLang="en-US" dirty="0" smtClean="0"/>
-              <a:t>Exceptions and Internal </a:t>
-            </a:r>
-            <a:r>
-              <a:rPr lang="en-US" altLang="en-US" dirty="0" smtClean="0"/>
-              <a:t>Classes</a:t>
+              <a:t>Exceptions and Internal Classes</a:t>
             </a:r>
           </a:p>
           <a:p>
@@ -7374,7 +7358,6 @@
               <a:rPr lang="en-US" altLang="en-US" dirty="0" smtClean="0"/>
               <a:t>Why exception handling makes your code more manageable and reliable</a:t>
             </a:r>
-            <a:endParaRPr lang="en-US" altLang="en-US" dirty="0" smtClean="0"/>
           </a:p>
           <a:p>
             <a:pPr eaLnBrk="1" hangingPunct="1"/>
@@ -7750,13 +7733,8 @@
             </a:pPr>
             <a:r>
               <a:rPr lang="en-GB" dirty="0" smtClean="0"/>
-              <a:t>The most important thing for new </a:t>
-            </a:r>
-            <a:r>
-              <a:rPr lang="en-GB" dirty="0" smtClean="0"/>
-              <a:t>exceptions</a:t>
-            </a:r>
-            <a:endParaRPr lang="en-GB" dirty="0" smtClean="0"/>
+              <a:t>The most important thing for new exceptions</a:t>
+            </a:r>
           </a:p>
           <a:p>
             <a:pPr lvl="1">
@@ -7764,15 +7742,7 @@
             </a:pPr>
             <a:r>
               <a:rPr lang="en-GB" dirty="0" smtClean="0"/>
-              <a:t>Tends to be long </a:t>
-            </a:r>
-            <a:r>
-              <a:rPr lang="en-GB" dirty="0" smtClean="0"/>
-              <a:t>and </a:t>
-            </a:r>
-            <a:r>
-              <a:rPr lang="en-GB" dirty="0" smtClean="0"/>
-              <a:t>descriptive (</a:t>
+              <a:t>Tends to be long and descriptive (</a:t>
             </a:r>
             <a:r>
               <a:rPr lang="en-GB" dirty="0" err="1" smtClean="0"/>
@@ -8989,13 +8959,8 @@
           <a:p>
             <a:r>
               <a:rPr lang="en-GB" altLang="en-US" dirty="0" smtClean="0"/>
-              <a:t>Have you ever had a program </a:t>
-            </a:r>
-            <a:r>
-              <a:rPr lang="en-GB" altLang="en-US" dirty="0" smtClean="0"/>
-              <a:t>crash?</a:t>
-            </a:r>
-            <a:endParaRPr lang="en-GB" altLang="en-US" dirty="0" smtClean="0"/>
+              <a:t>Have you ever had a program crash?</a:t>
+            </a:r>
           </a:p>
         </p:txBody>
       </p:sp>
@@ -9033,7 +8998,7 @@
       </p:grpSpPr>
       <p:sp>
         <p:nvSpPr>
-          <p:cNvPr id="48130" name="Title 1"/>
+          <p:cNvPr id="49154" name="Title 1"/>
           <p:cNvSpPr>
             <a:spLocks noGrp="1"/>
           </p:cNvSpPr>
@@ -9048,14 +9013,14 @@
           <a:p>
             <a:r>
               <a:rPr lang="en-GB" altLang="en-US" smtClean="0"/>
-              <a:t>This Week</a:t>
-            </a:r>
-          </a:p>
-        </p:txBody>
-      </p:sp>
-      <p:sp>
-        <p:nvSpPr>
-          <p:cNvPr id="48131" name="Content Placeholder 2"/>
+              <a:t>Summary</a:t>
+            </a:r>
+          </a:p>
+        </p:txBody>
+      </p:sp>
+      <p:sp>
+        <p:nvSpPr>
+          <p:cNvPr id="49155" name="Content Placeholder 2"/>
           <p:cNvSpPr>
             <a:spLocks noGrp="1"/>
           </p:cNvSpPr>
@@ -9063,41 +9028,71 @@
             <p:ph idx="1"/>
           </p:nvPr>
         </p:nvSpPr>
-        <p:spPr/>
+        <p:spPr>
+          <a:xfrm>
+            <a:off x="685800" y="1981200"/>
+            <a:ext cx="5867400" cy="4114800"/>
+          </a:xfrm>
+        </p:spPr>
         <p:txBody>
           <a:bodyPr/>
           <a:lstStyle/>
           <a:p>
             <a:r>
-              <a:rPr lang="en-GB" altLang="en-US" smtClean="0"/>
-              <a:t>Read Associated Chapters</a:t>
-            </a:r>
-          </a:p>
-          <a:p>
-            <a:r>
-              <a:rPr lang="en-GB" altLang="en-US" smtClean="0"/>
-              <a:t>Review Slides</a:t>
-            </a:r>
-          </a:p>
-          <a:p>
-            <a:r>
-              <a:rPr lang="en-GB" altLang="en-US" smtClean="0"/>
-              <a:t>Java Exercises</a:t>
-            </a:r>
-          </a:p>
-          <a:p>
-            <a:r>
-              <a:rPr lang="en-GB" altLang="en-US" smtClean="0"/>
-              <a:t>Online Quizzes</a:t>
-            </a:r>
-          </a:p>
-        </p:txBody>
-      </p:sp>
+              <a:rPr lang="en-GB" altLang="en-US" dirty="0" smtClean="0"/>
+              <a:t>Overview Java Exceptions and Internal Classes</a:t>
+            </a:r>
+          </a:p>
+          <a:p>
+            <a:r>
+              <a:rPr lang="en-GB" altLang="en-US" dirty="0" smtClean="0"/>
+              <a:t>Hands-On/Practical</a:t>
+            </a:r>
+          </a:p>
+          <a:p>
+            <a:r>
+              <a:rPr lang="en-GB" altLang="en-US" dirty="0" smtClean="0"/>
+              <a:t>Today is about becoming comfortable/familiar with Exceptions</a:t>
+            </a:r>
+          </a:p>
+        </p:txBody>
+      </p:sp>
+      <p:pic>
+        <p:nvPicPr>
+          <p:cNvPr id="4" name="Picture 3"/>
+          <p:cNvPicPr>
+            <a:picLocks noChangeAspect="1"/>
+          </p:cNvPicPr>
+          <p:nvPr/>
+        </p:nvPicPr>
+        <p:blipFill>
+          <a:blip r:embed="rId2"/>
+          <a:stretch>
+            <a:fillRect/>
+          </a:stretch>
+        </p:blipFill>
+        <p:spPr>
+          <a:xfrm>
+            <a:off x="6629400" y="1600200"/>
+            <a:ext cx="2066925" cy="4362450"/>
+          </a:xfrm>
+          <a:prstGeom prst="rect">
+            <a:avLst/>
+          </a:prstGeom>
+        </p:spPr>
+      </p:pic>
     </p:spTree>
   </p:cSld>
   <p:clrMapOvr>
     <a:masterClrMapping/>
   </p:clrMapOvr>
+  <p:timing>
+    <p:tnLst>
+      <p:par>
+        <p:cTn id="1" dur="indefinite" restart="never" nodeType="tmRoot"/>
+      </p:par>
+    </p:tnLst>
+  </p:timing>
 </p:sld>
 </file>
 
@@ -9120,7 +9115,7 @@
       </p:grpSpPr>
       <p:sp>
         <p:nvSpPr>
-          <p:cNvPr id="49154" name="Title 1"/>
+          <p:cNvPr id="48130" name="Title 1"/>
           <p:cNvSpPr>
             <a:spLocks noGrp="1"/>
           </p:cNvSpPr>
@@ -9135,14 +9130,14 @@
           <a:p>
             <a:r>
               <a:rPr lang="en-GB" altLang="en-US" smtClean="0"/>
-              <a:t>Summary</a:t>
-            </a:r>
-          </a:p>
-        </p:txBody>
-      </p:sp>
-      <p:sp>
-        <p:nvSpPr>
-          <p:cNvPr id="49155" name="Content Placeholder 2"/>
+              <a:t>This Week</a:t>
+            </a:r>
+          </a:p>
+        </p:txBody>
+      </p:sp>
+      <p:sp>
+        <p:nvSpPr>
+          <p:cNvPr id="48131" name="Content Placeholder 2"/>
           <p:cNvSpPr>
             <a:spLocks noGrp="1"/>
           </p:cNvSpPr>
@@ -9157,19 +9152,25 @@
           <a:p>
             <a:r>
               <a:rPr lang="en-GB" altLang="en-US" smtClean="0"/>
-              <a:t>Overview Java Exceptions and Internal Classes</a:t>
+              <a:t>Read Associated Chapters</a:t>
             </a:r>
           </a:p>
           <a:p>
             <a:r>
               <a:rPr lang="en-GB" altLang="en-US" smtClean="0"/>
-              <a:t>Hands-On/Practical</a:t>
+              <a:t>Review Slides</a:t>
             </a:r>
           </a:p>
           <a:p>
             <a:r>
               <a:rPr lang="en-GB" altLang="en-US" smtClean="0"/>
-              <a:t>Today is about becoming comfortable/familiar with Exceptions</a:t>
+              <a:t>Java Exercises</a:t>
+            </a:r>
+          </a:p>
+          <a:p>
+            <a:r>
+              <a:rPr lang="en-GB" altLang="en-US" smtClean="0"/>
+              <a:t>Online Quizzes</a:t>
             </a:r>
           </a:p>
         </p:txBody>
@@ -9179,13 +9180,6 @@
   <p:clrMapOvr>
     <a:masterClrMapping/>
   </p:clrMapOvr>
-  <p:timing>
-    <p:tnLst>
-      <p:par>
-        <p:cTn id="1" dur="indefinite" restart="never" nodeType="tmRoot"/>
-      </p:par>
-    </p:tnLst>
-  </p:timing>
 </p:sld>
 </file>
 
@@ -9557,61 +9551,7 @@
                   </a:outerShdw>
                 </a:effectLst>
               </a:rPr>
-              <a:t>What happens when </a:t>
-            </a:r>
-            <a:r>
-              <a:rPr lang="en-US" sz="6600" dirty="0" smtClean="0">
-                <a:ln w="18415" cmpd="sng">
-                  <a:solidFill>
-                    <a:srgbClr val="FFFFFF"/>
-                  </a:solidFill>
-                  <a:prstDash val="solid"/>
-                </a:ln>
-                <a:solidFill>
-                  <a:srgbClr val="FFFFFF"/>
-                </a:solidFill>
-                <a:effectLst>
-                  <a:glow rad="101600">
-                    <a:schemeClr val="tx1">
-                      <a:lumMod val="65000"/>
-                      <a:alpha val="60000"/>
-                    </a:schemeClr>
-                  </a:glow>
-                  <a:outerShdw blurRad="50800" dist="38100" dir="2700000" algn="tl" rotWithShape="0">
-                    <a:prstClr val="black">
-                      <a:alpha val="40000"/>
-                    </a:prstClr>
-                  </a:outerShdw>
-                </a:effectLst>
-              </a:rPr>
-              <a:t>Program Crashes</a:t>
-            </a:r>
-            <a:r>
-              <a:rPr lang="en-US" sz="6600" dirty="0" smtClean="0">
-                <a:ln w="18415" cmpd="sng">
-                  <a:solidFill>
-                    <a:srgbClr val="FFFFFF"/>
-                  </a:solidFill>
-                  <a:prstDash val="solid"/>
-                </a:ln>
-                <a:solidFill>
-                  <a:srgbClr val="FFFFFF"/>
-                </a:solidFill>
-                <a:effectLst>
-                  <a:glow rad="101600">
-                    <a:schemeClr val="tx1">
-                      <a:lumMod val="65000"/>
-                      <a:alpha val="60000"/>
-                    </a:schemeClr>
-                  </a:glow>
-                  <a:outerShdw blurRad="50800" dist="38100" dir="2700000" algn="tl" rotWithShape="0">
-                    <a:prstClr val="black">
-                      <a:alpha val="40000"/>
-                    </a:prstClr>
-                  </a:outerShdw>
-                </a:effectLst>
-              </a:rPr>
-              <a:t>?</a:t>
+              <a:t>What happens when Program Crashes?</a:t>
             </a:r>
           </a:p>
         </p:txBody>
@@ -9687,15 +9627,7 @@
           <a:p>
             <a:r>
               <a:rPr lang="en-GB" altLang="en-US" dirty="0" smtClean="0"/>
-              <a:t>Why did </a:t>
-            </a:r>
-            <a:r>
-              <a:rPr lang="en-GB" altLang="en-US" dirty="0" smtClean="0"/>
-              <a:t>the program</a:t>
-            </a:r>
-            <a:r>
-              <a:rPr lang="en-GB" altLang="en-US" dirty="0" smtClean="0"/>
-              <a:t> </a:t>
+              <a:t>Why did the program </a:t>
             </a:r>
             <a:r>
               <a:rPr lang="en-GB" altLang="en-US" b="1" dirty="0" smtClean="0">

--- a/OOP/lectures/060--Internal.Classes.and.Exceptions.pptx
+++ b/OOP/lectures/060--Internal.Classes.and.Exceptions.pptx
@@ -1048,7 +1048,7 @@
               <a:pPr>
                 <a:defRPr/>
               </a:pPr>
-              <a:t>10/30/2017</a:t>
+              <a:t>10/31/2017</a:t>
             </a:fld>
             <a:endParaRPr lang="en-US" altLang="en-US"/>
           </a:p>
@@ -1282,7 +1282,7 @@
               <a:pPr>
                 <a:defRPr/>
               </a:pPr>
-              <a:t>10/30/2017</a:t>
+              <a:t>10/31/2017</a:t>
             </a:fld>
             <a:endParaRPr lang="en-US" altLang="en-US"/>
           </a:p>
@@ -2155,7 +2155,7 @@
               <a:pPr>
                 <a:defRPr/>
               </a:pPr>
-              <a:t>10/30/2017</a:t>
+              <a:t>10/31/2017</a:t>
             </a:fld>
             <a:endParaRPr lang="en-US" altLang="en-US"/>
           </a:p>
@@ -2304,7 +2304,7 @@
               <a:pPr>
                 <a:defRPr/>
               </a:pPr>
-              <a:t>10/30/2017</a:t>
+              <a:t>10/31/2017</a:t>
             </a:fld>
             <a:endParaRPr lang="en-US" altLang="en-US"/>
           </a:p>
@@ -2635,7 +2635,7 @@
               <a:pPr>
                 <a:defRPr/>
               </a:pPr>
-              <a:t>10/30/2017</a:t>
+              <a:t>10/31/2017</a:t>
             </a:fld>
             <a:endParaRPr lang="en-US" altLang="en-US"/>
           </a:p>
@@ -2943,7 +2943,7 @@
               <a:pPr>
                 <a:defRPr/>
               </a:pPr>
-              <a:t>10/30/2017</a:t>
+              <a:t>10/31/2017</a:t>
             </a:fld>
             <a:endParaRPr lang="en-US" altLang="en-US"/>
           </a:p>
@@ -9551,8 +9551,86 @@
                   </a:outerShdw>
                 </a:effectLst>
               </a:rPr>
-              <a:t>What happens when Program Crashes?</a:t>
-            </a:r>
+              <a:t>What happens </a:t>
+            </a:r>
+            <a:r>
+              <a:rPr lang="en-US" sz="6600" smtClean="0">
+                <a:ln w="18415" cmpd="sng">
+                  <a:solidFill>
+                    <a:srgbClr val="FFFFFF"/>
+                  </a:solidFill>
+                  <a:prstDash val="solid"/>
+                </a:ln>
+                <a:solidFill>
+                  <a:srgbClr val="FFFFFF"/>
+                </a:solidFill>
+                <a:effectLst>
+                  <a:glow rad="101600">
+                    <a:schemeClr val="tx1">
+                      <a:lumMod val="65000"/>
+                      <a:alpha val="60000"/>
+                    </a:schemeClr>
+                  </a:glow>
+                  <a:outerShdw blurRad="50800" dist="38100" dir="2700000" algn="tl" rotWithShape="0">
+                    <a:prstClr val="black">
+                      <a:alpha val="40000"/>
+                    </a:prstClr>
+                  </a:outerShdw>
+                </a:effectLst>
+              </a:rPr>
+              <a:t>when </a:t>
+            </a:r>
+            <a:r>
+              <a:rPr lang="en-US" sz="6600" smtClean="0">
+                <a:ln w="18415" cmpd="sng">
+                  <a:solidFill>
+                    <a:srgbClr val="FFFFFF"/>
+                  </a:solidFill>
+                  <a:prstDash val="solid"/>
+                </a:ln>
+                <a:solidFill>
+                  <a:srgbClr val="FFFFFF"/>
+                </a:solidFill>
+                <a:effectLst>
+                  <a:glow rad="101600">
+                    <a:schemeClr val="tx1">
+                      <a:lumMod val="65000"/>
+                      <a:alpha val="60000"/>
+                    </a:schemeClr>
+                  </a:glow>
+                  <a:outerShdw blurRad="50800" dist="38100" dir="2700000" algn="tl" rotWithShape="0">
+                    <a:prstClr val="black">
+                      <a:alpha val="40000"/>
+                    </a:prstClr>
+                  </a:outerShdw>
+                </a:effectLst>
+              </a:rPr>
+              <a:t>Programs Crash?</a:t>
+            </a:r>
+            <a:endParaRPr lang="en-US" sz="6600" dirty="0" smtClean="0">
+              <a:ln w="18415" cmpd="sng">
+                <a:solidFill>
+                  <a:srgbClr val="FFFFFF"/>
+                </a:solidFill>
+                <a:prstDash val="solid"/>
+              </a:ln>
+              <a:solidFill>
+                <a:srgbClr val="FFFFFF"/>
+              </a:solidFill>
+              <a:effectLst>
+                <a:glow rad="101600">
+                  <a:schemeClr val="tx1">
+                    <a:lumMod val="65000"/>
+                    <a:alpha val="60000"/>
+                  </a:schemeClr>
+                </a:glow>
+                <a:outerShdw blurRad="50800" dist="38100" dir="2700000" algn="tl" rotWithShape="0">
+                  <a:prstClr val="black">
+                    <a:alpha val="40000"/>
+                  </a:prstClr>
+                </a:outerShdw>
+              </a:effectLst>
+            </a:endParaRPr>
           </a:p>
         </p:txBody>
       </p:sp>
